--- a/PowerPoint/Create a RESTful API with ASPNet Core and Swagger.pptx
+++ b/PowerPoint/Create a RESTful API with ASPNet Core and Swagger.pptx
@@ -6,6 +6,20 @@
   </p:sldMasterIdLst>
   <p:sldIdLst>
     <p:sldId id="256" r:id="rId2"/>
+    <p:sldId id="262" r:id="rId3"/>
+    <p:sldId id="258" r:id="rId4"/>
+    <p:sldId id="259" r:id="rId5"/>
+    <p:sldId id="260" r:id="rId6"/>
+    <p:sldId id="261" r:id="rId7"/>
+    <p:sldId id="263" r:id="rId8"/>
+    <p:sldId id="257" r:id="rId9"/>
+    <p:sldId id="264" r:id="rId10"/>
+    <p:sldId id="265" r:id="rId11"/>
+    <p:sldId id="266" r:id="rId12"/>
+    <p:sldId id="270" r:id="rId13"/>
+    <p:sldId id="269" r:id="rId14"/>
+    <p:sldId id="267" r:id="rId15"/>
+    <p:sldId id="268" r:id="rId16"/>
   </p:sldIdLst>
   <p:sldSz cx="12192000" cy="6858000"/>
   <p:notesSz cx="6858000" cy="9144000"/>
@@ -9507,6 +9521,6594 @@
 </p:sld>
 </file>
 
+<file path=ppt/slides/slide10.xml><?xml version="1.0" encoding="utf-8"?>
+<p:sld xmlns:a="http://schemas.openxmlformats.org/drawingml/2006/main" xmlns:r="http://schemas.openxmlformats.org/officeDocument/2006/relationships" xmlns:p="http://schemas.openxmlformats.org/presentationml/2006/main">
+  <p:cSld>
+    <p:spTree>
+      <p:nvGrpSpPr>
+        <p:cNvPr id="1" name=""/>
+        <p:cNvGrpSpPr/>
+        <p:nvPr/>
+      </p:nvGrpSpPr>
+      <p:grpSpPr>
+        <a:xfrm>
+          <a:off x="0" y="0"/>
+          <a:ext cx="0" cy="0"/>
+          <a:chOff x="0" y="0"/>
+          <a:chExt cx="0" cy="0"/>
+        </a:xfrm>
+      </p:grpSpPr>
+      <p:sp>
+        <p:nvSpPr>
+          <p:cNvPr id="3" name="Content Placeholder 2">
+            <a:extLst>
+              <a:ext uri="{FF2B5EF4-FFF2-40B4-BE49-F238E27FC236}">
+                <a16:creationId xmlns:a16="http://schemas.microsoft.com/office/drawing/2014/main" id="{46727042-05B2-4E3F-8B93-3B24F055F63D}"/>
+              </a:ext>
+            </a:extLst>
+          </p:cNvPr>
+          <p:cNvSpPr>
+            <a:spLocks noGrp="1"/>
+          </p:cNvSpPr>
+          <p:nvPr>
+            <p:ph idx="1"/>
+          </p:nvPr>
+        </p:nvSpPr>
+        <p:spPr/>
+        <p:txBody>
+          <a:bodyPr/>
+          <a:lstStyle/>
+          <a:p>
+            <a:r>
+              <a:rPr lang="en-US" dirty="0" err="1"/>
+              <a:t>GetAllUsers</a:t>
+            </a:r>
+            <a:endParaRPr lang="en-US" dirty="0"/>
+          </a:p>
+          <a:p>
+            <a:r>
+              <a:rPr lang="en-US" dirty="0" err="1">
+                <a:solidFill>
+                  <a:srgbClr val="C00000"/>
+                </a:solidFill>
+              </a:rPr>
+              <a:t>GetUserById</a:t>
+            </a:r>
+            <a:endParaRPr lang="en-US" dirty="0">
+              <a:solidFill>
+                <a:srgbClr val="C00000"/>
+              </a:solidFill>
+            </a:endParaRPr>
+          </a:p>
+          <a:p>
+            <a:r>
+              <a:rPr lang="en-US" dirty="0" err="1">
+                <a:solidFill>
+                  <a:srgbClr val="C00000"/>
+                </a:solidFill>
+              </a:rPr>
+              <a:t>GetUserAndBudgetByUserId</a:t>
+            </a:r>
+            <a:endParaRPr lang="en-US" dirty="0">
+              <a:solidFill>
+                <a:srgbClr val="C00000"/>
+              </a:solidFill>
+            </a:endParaRPr>
+          </a:p>
+          <a:p>
+            <a:r>
+              <a:rPr lang="en-US" dirty="0" err="1">
+                <a:solidFill>
+                  <a:srgbClr val="C00000"/>
+                </a:solidFill>
+              </a:rPr>
+              <a:t>GetUserAndBydgetByCategory</a:t>
+            </a:r>
+            <a:endParaRPr lang="en-US" dirty="0">
+              <a:solidFill>
+                <a:srgbClr val="C00000"/>
+              </a:solidFill>
+            </a:endParaRPr>
+          </a:p>
+          <a:p>
+            <a:r>
+              <a:rPr lang="en-US" dirty="0" err="1">
+                <a:solidFill>
+                  <a:srgbClr val="C00000"/>
+                </a:solidFill>
+              </a:rPr>
+              <a:t>InsertUser</a:t>
+            </a:r>
+            <a:endParaRPr lang="en-US" dirty="0">
+              <a:solidFill>
+                <a:srgbClr val="C00000"/>
+              </a:solidFill>
+            </a:endParaRPr>
+          </a:p>
+          <a:p>
+            <a:r>
+              <a:rPr lang="en-US" dirty="0" err="1">
+                <a:solidFill>
+                  <a:srgbClr val="C00000"/>
+                </a:solidFill>
+              </a:rPr>
+              <a:t>UpdateUser</a:t>
+            </a:r>
+            <a:endParaRPr lang="en-US" dirty="0">
+              <a:solidFill>
+                <a:srgbClr val="C00000"/>
+              </a:solidFill>
+            </a:endParaRPr>
+          </a:p>
+          <a:p>
+            <a:r>
+              <a:rPr lang="en-US" dirty="0" err="1">
+                <a:solidFill>
+                  <a:srgbClr val="C00000"/>
+                </a:solidFill>
+              </a:rPr>
+              <a:t>DeleteUser</a:t>
+            </a:r>
+            <a:endParaRPr lang="en-US" dirty="0">
+              <a:solidFill>
+                <a:srgbClr val="C00000"/>
+              </a:solidFill>
+            </a:endParaRPr>
+          </a:p>
+          <a:p>
+            <a:r>
+              <a:rPr lang="en-US" dirty="0">
+                <a:solidFill>
+                  <a:srgbClr val="C00000"/>
+                </a:solidFill>
+              </a:rPr>
+              <a:t>…</a:t>
+            </a:r>
+          </a:p>
+        </p:txBody>
+      </p:sp>
+      <p:sp>
+        <p:nvSpPr>
+          <p:cNvPr id="4" name="Content Placeholder 3">
+            <a:extLst>
+              <a:ext uri="{FF2B5EF4-FFF2-40B4-BE49-F238E27FC236}">
+                <a16:creationId xmlns:a16="http://schemas.microsoft.com/office/drawing/2014/main" id="{6822DAAB-F00D-4E05-9392-C4FC9D742F7C}"/>
+              </a:ext>
+            </a:extLst>
+          </p:cNvPr>
+          <p:cNvSpPr>
+            <a:spLocks noGrp="1"/>
+          </p:cNvSpPr>
+          <p:nvPr>
+            <p:ph idx="10"/>
+          </p:nvPr>
+        </p:nvSpPr>
+        <p:spPr/>
+        <p:txBody>
+          <a:bodyPr/>
+          <a:lstStyle/>
+          <a:p>
+            <a:r>
+              <a:rPr lang="en-US" dirty="0"/>
+              <a:t>WCF/SOAP Methods</a:t>
+            </a:r>
+          </a:p>
+        </p:txBody>
+      </p:sp>
+    </p:spTree>
+    <p:extLst>
+      <p:ext uri="{BB962C8B-B14F-4D97-AF65-F5344CB8AC3E}">
+        <p14:creationId xmlns:p14="http://schemas.microsoft.com/office/powerpoint/2010/main" val="2311308327"/>
+      </p:ext>
+    </p:extLst>
+  </p:cSld>
+  <p:clrMapOvr>
+    <a:masterClrMapping/>
+  </p:clrMapOvr>
+  <p:timing>
+    <p:tnLst>
+      <p:par>
+        <p:cTn id="1" dur="indefinite" restart="never" nodeType="tmRoot">
+          <p:childTnLst>
+            <p:seq concurrent="1" nextAc="seek">
+              <p:cTn id="2" dur="indefinite" nodeType="mainSeq">
+                <p:childTnLst>
+                  <p:par>
+                    <p:cTn id="3" fill="hold">
+                      <p:stCondLst>
+                        <p:cond delay="indefinite"/>
+                      </p:stCondLst>
+                      <p:childTnLst>
+                        <p:par>
+                          <p:cTn id="4" fill="hold">
+                            <p:stCondLst>
+                              <p:cond delay="0"/>
+                            </p:stCondLst>
+                            <p:childTnLst>
+                              <p:par>
+                                <p:cTn id="5" presetID="1" presetClass="entr" presetSubtype="0" fill="hold" grpId="0" nodeType="clickEffect">
+                                  <p:stCondLst>
+                                    <p:cond delay="0"/>
+                                  </p:stCondLst>
+                                  <p:childTnLst>
+                                    <p:set>
+                                      <p:cBhvr>
+                                        <p:cTn id="6" dur="1" fill="hold">
+                                          <p:stCondLst>
+                                            <p:cond delay="0"/>
+                                          </p:stCondLst>
+                                        </p:cTn>
+                                        <p:tgtEl>
+                                          <p:spTgt spid="3">
+                                            <p:txEl>
+                                              <p:pRg st="0" end="0"/>
+                                            </p:txEl>
+                                          </p:spTgt>
+                                        </p:tgtEl>
+                                        <p:attrNameLst>
+                                          <p:attrName>style.visibility</p:attrName>
+                                        </p:attrNameLst>
+                                      </p:cBhvr>
+                                      <p:to>
+                                        <p:strVal val="visible"/>
+                                      </p:to>
+                                    </p:set>
+                                  </p:childTnLst>
+                                </p:cTn>
+                              </p:par>
+                            </p:childTnLst>
+                          </p:cTn>
+                        </p:par>
+                      </p:childTnLst>
+                    </p:cTn>
+                  </p:par>
+                  <p:par>
+                    <p:cTn id="7" fill="hold">
+                      <p:stCondLst>
+                        <p:cond delay="indefinite"/>
+                      </p:stCondLst>
+                      <p:childTnLst>
+                        <p:par>
+                          <p:cTn id="8" fill="hold">
+                            <p:stCondLst>
+                              <p:cond delay="0"/>
+                            </p:stCondLst>
+                            <p:childTnLst>
+                              <p:par>
+                                <p:cTn id="9" presetID="1" presetClass="entr" presetSubtype="0" fill="hold" grpId="0" nodeType="clickEffect">
+                                  <p:stCondLst>
+                                    <p:cond delay="0"/>
+                                  </p:stCondLst>
+                                  <p:childTnLst>
+                                    <p:set>
+                                      <p:cBhvr>
+                                        <p:cTn id="10" dur="1" fill="hold">
+                                          <p:stCondLst>
+                                            <p:cond delay="0"/>
+                                          </p:stCondLst>
+                                        </p:cTn>
+                                        <p:tgtEl>
+                                          <p:spTgt spid="3">
+                                            <p:txEl>
+                                              <p:pRg st="1" end="1"/>
+                                            </p:txEl>
+                                          </p:spTgt>
+                                        </p:tgtEl>
+                                        <p:attrNameLst>
+                                          <p:attrName>style.visibility</p:attrName>
+                                        </p:attrNameLst>
+                                      </p:cBhvr>
+                                      <p:to>
+                                        <p:strVal val="visible"/>
+                                      </p:to>
+                                    </p:set>
+                                  </p:childTnLst>
+                                </p:cTn>
+                              </p:par>
+                            </p:childTnLst>
+                          </p:cTn>
+                        </p:par>
+                      </p:childTnLst>
+                    </p:cTn>
+                  </p:par>
+                  <p:par>
+                    <p:cTn id="11" fill="hold">
+                      <p:stCondLst>
+                        <p:cond delay="indefinite"/>
+                      </p:stCondLst>
+                      <p:childTnLst>
+                        <p:par>
+                          <p:cTn id="12" fill="hold">
+                            <p:stCondLst>
+                              <p:cond delay="0"/>
+                            </p:stCondLst>
+                            <p:childTnLst>
+                              <p:par>
+                                <p:cTn id="13" presetID="1" presetClass="entr" presetSubtype="0" fill="hold" grpId="0" nodeType="clickEffect">
+                                  <p:stCondLst>
+                                    <p:cond delay="0"/>
+                                  </p:stCondLst>
+                                  <p:childTnLst>
+                                    <p:set>
+                                      <p:cBhvr>
+                                        <p:cTn id="14" dur="1" fill="hold">
+                                          <p:stCondLst>
+                                            <p:cond delay="0"/>
+                                          </p:stCondLst>
+                                        </p:cTn>
+                                        <p:tgtEl>
+                                          <p:spTgt spid="3">
+                                            <p:txEl>
+                                              <p:pRg st="2" end="2"/>
+                                            </p:txEl>
+                                          </p:spTgt>
+                                        </p:tgtEl>
+                                        <p:attrNameLst>
+                                          <p:attrName>style.visibility</p:attrName>
+                                        </p:attrNameLst>
+                                      </p:cBhvr>
+                                      <p:to>
+                                        <p:strVal val="visible"/>
+                                      </p:to>
+                                    </p:set>
+                                  </p:childTnLst>
+                                </p:cTn>
+                              </p:par>
+                            </p:childTnLst>
+                          </p:cTn>
+                        </p:par>
+                      </p:childTnLst>
+                    </p:cTn>
+                  </p:par>
+                  <p:par>
+                    <p:cTn id="15" fill="hold">
+                      <p:stCondLst>
+                        <p:cond delay="indefinite"/>
+                      </p:stCondLst>
+                      <p:childTnLst>
+                        <p:par>
+                          <p:cTn id="16" fill="hold">
+                            <p:stCondLst>
+                              <p:cond delay="0"/>
+                            </p:stCondLst>
+                            <p:childTnLst>
+                              <p:par>
+                                <p:cTn id="17" presetID="1" presetClass="entr" presetSubtype="0" fill="hold" grpId="0" nodeType="clickEffect">
+                                  <p:stCondLst>
+                                    <p:cond delay="0"/>
+                                  </p:stCondLst>
+                                  <p:childTnLst>
+                                    <p:set>
+                                      <p:cBhvr>
+                                        <p:cTn id="18" dur="1" fill="hold">
+                                          <p:stCondLst>
+                                            <p:cond delay="0"/>
+                                          </p:stCondLst>
+                                        </p:cTn>
+                                        <p:tgtEl>
+                                          <p:spTgt spid="3">
+                                            <p:txEl>
+                                              <p:pRg st="3" end="3"/>
+                                            </p:txEl>
+                                          </p:spTgt>
+                                        </p:tgtEl>
+                                        <p:attrNameLst>
+                                          <p:attrName>style.visibility</p:attrName>
+                                        </p:attrNameLst>
+                                      </p:cBhvr>
+                                      <p:to>
+                                        <p:strVal val="visible"/>
+                                      </p:to>
+                                    </p:set>
+                                  </p:childTnLst>
+                                </p:cTn>
+                              </p:par>
+                            </p:childTnLst>
+                          </p:cTn>
+                        </p:par>
+                      </p:childTnLst>
+                    </p:cTn>
+                  </p:par>
+                  <p:par>
+                    <p:cTn id="19" fill="hold">
+                      <p:stCondLst>
+                        <p:cond delay="indefinite"/>
+                      </p:stCondLst>
+                      <p:childTnLst>
+                        <p:par>
+                          <p:cTn id="20" fill="hold">
+                            <p:stCondLst>
+                              <p:cond delay="0"/>
+                            </p:stCondLst>
+                            <p:childTnLst>
+                              <p:par>
+                                <p:cTn id="21" presetID="1" presetClass="entr" presetSubtype="0" fill="hold" grpId="0" nodeType="clickEffect">
+                                  <p:stCondLst>
+                                    <p:cond delay="0"/>
+                                  </p:stCondLst>
+                                  <p:childTnLst>
+                                    <p:set>
+                                      <p:cBhvr>
+                                        <p:cTn id="22" dur="1" fill="hold">
+                                          <p:stCondLst>
+                                            <p:cond delay="0"/>
+                                          </p:stCondLst>
+                                        </p:cTn>
+                                        <p:tgtEl>
+                                          <p:spTgt spid="3">
+                                            <p:txEl>
+                                              <p:pRg st="4" end="4"/>
+                                            </p:txEl>
+                                          </p:spTgt>
+                                        </p:tgtEl>
+                                        <p:attrNameLst>
+                                          <p:attrName>style.visibility</p:attrName>
+                                        </p:attrNameLst>
+                                      </p:cBhvr>
+                                      <p:to>
+                                        <p:strVal val="visible"/>
+                                      </p:to>
+                                    </p:set>
+                                  </p:childTnLst>
+                                </p:cTn>
+                              </p:par>
+                            </p:childTnLst>
+                          </p:cTn>
+                        </p:par>
+                      </p:childTnLst>
+                    </p:cTn>
+                  </p:par>
+                  <p:par>
+                    <p:cTn id="23" fill="hold">
+                      <p:stCondLst>
+                        <p:cond delay="indefinite"/>
+                      </p:stCondLst>
+                      <p:childTnLst>
+                        <p:par>
+                          <p:cTn id="24" fill="hold">
+                            <p:stCondLst>
+                              <p:cond delay="0"/>
+                            </p:stCondLst>
+                            <p:childTnLst>
+                              <p:par>
+                                <p:cTn id="25" presetID="1" presetClass="entr" presetSubtype="0" fill="hold" grpId="0" nodeType="clickEffect">
+                                  <p:stCondLst>
+                                    <p:cond delay="0"/>
+                                  </p:stCondLst>
+                                  <p:childTnLst>
+                                    <p:set>
+                                      <p:cBhvr>
+                                        <p:cTn id="26" dur="1" fill="hold">
+                                          <p:stCondLst>
+                                            <p:cond delay="0"/>
+                                          </p:stCondLst>
+                                        </p:cTn>
+                                        <p:tgtEl>
+                                          <p:spTgt spid="3">
+                                            <p:txEl>
+                                              <p:pRg st="5" end="5"/>
+                                            </p:txEl>
+                                          </p:spTgt>
+                                        </p:tgtEl>
+                                        <p:attrNameLst>
+                                          <p:attrName>style.visibility</p:attrName>
+                                        </p:attrNameLst>
+                                      </p:cBhvr>
+                                      <p:to>
+                                        <p:strVal val="visible"/>
+                                      </p:to>
+                                    </p:set>
+                                  </p:childTnLst>
+                                </p:cTn>
+                              </p:par>
+                            </p:childTnLst>
+                          </p:cTn>
+                        </p:par>
+                      </p:childTnLst>
+                    </p:cTn>
+                  </p:par>
+                  <p:par>
+                    <p:cTn id="27" fill="hold">
+                      <p:stCondLst>
+                        <p:cond delay="indefinite"/>
+                      </p:stCondLst>
+                      <p:childTnLst>
+                        <p:par>
+                          <p:cTn id="28" fill="hold">
+                            <p:stCondLst>
+                              <p:cond delay="0"/>
+                            </p:stCondLst>
+                            <p:childTnLst>
+                              <p:par>
+                                <p:cTn id="29" presetID="1" presetClass="entr" presetSubtype="0" fill="hold" grpId="0" nodeType="clickEffect">
+                                  <p:stCondLst>
+                                    <p:cond delay="0"/>
+                                  </p:stCondLst>
+                                  <p:childTnLst>
+                                    <p:set>
+                                      <p:cBhvr>
+                                        <p:cTn id="30" dur="1" fill="hold">
+                                          <p:stCondLst>
+                                            <p:cond delay="0"/>
+                                          </p:stCondLst>
+                                        </p:cTn>
+                                        <p:tgtEl>
+                                          <p:spTgt spid="3">
+                                            <p:txEl>
+                                              <p:pRg st="6" end="6"/>
+                                            </p:txEl>
+                                          </p:spTgt>
+                                        </p:tgtEl>
+                                        <p:attrNameLst>
+                                          <p:attrName>style.visibility</p:attrName>
+                                        </p:attrNameLst>
+                                      </p:cBhvr>
+                                      <p:to>
+                                        <p:strVal val="visible"/>
+                                      </p:to>
+                                    </p:set>
+                                  </p:childTnLst>
+                                </p:cTn>
+                              </p:par>
+                            </p:childTnLst>
+                          </p:cTn>
+                        </p:par>
+                      </p:childTnLst>
+                    </p:cTn>
+                  </p:par>
+                  <p:par>
+                    <p:cTn id="31" fill="hold">
+                      <p:stCondLst>
+                        <p:cond delay="indefinite"/>
+                      </p:stCondLst>
+                      <p:childTnLst>
+                        <p:par>
+                          <p:cTn id="32" fill="hold">
+                            <p:stCondLst>
+                              <p:cond delay="0"/>
+                            </p:stCondLst>
+                            <p:childTnLst>
+                              <p:par>
+                                <p:cTn id="33" presetID="1" presetClass="entr" presetSubtype="0" fill="hold" grpId="0" nodeType="clickEffect">
+                                  <p:stCondLst>
+                                    <p:cond delay="0"/>
+                                  </p:stCondLst>
+                                  <p:childTnLst>
+                                    <p:set>
+                                      <p:cBhvr>
+                                        <p:cTn id="34" dur="1" fill="hold">
+                                          <p:stCondLst>
+                                            <p:cond delay="0"/>
+                                          </p:stCondLst>
+                                        </p:cTn>
+                                        <p:tgtEl>
+                                          <p:spTgt spid="3">
+                                            <p:txEl>
+                                              <p:pRg st="7" end="7"/>
+                                            </p:txEl>
+                                          </p:spTgt>
+                                        </p:tgtEl>
+                                        <p:attrNameLst>
+                                          <p:attrName>style.visibility</p:attrName>
+                                        </p:attrNameLst>
+                                      </p:cBhvr>
+                                      <p:to>
+                                        <p:strVal val="visible"/>
+                                      </p:to>
+                                    </p:set>
+                                  </p:childTnLst>
+                                </p:cTn>
+                              </p:par>
+                            </p:childTnLst>
+                          </p:cTn>
+                        </p:par>
+                      </p:childTnLst>
+                    </p:cTn>
+                  </p:par>
+                </p:childTnLst>
+              </p:cTn>
+              <p:prevCondLst>
+                <p:cond evt="onPrev" delay="0">
+                  <p:tgtEl>
+                    <p:sldTgt/>
+                  </p:tgtEl>
+                </p:cond>
+              </p:prevCondLst>
+              <p:nextCondLst>
+                <p:cond evt="onNext" delay="0">
+                  <p:tgtEl>
+                    <p:sldTgt/>
+                  </p:tgtEl>
+                </p:cond>
+              </p:nextCondLst>
+            </p:seq>
+          </p:childTnLst>
+        </p:cTn>
+      </p:par>
+    </p:tnLst>
+    <p:bldLst>
+      <p:bldP spid="3" grpId="0" build="p"/>
+    </p:bldLst>
+  </p:timing>
+</p:sld>
+</file>
+
+<file path=ppt/slides/slide11.xml><?xml version="1.0" encoding="utf-8"?>
+<p:sld xmlns:a="http://schemas.openxmlformats.org/drawingml/2006/main" xmlns:r="http://schemas.openxmlformats.org/officeDocument/2006/relationships" xmlns:p="http://schemas.openxmlformats.org/presentationml/2006/main">
+  <p:cSld>
+    <p:spTree>
+      <p:nvGrpSpPr>
+        <p:cNvPr id="1" name=""/>
+        <p:cNvGrpSpPr/>
+        <p:nvPr/>
+      </p:nvGrpSpPr>
+      <p:grpSpPr>
+        <a:xfrm>
+          <a:off x="0" y="0"/>
+          <a:ext cx="0" cy="0"/>
+          <a:chOff x="0" y="0"/>
+          <a:chExt cx="0" cy="0"/>
+        </a:xfrm>
+      </p:grpSpPr>
+      <p:sp>
+        <p:nvSpPr>
+          <p:cNvPr id="3" name="Content Placeholder 2">
+            <a:extLst>
+              <a:ext uri="{FF2B5EF4-FFF2-40B4-BE49-F238E27FC236}">
+                <a16:creationId xmlns:a16="http://schemas.microsoft.com/office/drawing/2014/main" id="{46727042-05B2-4E3F-8B93-3B24F055F63D}"/>
+              </a:ext>
+            </a:extLst>
+          </p:cNvPr>
+          <p:cNvSpPr>
+            <a:spLocks noGrp="1"/>
+          </p:cNvSpPr>
+          <p:nvPr>
+            <p:ph idx="1"/>
+          </p:nvPr>
+        </p:nvSpPr>
+        <p:spPr/>
+        <p:txBody>
+          <a:bodyPr/>
+          <a:lstStyle/>
+          <a:p>
+            <a:r>
+              <a:rPr lang="en-US" dirty="0"/>
+              <a:t>GET</a:t>
+            </a:r>
+          </a:p>
+          <a:p>
+            <a:r>
+              <a:rPr lang="en-US" dirty="0"/>
+              <a:t>GET</a:t>
+            </a:r>
+          </a:p>
+          <a:p>
+            <a:r>
+              <a:rPr lang="en-US" dirty="0"/>
+              <a:t>POST</a:t>
+            </a:r>
+          </a:p>
+          <a:p>
+            <a:r>
+              <a:rPr lang="en-US" dirty="0"/>
+              <a:t>PUT</a:t>
+            </a:r>
+          </a:p>
+          <a:p>
+            <a:r>
+              <a:rPr lang="en-US" dirty="0"/>
+              <a:t>DELETE</a:t>
+            </a:r>
+          </a:p>
+          <a:p>
+            <a:r>
+              <a:rPr lang="en-US" dirty="0">
+                <a:solidFill>
+                  <a:schemeClr val="tx1">
+                    <a:lumMod val="50000"/>
+                    <a:lumOff val="50000"/>
+                  </a:schemeClr>
+                </a:solidFill>
+              </a:rPr>
+              <a:t>PATCH</a:t>
+            </a:r>
+          </a:p>
+          <a:p>
+            <a:r>
+              <a:rPr lang="en-US" dirty="0">
+                <a:solidFill>
+                  <a:schemeClr val="tx1">
+                    <a:lumMod val="50000"/>
+                    <a:lumOff val="50000"/>
+                  </a:schemeClr>
+                </a:solidFill>
+              </a:rPr>
+              <a:t>OPTIONS</a:t>
+            </a:r>
+          </a:p>
+          <a:p>
+            <a:r>
+              <a:rPr lang="en-US" dirty="0">
+                <a:solidFill>
+                  <a:schemeClr val="tx1">
+                    <a:lumMod val="50000"/>
+                    <a:lumOff val="50000"/>
+                  </a:schemeClr>
+                </a:solidFill>
+              </a:rPr>
+              <a:t>HEAD</a:t>
+            </a:r>
+          </a:p>
+          <a:p>
+            <a:r>
+              <a:rPr lang="en-US" dirty="0">
+                <a:solidFill>
+                  <a:schemeClr val="tx1">
+                    <a:lumMod val="50000"/>
+                    <a:lumOff val="50000"/>
+                  </a:schemeClr>
+                </a:solidFill>
+              </a:rPr>
+              <a:t>TRACE</a:t>
+            </a:r>
+          </a:p>
+        </p:txBody>
+      </p:sp>
+      <p:sp>
+        <p:nvSpPr>
+          <p:cNvPr id="4" name="Content Placeholder 3">
+            <a:extLst>
+              <a:ext uri="{FF2B5EF4-FFF2-40B4-BE49-F238E27FC236}">
+                <a16:creationId xmlns:a16="http://schemas.microsoft.com/office/drawing/2014/main" id="{6822DAAB-F00D-4E05-9392-C4FC9D742F7C}"/>
+              </a:ext>
+            </a:extLst>
+          </p:cNvPr>
+          <p:cNvSpPr>
+            <a:spLocks noGrp="1"/>
+          </p:cNvSpPr>
+          <p:nvPr>
+            <p:ph idx="10"/>
+          </p:nvPr>
+        </p:nvSpPr>
+        <p:spPr/>
+        <p:txBody>
+          <a:bodyPr/>
+          <a:lstStyle/>
+          <a:p>
+            <a:r>
+              <a:rPr lang="en-US" dirty="0"/>
+              <a:t>REST Verbs</a:t>
+            </a:r>
+          </a:p>
+        </p:txBody>
+      </p:sp>
+    </p:spTree>
+    <p:extLst>
+      <p:ext uri="{BB962C8B-B14F-4D97-AF65-F5344CB8AC3E}">
+        <p14:creationId xmlns:p14="http://schemas.microsoft.com/office/powerpoint/2010/main" val="3669319449"/>
+      </p:ext>
+    </p:extLst>
+  </p:cSld>
+  <p:clrMapOvr>
+    <a:masterClrMapping/>
+  </p:clrMapOvr>
+  <p:timing>
+    <p:tnLst>
+      <p:par>
+        <p:cTn id="1" dur="indefinite" restart="never" nodeType="tmRoot">
+          <p:childTnLst>
+            <p:seq concurrent="1" nextAc="seek">
+              <p:cTn id="2" dur="indefinite" nodeType="mainSeq">
+                <p:childTnLst>
+                  <p:par>
+                    <p:cTn id="3" fill="hold">
+                      <p:stCondLst>
+                        <p:cond delay="indefinite"/>
+                      </p:stCondLst>
+                      <p:childTnLst>
+                        <p:par>
+                          <p:cTn id="4" fill="hold">
+                            <p:stCondLst>
+                              <p:cond delay="0"/>
+                            </p:stCondLst>
+                            <p:childTnLst>
+                              <p:par>
+                                <p:cTn id="5" presetID="1" presetClass="entr" presetSubtype="0" fill="hold" grpId="0" nodeType="clickEffect">
+                                  <p:stCondLst>
+                                    <p:cond delay="0"/>
+                                  </p:stCondLst>
+                                  <p:childTnLst>
+                                    <p:set>
+                                      <p:cBhvr>
+                                        <p:cTn id="6" dur="1" fill="hold">
+                                          <p:stCondLst>
+                                            <p:cond delay="0"/>
+                                          </p:stCondLst>
+                                        </p:cTn>
+                                        <p:tgtEl>
+                                          <p:spTgt spid="3">
+                                            <p:txEl>
+                                              <p:pRg st="0" end="0"/>
+                                            </p:txEl>
+                                          </p:spTgt>
+                                        </p:tgtEl>
+                                        <p:attrNameLst>
+                                          <p:attrName>style.visibility</p:attrName>
+                                        </p:attrNameLst>
+                                      </p:cBhvr>
+                                      <p:to>
+                                        <p:strVal val="visible"/>
+                                      </p:to>
+                                    </p:set>
+                                  </p:childTnLst>
+                                </p:cTn>
+                              </p:par>
+                            </p:childTnLst>
+                          </p:cTn>
+                        </p:par>
+                      </p:childTnLst>
+                    </p:cTn>
+                  </p:par>
+                  <p:par>
+                    <p:cTn id="7" fill="hold">
+                      <p:stCondLst>
+                        <p:cond delay="indefinite"/>
+                      </p:stCondLst>
+                      <p:childTnLst>
+                        <p:par>
+                          <p:cTn id="8" fill="hold">
+                            <p:stCondLst>
+                              <p:cond delay="0"/>
+                            </p:stCondLst>
+                            <p:childTnLst>
+                              <p:par>
+                                <p:cTn id="9" presetID="1" presetClass="entr" presetSubtype="0" fill="hold" grpId="0" nodeType="clickEffect">
+                                  <p:stCondLst>
+                                    <p:cond delay="0"/>
+                                  </p:stCondLst>
+                                  <p:childTnLst>
+                                    <p:set>
+                                      <p:cBhvr>
+                                        <p:cTn id="10" dur="1" fill="hold">
+                                          <p:stCondLst>
+                                            <p:cond delay="0"/>
+                                          </p:stCondLst>
+                                        </p:cTn>
+                                        <p:tgtEl>
+                                          <p:spTgt spid="3">
+                                            <p:txEl>
+                                              <p:pRg st="1" end="1"/>
+                                            </p:txEl>
+                                          </p:spTgt>
+                                        </p:tgtEl>
+                                        <p:attrNameLst>
+                                          <p:attrName>style.visibility</p:attrName>
+                                        </p:attrNameLst>
+                                      </p:cBhvr>
+                                      <p:to>
+                                        <p:strVal val="visible"/>
+                                      </p:to>
+                                    </p:set>
+                                  </p:childTnLst>
+                                </p:cTn>
+                              </p:par>
+                            </p:childTnLst>
+                          </p:cTn>
+                        </p:par>
+                      </p:childTnLst>
+                    </p:cTn>
+                  </p:par>
+                  <p:par>
+                    <p:cTn id="11" fill="hold">
+                      <p:stCondLst>
+                        <p:cond delay="indefinite"/>
+                      </p:stCondLst>
+                      <p:childTnLst>
+                        <p:par>
+                          <p:cTn id="12" fill="hold">
+                            <p:stCondLst>
+                              <p:cond delay="0"/>
+                            </p:stCondLst>
+                            <p:childTnLst>
+                              <p:par>
+                                <p:cTn id="13" presetID="1" presetClass="entr" presetSubtype="0" fill="hold" grpId="0" nodeType="clickEffect">
+                                  <p:stCondLst>
+                                    <p:cond delay="0"/>
+                                  </p:stCondLst>
+                                  <p:childTnLst>
+                                    <p:set>
+                                      <p:cBhvr>
+                                        <p:cTn id="14" dur="1" fill="hold">
+                                          <p:stCondLst>
+                                            <p:cond delay="0"/>
+                                          </p:stCondLst>
+                                        </p:cTn>
+                                        <p:tgtEl>
+                                          <p:spTgt spid="3">
+                                            <p:txEl>
+                                              <p:pRg st="2" end="2"/>
+                                            </p:txEl>
+                                          </p:spTgt>
+                                        </p:tgtEl>
+                                        <p:attrNameLst>
+                                          <p:attrName>style.visibility</p:attrName>
+                                        </p:attrNameLst>
+                                      </p:cBhvr>
+                                      <p:to>
+                                        <p:strVal val="visible"/>
+                                      </p:to>
+                                    </p:set>
+                                  </p:childTnLst>
+                                </p:cTn>
+                              </p:par>
+                            </p:childTnLst>
+                          </p:cTn>
+                        </p:par>
+                      </p:childTnLst>
+                    </p:cTn>
+                  </p:par>
+                  <p:par>
+                    <p:cTn id="15" fill="hold">
+                      <p:stCondLst>
+                        <p:cond delay="indefinite"/>
+                      </p:stCondLst>
+                      <p:childTnLst>
+                        <p:par>
+                          <p:cTn id="16" fill="hold">
+                            <p:stCondLst>
+                              <p:cond delay="0"/>
+                            </p:stCondLst>
+                            <p:childTnLst>
+                              <p:par>
+                                <p:cTn id="17" presetID="1" presetClass="entr" presetSubtype="0" fill="hold" grpId="0" nodeType="clickEffect">
+                                  <p:stCondLst>
+                                    <p:cond delay="0"/>
+                                  </p:stCondLst>
+                                  <p:childTnLst>
+                                    <p:set>
+                                      <p:cBhvr>
+                                        <p:cTn id="18" dur="1" fill="hold">
+                                          <p:stCondLst>
+                                            <p:cond delay="0"/>
+                                          </p:stCondLst>
+                                        </p:cTn>
+                                        <p:tgtEl>
+                                          <p:spTgt spid="3">
+                                            <p:txEl>
+                                              <p:pRg st="3" end="3"/>
+                                            </p:txEl>
+                                          </p:spTgt>
+                                        </p:tgtEl>
+                                        <p:attrNameLst>
+                                          <p:attrName>style.visibility</p:attrName>
+                                        </p:attrNameLst>
+                                      </p:cBhvr>
+                                      <p:to>
+                                        <p:strVal val="visible"/>
+                                      </p:to>
+                                    </p:set>
+                                  </p:childTnLst>
+                                </p:cTn>
+                              </p:par>
+                            </p:childTnLst>
+                          </p:cTn>
+                        </p:par>
+                      </p:childTnLst>
+                    </p:cTn>
+                  </p:par>
+                  <p:par>
+                    <p:cTn id="19" fill="hold">
+                      <p:stCondLst>
+                        <p:cond delay="indefinite"/>
+                      </p:stCondLst>
+                      <p:childTnLst>
+                        <p:par>
+                          <p:cTn id="20" fill="hold">
+                            <p:stCondLst>
+                              <p:cond delay="0"/>
+                            </p:stCondLst>
+                            <p:childTnLst>
+                              <p:par>
+                                <p:cTn id="21" presetID="1" presetClass="entr" presetSubtype="0" fill="hold" grpId="0" nodeType="clickEffect">
+                                  <p:stCondLst>
+                                    <p:cond delay="0"/>
+                                  </p:stCondLst>
+                                  <p:childTnLst>
+                                    <p:set>
+                                      <p:cBhvr>
+                                        <p:cTn id="22" dur="1" fill="hold">
+                                          <p:stCondLst>
+                                            <p:cond delay="0"/>
+                                          </p:stCondLst>
+                                        </p:cTn>
+                                        <p:tgtEl>
+                                          <p:spTgt spid="3">
+                                            <p:txEl>
+                                              <p:pRg st="4" end="4"/>
+                                            </p:txEl>
+                                          </p:spTgt>
+                                        </p:tgtEl>
+                                        <p:attrNameLst>
+                                          <p:attrName>style.visibility</p:attrName>
+                                        </p:attrNameLst>
+                                      </p:cBhvr>
+                                      <p:to>
+                                        <p:strVal val="visible"/>
+                                      </p:to>
+                                    </p:set>
+                                  </p:childTnLst>
+                                </p:cTn>
+                              </p:par>
+                            </p:childTnLst>
+                          </p:cTn>
+                        </p:par>
+                      </p:childTnLst>
+                    </p:cTn>
+                  </p:par>
+                  <p:par>
+                    <p:cTn id="23" fill="hold">
+                      <p:stCondLst>
+                        <p:cond delay="indefinite"/>
+                      </p:stCondLst>
+                      <p:childTnLst>
+                        <p:par>
+                          <p:cTn id="24" fill="hold">
+                            <p:stCondLst>
+                              <p:cond delay="0"/>
+                            </p:stCondLst>
+                            <p:childTnLst>
+                              <p:par>
+                                <p:cTn id="25" presetID="1" presetClass="entr" presetSubtype="0" fill="hold" grpId="0" nodeType="clickEffect">
+                                  <p:stCondLst>
+                                    <p:cond delay="0"/>
+                                  </p:stCondLst>
+                                  <p:childTnLst>
+                                    <p:set>
+                                      <p:cBhvr>
+                                        <p:cTn id="26" dur="1" fill="hold">
+                                          <p:stCondLst>
+                                            <p:cond delay="0"/>
+                                          </p:stCondLst>
+                                        </p:cTn>
+                                        <p:tgtEl>
+                                          <p:spTgt spid="3">
+                                            <p:txEl>
+                                              <p:pRg st="5" end="5"/>
+                                            </p:txEl>
+                                          </p:spTgt>
+                                        </p:tgtEl>
+                                        <p:attrNameLst>
+                                          <p:attrName>style.visibility</p:attrName>
+                                        </p:attrNameLst>
+                                      </p:cBhvr>
+                                      <p:to>
+                                        <p:strVal val="visible"/>
+                                      </p:to>
+                                    </p:set>
+                                  </p:childTnLst>
+                                </p:cTn>
+                              </p:par>
+                            </p:childTnLst>
+                          </p:cTn>
+                        </p:par>
+                      </p:childTnLst>
+                    </p:cTn>
+                  </p:par>
+                  <p:par>
+                    <p:cTn id="27" fill="hold">
+                      <p:stCondLst>
+                        <p:cond delay="indefinite"/>
+                      </p:stCondLst>
+                      <p:childTnLst>
+                        <p:par>
+                          <p:cTn id="28" fill="hold">
+                            <p:stCondLst>
+                              <p:cond delay="0"/>
+                            </p:stCondLst>
+                            <p:childTnLst>
+                              <p:par>
+                                <p:cTn id="29" presetID="1" presetClass="entr" presetSubtype="0" fill="hold" grpId="0" nodeType="clickEffect">
+                                  <p:stCondLst>
+                                    <p:cond delay="0"/>
+                                  </p:stCondLst>
+                                  <p:childTnLst>
+                                    <p:set>
+                                      <p:cBhvr>
+                                        <p:cTn id="30" dur="1" fill="hold">
+                                          <p:stCondLst>
+                                            <p:cond delay="0"/>
+                                          </p:stCondLst>
+                                        </p:cTn>
+                                        <p:tgtEl>
+                                          <p:spTgt spid="3">
+                                            <p:txEl>
+                                              <p:pRg st="6" end="6"/>
+                                            </p:txEl>
+                                          </p:spTgt>
+                                        </p:tgtEl>
+                                        <p:attrNameLst>
+                                          <p:attrName>style.visibility</p:attrName>
+                                        </p:attrNameLst>
+                                      </p:cBhvr>
+                                      <p:to>
+                                        <p:strVal val="visible"/>
+                                      </p:to>
+                                    </p:set>
+                                  </p:childTnLst>
+                                </p:cTn>
+                              </p:par>
+                            </p:childTnLst>
+                          </p:cTn>
+                        </p:par>
+                      </p:childTnLst>
+                    </p:cTn>
+                  </p:par>
+                  <p:par>
+                    <p:cTn id="31" fill="hold">
+                      <p:stCondLst>
+                        <p:cond delay="indefinite"/>
+                      </p:stCondLst>
+                      <p:childTnLst>
+                        <p:par>
+                          <p:cTn id="32" fill="hold">
+                            <p:stCondLst>
+                              <p:cond delay="0"/>
+                            </p:stCondLst>
+                            <p:childTnLst>
+                              <p:par>
+                                <p:cTn id="33" presetID="1" presetClass="entr" presetSubtype="0" fill="hold" grpId="0" nodeType="clickEffect">
+                                  <p:stCondLst>
+                                    <p:cond delay="0"/>
+                                  </p:stCondLst>
+                                  <p:childTnLst>
+                                    <p:set>
+                                      <p:cBhvr>
+                                        <p:cTn id="34" dur="1" fill="hold">
+                                          <p:stCondLst>
+                                            <p:cond delay="0"/>
+                                          </p:stCondLst>
+                                        </p:cTn>
+                                        <p:tgtEl>
+                                          <p:spTgt spid="3">
+                                            <p:txEl>
+                                              <p:pRg st="7" end="7"/>
+                                            </p:txEl>
+                                          </p:spTgt>
+                                        </p:tgtEl>
+                                        <p:attrNameLst>
+                                          <p:attrName>style.visibility</p:attrName>
+                                        </p:attrNameLst>
+                                      </p:cBhvr>
+                                      <p:to>
+                                        <p:strVal val="visible"/>
+                                      </p:to>
+                                    </p:set>
+                                  </p:childTnLst>
+                                </p:cTn>
+                              </p:par>
+                            </p:childTnLst>
+                          </p:cTn>
+                        </p:par>
+                      </p:childTnLst>
+                    </p:cTn>
+                  </p:par>
+                  <p:par>
+                    <p:cTn id="35" fill="hold">
+                      <p:stCondLst>
+                        <p:cond delay="indefinite"/>
+                      </p:stCondLst>
+                      <p:childTnLst>
+                        <p:par>
+                          <p:cTn id="36" fill="hold">
+                            <p:stCondLst>
+                              <p:cond delay="0"/>
+                            </p:stCondLst>
+                            <p:childTnLst>
+                              <p:par>
+                                <p:cTn id="37" presetID="1" presetClass="entr" presetSubtype="0" fill="hold" grpId="0" nodeType="clickEffect">
+                                  <p:stCondLst>
+                                    <p:cond delay="0"/>
+                                  </p:stCondLst>
+                                  <p:childTnLst>
+                                    <p:set>
+                                      <p:cBhvr>
+                                        <p:cTn id="38" dur="1" fill="hold">
+                                          <p:stCondLst>
+                                            <p:cond delay="0"/>
+                                          </p:stCondLst>
+                                        </p:cTn>
+                                        <p:tgtEl>
+                                          <p:spTgt spid="3">
+                                            <p:txEl>
+                                              <p:pRg st="8" end="8"/>
+                                            </p:txEl>
+                                          </p:spTgt>
+                                        </p:tgtEl>
+                                        <p:attrNameLst>
+                                          <p:attrName>style.visibility</p:attrName>
+                                        </p:attrNameLst>
+                                      </p:cBhvr>
+                                      <p:to>
+                                        <p:strVal val="visible"/>
+                                      </p:to>
+                                    </p:set>
+                                  </p:childTnLst>
+                                </p:cTn>
+                              </p:par>
+                            </p:childTnLst>
+                          </p:cTn>
+                        </p:par>
+                      </p:childTnLst>
+                    </p:cTn>
+                  </p:par>
+                </p:childTnLst>
+              </p:cTn>
+              <p:prevCondLst>
+                <p:cond evt="onPrev" delay="0">
+                  <p:tgtEl>
+                    <p:sldTgt/>
+                  </p:tgtEl>
+                </p:cond>
+              </p:prevCondLst>
+              <p:nextCondLst>
+                <p:cond evt="onNext" delay="0">
+                  <p:tgtEl>
+                    <p:sldTgt/>
+                  </p:tgtEl>
+                </p:cond>
+              </p:nextCondLst>
+            </p:seq>
+          </p:childTnLst>
+        </p:cTn>
+      </p:par>
+    </p:tnLst>
+    <p:bldLst>
+      <p:bldP spid="3" grpId="0" build="p"/>
+    </p:bldLst>
+  </p:timing>
+</p:sld>
+</file>
+
+<file path=ppt/slides/slide12.xml><?xml version="1.0" encoding="utf-8"?>
+<p:sld xmlns:a="http://schemas.openxmlformats.org/drawingml/2006/main" xmlns:r="http://schemas.openxmlformats.org/officeDocument/2006/relationships" xmlns:p="http://schemas.openxmlformats.org/presentationml/2006/main">
+  <p:cSld>
+    <p:spTree>
+      <p:nvGrpSpPr>
+        <p:cNvPr id="1" name=""/>
+        <p:cNvGrpSpPr/>
+        <p:nvPr/>
+      </p:nvGrpSpPr>
+      <p:grpSpPr>
+        <a:xfrm>
+          <a:off x="0" y="0"/>
+          <a:ext cx="0" cy="0"/>
+          <a:chOff x="0" y="0"/>
+          <a:chExt cx="0" cy="0"/>
+        </a:xfrm>
+      </p:grpSpPr>
+      <p:sp>
+        <p:nvSpPr>
+          <p:cNvPr id="2" name="Title 1">
+            <a:extLst>
+              <a:ext uri="{FF2B5EF4-FFF2-40B4-BE49-F238E27FC236}">
+                <a16:creationId xmlns:a16="http://schemas.microsoft.com/office/drawing/2014/main" id="{7F3A4496-1837-41BC-A172-A5A55356CC55}"/>
+              </a:ext>
+            </a:extLst>
+          </p:cNvPr>
+          <p:cNvSpPr>
+            <a:spLocks noGrp="1"/>
+          </p:cNvSpPr>
+          <p:nvPr>
+            <p:ph type="title"/>
+          </p:nvPr>
+        </p:nvSpPr>
+        <p:spPr/>
+        <p:txBody>
+          <a:bodyPr/>
+          <a:lstStyle/>
+          <a:p>
+            <a:r>
+              <a:rPr lang="en-US" dirty="0"/>
+              <a:t>IDEMPOTENCE – what is it?</a:t>
+            </a:r>
+          </a:p>
+        </p:txBody>
+      </p:sp>
+      <p:sp>
+        <p:nvSpPr>
+          <p:cNvPr id="3" name="Text Placeholder 2">
+            <a:extLst>
+              <a:ext uri="{FF2B5EF4-FFF2-40B4-BE49-F238E27FC236}">
+                <a16:creationId xmlns:a16="http://schemas.microsoft.com/office/drawing/2014/main" id="{8D633369-C3E0-4F54-B1A5-093AEFEE4E74}"/>
+              </a:ext>
+            </a:extLst>
+          </p:cNvPr>
+          <p:cNvSpPr>
+            <a:spLocks noGrp="1"/>
+          </p:cNvSpPr>
+          <p:nvPr>
+            <p:ph type="body" idx="1"/>
+          </p:nvPr>
+        </p:nvSpPr>
+        <p:spPr>
+          <a:xfrm>
+            <a:off x="508000" y="2316479"/>
+            <a:ext cx="11206480" cy="4176395"/>
+          </a:xfrm>
+        </p:spPr>
+        <p:txBody>
+          <a:bodyPr anchor="t">
+            <a:normAutofit/>
+          </a:bodyPr>
+          <a:lstStyle/>
+          <a:p>
+            <a:pPr algn="ctr"/>
+            <a:r>
+              <a:rPr lang="en-US" sz="5400" b="0" dirty="0"/>
+              <a:t>Idempotence means that you can execute an action over and over… and the effect on the resource will never change.</a:t>
+            </a:r>
+          </a:p>
+        </p:txBody>
+      </p:sp>
+    </p:spTree>
+    <p:extLst>
+      <p:ext uri="{BB962C8B-B14F-4D97-AF65-F5344CB8AC3E}">
+        <p14:creationId xmlns:p14="http://schemas.microsoft.com/office/powerpoint/2010/main" val="3911022244"/>
+      </p:ext>
+    </p:extLst>
+  </p:cSld>
+  <p:clrMapOvr>
+    <a:masterClrMapping/>
+  </p:clrMapOvr>
+</p:sld>
+</file>
+
+<file path=ppt/slides/slide13.xml><?xml version="1.0" encoding="utf-8"?>
+<p:sld xmlns:a="http://schemas.openxmlformats.org/drawingml/2006/main" xmlns:r="http://schemas.openxmlformats.org/officeDocument/2006/relationships" xmlns:p="http://schemas.openxmlformats.org/presentationml/2006/main">
+  <p:cSld>
+    <p:spTree>
+      <p:nvGrpSpPr>
+        <p:cNvPr id="1" name=""/>
+        <p:cNvGrpSpPr/>
+        <p:nvPr/>
+      </p:nvGrpSpPr>
+      <p:grpSpPr>
+        <a:xfrm>
+          <a:off x="0" y="0"/>
+          <a:ext cx="0" cy="0"/>
+          <a:chOff x="0" y="0"/>
+          <a:chExt cx="0" cy="0"/>
+        </a:xfrm>
+      </p:grpSpPr>
+      <p:sp>
+        <p:nvSpPr>
+          <p:cNvPr id="3" name="Content Placeholder 2">
+            <a:extLst>
+              <a:ext uri="{FF2B5EF4-FFF2-40B4-BE49-F238E27FC236}">
+                <a16:creationId xmlns:a16="http://schemas.microsoft.com/office/drawing/2014/main" id="{46727042-05B2-4E3F-8B93-3B24F055F63D}"/>
+              </a:ext>
+            </a:extLst>
+          </p:cNvPr>
+          <p:cNvSpPr>
+            <a:spLocks noGrp="1"/>
+          </p:cNvSpPr>
+          <p:nvPr>
+            <p:ph idx="1"/>
+          </p:nvPr>
+        </p:nvSpPr>
+        <p:spPr/>
+        <p:txBody>
+          <a:bodyPr/>
+          <a:lstStyle/>
+          <a:p>
+            <a:r>
+              <a:rPr lang="en-US" dirty="0"/>
+              <a:t>GET – </a:t>
+            </a:r>
+            <a:r>
+              <a:rPr lang="en-US" b="0" dirty="0">
+                <a:solidFill>
+                  <a:srgbClr val="707070"/>
+                </a:solidFill>
+              </a:rPr>
+              <a:t>idempotent</a:t>
+            </a:r>
+            <a:r>
+              <a:rPr lang="en-US" dirty="0"/>
+              <a:t> </a:t>
+            </a:r>
+          </a:p>
+          <a:p>
+            <a:r>
+              <a:rPr lang="en-US" dirty="0"/>
+              <a:t>POST – </a:t>
+            </a:r>
+            <a:r>
+              <a:rPr lang="en-US" b="0" dirty="0">
+                <a:solidFill>
+                  <a:srgbClr val="707070"/>
+                </a:solidFill>
+              </a:rPr>
+              <a:t>not idempotent</a:t>
+            </a:r>
+          </a:p>
+          <a:p>
+            <a:r>
+              <a:rPr lang="en-US" dirty="0"/>
+              <a:t>PUT – </a:t>
+            </a:r>
+            <a:r>
+              <a:rPr lang="en-US" b="0" dirty="0">
+                <a:solidFill>
+                  <a:srgbClr val="707070"/>
+                </a:solidFill>
+              </a:rPr>
+              <a:t>idempotent</a:t>
+            </a:r>
+            <a:r>
+              <a:rPr lang="en-US" dirty="0"/>
+              <a:t> </a:t>
+            </a:r>
+          </a:p>
+          <a:p>
+            <a:r>
+              <a:rPr lang="en-US" dirty="0"/>
+              <a:t>DELETE – </a:t>
+            </a:r>
+            <a:r>
+              <a:rPr lang="en-US" b="0" dirty="0">
+                <a:solidFill>
+                  <a:srgbClr val="707070"/>
+                </a:solidFill>
+              </a:rPr>
+              <a:t>idempotent</a:t>
+            </a:r>
+            <a:r>
+              <a:rPr lang="en-US" dirty="0"/>
+              <a:t> </a:t>
+            </a:r>
+          </a:p>
+          <a:p>
+            <a:r>
+              <a:rPr lang="en-US" dirty="0">
+                <a:solidFill>
+                  <a:srgbClr val="C00000"/>
+                </a:solidFill>
+              </a:rPr>
+              <a:t>PATCH – </a:t>
+            </a:r>
+            <a:r>
+              <a:rPr lang="en-US" b="0" dirty="0">
+                <a:solidFill>
+                  <a:srgbClr val="707070"/>
+                </a:solidFill>
+              </a:rPr>
+              <a:t>idempotent</a:t>
+            </a:r>
+            <a:r>
+              <a:rPr lang="en-US" dirty="0">
+                <a:solidFill>
+                  <a:srgbClr val="C00000"/>
+                </a:solidFill>
+              </a:rPr>
+              <a:t> </a:t>
+            </a:r>
+          </a:p>
+        </p:txBody>
+      </p:sp>
+      <p:sp>
+        <p:nvSpPr>
+          <p:cNvPr id="4" name="Content Placeholder 3">
+            <a:extLst>
+              <a:ext uri="{FF2B5EF4-FFF2-40B4-BE49-F238E27FC236}">
+                <a16:creationId xmlns:a16="http://schemas.microsoft.com/office/drawing/2014/main" id="{6822DAAB-F00D-4E05-9392-C4FC9D742F7C}"/>
+              </a:ext>
+            </a:extLst>
+          </p:cNvPr>
+          <p:cNvSpPr>
+            <a:spLocks noGrp="1"/>
+          </p:cNvSpPr>
+          <p:nvPr>
+            <p:ph idx="10"/>
+          </p:nvPr>
+        </p:nvSpPr>
+        <p:spPr/>
+        <p:txBody>
+          <a:bodyPr/>
+          <a:lstStyle/>
+          <a:p>
+            <a:r>
+              <a:rPr lang="en-US" dirty="0"/>
+              <a:t>REST Verbs</a:t>
+            </a:r>
+          </a:p>
+        </p:txBody>
+      </p:sp>
+    </p:spTree>
+    <p:extLst>
+      <p:ext uri="{BB962C8B-B14F-4D97-AF65-F5344CB8AC3E}">
+        <p14:creationId xmlns:p14="http://schemas.microsoft.com/office/powerpoint/2010/main" val="3608389931"/>
+      </p:ext>
+    </p:extLst>
+  </p:cSld>
+  <p:clrMapOvr>
+    <a:masterClrMapping/>
+  </p:clrMapOvr>
+  <p:timing>
+    <p:tnLst>
+      <p:par>
+        <p:cTn id="1" dur="indefinite" restart="never" nodeType="tmRoot">
+          <p:childTnLst>
+            <p:seq concurrent="1" nextAc="seek">
+              <p:cTn id="2" dur="indefinite" nodeType="mainSeq">
+                <p:childTnLst>
+                  <p:par>
+                    <p:cTn id="3" fill="hold">
+                      <p:stCondLst>
+                        <p:cond delay="indefinite"/>
+                      </p:stCondLst>
+                      <p:childTnLst>
+                        <p:par>
+                          <p:cTn id="4" fill="hold">
+                            <p:stCondLst>
+                              <p:cond delay="0"/>
+                            </p:stCondLst>
+                            <p:childTnLst>
+                              <p:par>
+                                <p:cTn id="5" presetID="1" presetClass="entr" presetSubtype="0" fill="hold" grpId="0" nodeType="clickEffect">
+                                  <p:stCondLst>
+                                    <p:cond delay="0"/>
+                                  </p:stCondLst>
+                                  <p:childTnLst>
+                                    <p:set>
+                                      <p:cBhvr>
+                                        <p:cTn id="6" dur="1" fill="hold">
+                                          <p:stCondLst>
+                                            <p:cond delay="0"/>
+                                          </p:stCondLst>
+                                        </p:cTn>
+                                        <p:tgtEl>
+                                          <p:spTgt spid="3">
+                                            <p:txEl>
+                                              <p:pRg st="0" end="0"/>
+                                            </p:txEl>
+                                          </p:spTgt>
+                                        </p:tgtEl>
+                                        <p:attrNameLst>
+                                          <p:attrName>style.visibility</p:attrName>
+                                        </p:attrNameLst>
+                                      </p:cBhvr>
+                                      <p:to>
+                                        <p:strVal val="visible"/>
+                                      </p:to>
+                                    </p:set>
+                                  </p:childTnLst>
+                                </p:cTn>
+                              </p:par>
+                            </p:childTnLst>
+                          </p:cTn>
+                        </p:par>
+                      </p:childTnLst>
+                    </p:cTn>
+                  </p:par>
+                  <p:par>
+                    <p:cTn id="7" fill="hold">
+                      <p:stCondLst>
+                        <p:cond delay="indefinite"/>
+                      </p:stCondLst>
+                      <p:childTnLst>
+                        <p:par>
+                          <p:cTn id="8" fill="hold">
+                            <p:stCondLst>
+                              <p:cond delay="0"/>
+                            </p:stCondLst>
+                            <p:childTnLst>
+                              <p:par>
+                                <p:cTn id="9" presetID="1" presetClass="entr" presetSubtype="0" fill="hold" grpId="0" nodeType="clickEffect">
+                                  <p:stCondLst>
+                                    <p:cond delay="0"/>
+                                  </p:stCondLst>
+                                  <p:childTnLst>
+                                    <p:set>
+                                      <p:cBhvr>
+                                        <p:cTn id="10" dur="1" fill="hold">
+                                          <p:stCondLst>
+                                            <p:cond delay="0"/>
+                                          </p:stCondLst>
+                                        </p:cTn>
+                                        <p:tgtEl>
+                                          <p:spTgt spid="3">
+                                            <p:txEl>
+                                              <p:pRg st="1" end="1"/>
+                                            </p:txEl>
+                                          </p:spTgt>
+                                        </p:tgtEl>
+                                        <p:attrNameLst>
+                                          <p:attrName>style.visibility</p:attrName>
+                                        </p:attrNameLst>
+                                      </p:cBhvr>
+                                      <p:to>
+                                        <p:strVal val="visible"/>
+                                      </p:to>
+                                    </p:set>
+                                  </p:childTnLst>
+                                </p:cTn>
+                              </p:par>
+                            </p:childTnLst>
+                          </p:cTn>
+                        </p:par>
+                      </p:childTnLst>
+                    </p:cTn>
+                  </p:par>
+                  <p:par>
+                    <p:cTn id="11" fill="hold">
+                      <p:stCondLst>
+                        <p:cond delay="indefinite"/>
+                      </p:stCondLst>
+                      <p:childTnLst>
+                        <p:par>
+                          <p:cTn id="12" fill="hold">
+                            <p:stCondLst>
+                              <p:cond delay="0"/>
+                            </p:stCondLst>
+                            <p:childTnLst>
+                              <p:par>
+                                <p:cTn id="13" presetID="1" presetClass="entr" presetSubtype="0" fill="hold" grpId="0" nodeType="clickEffect">
+                                  <p:stCondLst>
+                                    <p:cond delay="0"/>
+                                  </p:stCondLst>
+                                  <p:childTnLst>
+                                    <p:set>
+                                      <p:cBhvr>
+                                        <p:cTn id="14" dur="1" fill="hold">
+                                          <p:stCondLst>
+                                            <p:cond delay="0"/>
+                                          </p:stCondLst>
+                                        </p:cTn>
+                                        <p:tgtEl>
+                                          <p:spTgt spid="3">
+                                            <p:txEl>
+                                              <p:pRg st="2" end="2"/>
+                                            </p:txEl>
+                                          </p:spTgt>
+                                        </p:tgtEl>
+                                        <p:attrNameLst>
+                                          <p:attrName>style.visibility</p:attrName>
+                                        </p:attrNameLst>
+                                      </p:cBhvr>
+                                      <p:to>
+                                        <p:strVal val="visible"/>
+                                      </p:to>
+                                    </p:set>
+                                  </p:childTnLst>
+                                </p:cTn>
+                              </p:par>
+                            </p:childTnLst>
+                          </p:cTn>
+                        </p:par>
+                      </p:childTnLst>
+                    </p:cTn>
+                  </p:par>
+                  <p:par>
+                    <p:cTn id="15" fill="hold">
+                      <p:stCondLst>
+                        <p:cond delay="indefinite"/>
+                      </p:stCondLst>
+                      <p:childTnLst>
+                        <p:par>
+                          <p:cTn id="16" fill="hold">
+                            <p:stCondLst>
+                              <p:cond delay="0"/>
+                            </p:stCondLst>
+                            <p:childTnLst>
+                              <p:par>
+                                <p:cTn id="17" presetID="1" presetClass="entr" presetSubtype="0" fill="hold" grpId="0" nodeType="clickEffect">
+                                  <p:stCondLst>
+                                    <p:cond delay="0"/>
+                                  </p:stCondLst>
+                                  <p:childTnLst>
+                                    <p:set>
+                                      <p:cBhvr>
+                                        <p:cTn id="18" dur="1" fill="hold">
+                                          <p:stCondLst>
+                                            <p:cond delay="0"/>
+                                          </p:stCondLst>
+                                        </p:cTn>
+                                        <p:tgtEl>
+                                          <p:spTgt spid="3">
+                                            <p:txEl>
+                                              <p:pRg st="3" end="3"/>
+                                            </p:txEl>
+                                          </p:spTgt>
+                                        </p:tgtEl>
+                                        <p:attrNameLst>
+                                          <p:attrName>style.visibility</p:attrName>
+                                        </p:attrNameLst>
+                                      </p:cBhvr>
+                                      <p:to>
+                                        <p:strVal val="visible"/>
+                                      </p:to>
+                                    </p:set>
+                                  </p:childTnLst>
+                                </p:cTn>
+                              </p:par>
+                            </p:childTnLst>
+                          </p:cTn>
+                        </p:par>
+                      </p:childTnLst>
+                    </p:cTn>
+                  </p:par>
+                  <p:par>
+                    <p:cTn id="19" fill="hold">
+                      <p:stCondLst>
+                        <p:cond delay="indefinite"/>
+                      </p:stCondLst>
+                      <p:childTnLst>
+                        <p:par>
+                          <p:cTn id="20" fill="hold">
+                            <p:stCondLst>
+                              <p:cond delay="0"/>
+                            </p:stCondLst>
+                            <p:childTnLst>
+                              <p:par>
+                                <p:cTn id="21" presetID="1" presetClass="entr" presetSubtype="0" fill="hold" grpId="0" nodeType="clickEffect">
+                                  <p:stCondLst>
+                                    <p:cond delay="0"/>
+                                  </p:stCondLst>
+                                  <p:childTnLst>
+                                    <p:set>
+                                      <p:cBhvr>
+                                        <p:cTn id="22" dur="1" fill="hold">
+                                          <p:stCondLst>
+                                            <p:cond delay="0"/>
+                                          </p:stCondLst>
+                                        </p:cTn>
+                                        <p:tgtEl>
+                                          <p:spTgt spid="3">
+                                            <p:txEl>
+                                              <p:pRg st="4" end="4"/>
+                                            </p:txEl>
+                                          </p:spTgt>
+                                        </p:tgtEl>
+                                        <p:attrNameLst>
+                                          <p:attrName>style.visibility</p:attrName>
+                                        </p:attrNameLst>
+                                      </p:cBhvr>
+                                      <p:to>
+                                        <p:strVal val="visible"/>
+                                      </p:to>
+                                    </p:set>
+                                  </p:childTnLst>
+                                </p:cTn>
+                              </p:par>
+                            </p:childTnLst>
+                          </p:cTn>
+                        </p:par>
+                      </p:childTnLst>
+                    </p:cTn>
+                  </p:par>
+                </p:childTnLst>
+              </p:cTn>
+              <p:prevCondLst>
+                <p:cond evt="onPrev" delay="0">
+                  <p:tgtEl>
+                    <p:sldTgt/>
+                  </p:tgtEl>
+                </p:cond>
+              </p:prevCondLst>
+              <p:nextCondLst>
+                <p:cond evt="onNext" delay="0">
+                  <p:tgtEl>
+                    <p:sldTgt/>
+                  </p:tgtEl>
+                </p:cond>
+              </p:nextCondLst>
+            </p:seq>
+          </p:childTnLst>
+        </p:cTn>
+      </p:par>
+    </p:tnLst>
+    <p:bldLst>
+      <p:bldP spid="3" grpId="0" build="p"/>
+    </p:bldLst>
+  </p:timing>
+</p:sld>
+</file>
+
+<file path=ppt/slides/slide14.xml><?xml version="1.0" encoding="utf-8"?>
+<p:sld xmlns:a="http://schemas.openxmlformats.org/drawingml/2006/main" xmlns:r="http://schemas.openxmlformats.org/officeDocument/2006/relationships" xmlns:p="http://schemas.openxmlformats.org/presentationml/2006/main">
+  <p:cSld>
+    <p:spTree>
+      <p:nvGrpSpPr>
+        <p:cNvPr id="1" name=""/>
+        <p:cNvGrpSpPr/>
+        <p:nvPr/>
+      </p:nvGrpSpPr>
+      <p:grpSpPr>
+        <a:xfrm>
+          <a:off x="0" y="0"/>
+          <a:ext cx="0" cy="0"/>
+          <a:chOff x="0" y="0"/>
+          <a:chExt cx="0" cy="0"/>
+        </a:xfrm>
+      </p:grpSpPr>
+      <p:sp>
+        <p:nvSpPr>
+          <p:cNvPr id="2" name="Title 1">
+            <a:extLst>
+              <a:ext uri="{FF2B5EF4-FFF2-40B4-BE49-F238E27FC236}">
+                <a16:creationId xmlns:a16="http://schemas.microsoft.com/office/drawing/2014/main" id="{5E9AE713-357E-44D4-9D90-F310CABB9643}"/>
+              </a:ext>
+            </a:extLst>
+          </p:cNvPr>
+          <p:cNvSpPr>
+            <a:spLocks noGrp="1"/>
+          </p:cNvSpPr>
+          <p:nvPr>
+            <p:ph type="title"/>
+          </p:nvPr>
+        </p:nvSpPr>
+        <p:spPr/>
+        <p:txBody>
+          <a:bodyPr/>
+          <a:lstStyle/>
+          <a:p>
+            <a:r>
+              <a:rPr lang="en-US" dirty="0"/>
+              <a:t>ASP.NET Core </a:t>
+            </a:r>
+            <a:r>
+              <a:rPr lang="en-US" dirty="0" err="1"/>
+              <a:t>WebAPI</a:t>
+            </a:r>
+            <a:r>
+              <a:rPr lang="en-US" dirty="0"/>
+              <a:t> != REST</a:t>
+            </a:r>
+          </a:p>
+        </p:txBody>
+      </p:sp>
+      <p:sp>
+        <p:nvSpPr>
+          <p:cNvPr id="4" name="Content Placeholder 3">
+            <a:extLst>
+              <a:ext uri="{FF2B5EF4-FFF2-40B4-BE49-F238E27FC236}">
+                <a16:creationId xmlns:a16="http://schemas.microsoft.com/office/drawing/2014/main" id="{143CB83E-7961-4AC0-801E-2D5F3F7FF5D3}"/>
+              </a:ext>
+            </a:extLst>
+          </p:cNvPr>
+          <p:cNvSpPr>
+            <a:spLocks noGrp="1"/>
+          </p:cNvSpPr>
+          <p:nvPr>
+            <p:ph sz="half" idx="2"/>
+          </p:nvPr>
+        </p:nvSpPr>
+        <p:spPr>
+          <a:xfrm>
+            <a:off x="839788" y="2042160"/>
+            <a:ext cx="9990772" cy="4147503"/>
+          </a:xfrm>
+        </p:spPr>
+        <p:txBody>
+          <a:bodyPr>
+            <a:normAutofit lnSpcReduction="10000"/>
+          </a:bodyPr>
+          <a:lstStyle/>
+          <a:p>
+            <a:r>
+              <a:rPr lang="en-US" dirty="0"/>
+              <a:t>It’s just a framework (does not enforce REST)</a:t>
+            </a:r>
+          </a:p>
+          <a:p>
+            <a:r>
+              <a:rPr lang="en-US" dirty="0"/>
+              <a:t>Many (possibly most) </a:t>
+            </a:r>
+            <a:r>
+              <a:rPr lang="en-US" dirty="0" err="1"/>
+              <a:t>WebAPI</a:t>
+            </a:r>
+            <a:r>
+              <a:rPr lang="en-US" dirty="0"/>
+              <a:t> services that are created are not RESTful services</a:t>
+            </a:r>
+          </a:p>
+          <a:p>
+            <a:pPr lvl="1"/>
+            <a:r>
+              <a:rPr lang="en-US" dirty="0"/>
+              <a:t>Treated more like WCF Services</a:t>
+            </a:r>
+          </a:p>
+          <a:p>
+            <a:r>
+              <a:rPr lang="en-US" dirty="0"/>
+              <a:t>REST is a mindset</a:t>
+            </a:r>
+          </a:p>
+          <a:p>
+            <a:pPr lvl="1"/>
+            <a:r>
+              <a:rPr lang="en-US" dirty="0"/>
+              <a:t>Requires adoption (buy in) from client and server teams</a:t>
+            </a:r>
+          </a:p>
+          <a:p>
+            <a:r>
+              <a:rPr lang="en-US" dirty="0"/>
+              <a:t>REST is </a:t>
+            </a:r>
+            <a:r>
+              <a:rPr lang="en-US" b="1" dirty="0">
+                <a:solidFill>
+                  <a:srgbClr val="C00000"/>
+                </a:solidFill>
+              </a:rPr>
+              <a:t>NOT</a:t>
+            </a:r>
+            <a:r>
+              <a:rPr lang="en-US" dirty="0"/>
+              <a:t> the answer to all your problems!</a:t>
+            </a:r>
+          </a:p>
+          <a:p>
+            <a:endParaRPr lang="en-US" dirty="0"/>
+          </a:p>
+        </p:txBody>
+      </p:sp>
+    </p:spTree>
+    <p:extLst>
+      <p:ext uri="{BB962C8B-B14F-4D97-AF65-F5344CB8AC3E}">
+        <p14:creationId xmlns:p14="http://schemas.microsoft.com/office/powerpoint/2010/main" val="3430734616"/>
+      </p:ext>
+    </p:extLst>
+  </p:cSld>
+  <p:clrMapOvr>
+    <a:masterClrMapping/>
+  </p:clrMapOvr>
+  <p:timing>
+    <p:tnLst>
+      <p:par>
+        <p:cTn id="1" dur="indefinite" restart="never" nodeType="tmRoot">
+          <p:childTnLst>
+            <p:seq concurrent="1" nextAc="seek">
+              <p:cTn id="2" dur="indefinite" nodeType="mainSeq">
+                <p:childTnLst>
+                  <p:par>
+                    <p:cTn id="3" fill="hold">
+                      <p:stCondLst>
+                        <p:cond delay="indefinite"/>
+                      </p:stCondLst>
+                      <p:childTnLst>
+                        <p:par>
+                          <p:cTn id="4" fill="hold">
+                            <p:stCondLst>
+                              <p:cond delay="0"/>
+                            </p:stCondLst>
+                            <p:childTnLst>
+                              <p:par>
+                                <p:cTn id="5" presetID="1" presetClass="entr" presetSubtype="0" fill="hold" grpId="0" nodeType="clickEffect">
+                                  <p:stCondLst>
+                                    <p:cond delay="0"/>
+                                  </p:stCondLst>
+                                  <p:childTnLst>
+                                    <p:set>
+                                      <p:cBhvr>
+                                        <p:cTn id="6" dur="1" fill="hold">
+                                          <p:stCondLst>
+                                            <p:cond delay="0"/>
+                                          </p:stCondLst>
+                                        </p:cTn>
+                                        <p:tgtEl>
+                                          <p:spTgt spid="4">
+                                            <p:txEl>
+                                              <p:pRg st="0" end="0"/>
+                                            </p:txEl>
+                                          </p:spTgt>
+                                        </p:tgtEl>
+                                        <p:attrNameLst>
+                                          <p:attrName>style.visibility</p:attrName>
+                                        </p:attrNameLst>
+                                      </p:cBhvr>
+                                      <p:to>
+                                        <p:strVal val="visible"/>
+                                      </p:to>
+                                    </p:set>
+                                  </p:childTnLst>
+                                </p:cTn>
+                              </p:par>
+                            </p:childTnLst>
+                          </p:cTn>
+                        </p:par>
+                      </p:childTnLst>
+                    </p:cTn>
+                  </p:par>
+                  <p:par>
+                    <p:cTn id="7" fill="hold">
+                      <p:stCondLst>
+                        <p:cond delay="indefinite"/>
+                      </p:stCondLst>
+                      <p:childTnLst>
+                        <p:par>
+                          <p:cTn id="8" fill="hold">
+                            <p:stCondLst>
+                              <p:cond delay="0"/>
+                            </p:stCondLst>
+                            <p:childTnLst>
+                              <p:par>
+                                <p:cTn id="9" presetID="1" presetClass="entr" presetSubtype="0" fill="hold" grpId="0" nodeType="clickEffect">
+                                  <p:stCondLst>
+                                    <p:cond delay="0"/>
+                                  </p:stCondLst>
+                                  <p:childTnLst>
+                                    <p:set>
+                                      <p:cBhvr>
+                                        <p:cTn id="10" dur="1" fill="hold">
+                                          <p:stCondLst>
+                                            <p:cond delay="0"/>
+                                          </p:stCondLst>
+                                        </p:cTn>
+                                        <p:tgtEl>
+                                          <p:spTgt spid="4">
+                                            <p:txEl>
+                                              <p:pRg st="1" end="1"/>
+                                            </p:txEl>
+                                          </p:spTgt>
+                                        </p:tgtEl>
+                                        <p:attrNameLst>
+                                          <p:attrName>style.visibility</p:attrName>
+                                        </p:attrNameLst>
+                                      </p:cBhvr>
+                                      <p:to>
+                                        <p:strVal val="visible"/>
+                                      </p:to>
+                                    </p:set>
+                                  </p:childTnLst>
+                                </p:cTn>
+                              </p:par>
+                              <p:par>
+                                <p:cTn id="11" presetID="1" presetClass="entr" presetSubtype="0" fill="hold" grpId="0" nodeType="withEffect">
+                                  <p:stCondLst>
+                                    <p:cond delay="0"/>
+                                  </p:stCondLst>
+                                  <p:childTnLst>
+                                    <p:set>
+                                      <p:cBhvr>
+                                        <p:cTn id="12" dur="1" fill="hold">
+                                          <p:stCondLst>
+                                            <p:cond delay="0"/>
+                                          </p:stCondLst>
+                                        </p:cTn>
+                                        <p:tgtEl>
+                                          <p:spTgt spid="4">
+                                            <p:txEl>
+                                              <p:pRg st="2" end="2"/>
+                                            </p:txEl>
+                                          </p:spTgt>
+                                        </p:tgtEl>
+                                        <p:attrNameLst>
+                                          <p:attrName>style.visibility</p:attrName>
+                                        </p:attrNameLst>
+                                      </p:cBhvr>
+                                      <p:to>
+                                        <p:strVal val="visible"/>
+                                      </p:to>
+                                    </p:set>
+                                  </p:childTnLst>
+                                </p:cTn>
+                              </p:par>
+                            </p:childTnLst>
+                          </p:cTn>
+                        </p:par>
+                      </p:childTnLst>
+                    </p:cTn>
+                  </p:par>
+                  <p:par>
+                    <p:cTn id="13" fill="hold">
+                      <p:stCondLst>
+                        <p:cond delay="indefinite"/>
+                      </p:stCondLst>
+                      <p:childTnLst>
+                        <p:par>
+                          <p:cTn id="14" fill="hold">
+                            <p:stCondLst>
+                              <p:cond delay="0"/>
+                            </p:stCondLst>
+                            <p:childTnLst>
+                              <p:par>
+                                <p:cTn id="15" presetID="1" presetClass="entr" presetSubtype="0" fill="hold" grpId="0" nodeType="clickEffect">
+                                  <p:stCondLst>
+                                    <p:cond delay="0"/>
+                                  </p:stCondLst>
+                                  <p:childTnLst>
+                                    <p:set>
+                                      <p:cBhvr>
+                                        <p:cTn id="16" dur="1" fill="hold">
+                                          <p:stCondLst>
+                                            <p:cond delay="0"/>
+                                          </p:stCondLst>
+                                        </p:cTn>
+                                        <p:tgtEl>
+                                          <p:spTgt spid="4">
+                                            <p:txEl>
+                                              <p:pRg st="3" end="3"/>
+                                            </p:txEl>
+                                          </p:spTgt>
+                                        </p:tgtEl>
+                                        <p:attrNameLst>
+                                          <p:attrName>style.visibility</p:attrName>
+                                        </p:attrNameLst>
+                                      </p:cBhvr>
+                                      <p:to>
+                                        <p:strVal val="visible"/>
+                                      </p:to>
+                                    </p:set>
+                                  </p:childTnLst>
+                                </p:cTn>
+                              </p:par>
+                              <p:par>
+                                <p:cTn id="17" presetID="1" presetClass="entr" presetSubtype="0" fill="hold" grpId="0" nodeType="withEffect">
+                                  <p:stCondLst>
+                                    <p:cond delay="0"/>
+                                  </p:stCondLst>
+                                  <p:childTnLst>
+                                    <p:set>
+                                      <p:cBhvr>
+                                        <p:cTn id="18" dur="1" fill="hold">
+                                          <p:stCondLst>
+                                            <p:cond delay="0"/>
+                                          </p:stCondLst>
+                                        </p:cTn>
+                                        <p:tgtEl>
+                                          <p:spTgt spid="4">
+                                            <p:txEl>
+                                              <p:pRg st="4" end="4"/>
+                                            </p:txEl>
+                                          </p:spTgt>
+                                        </p:tgtEl>
+                                        <p:attrNameLst>
+                                          <p:attrName>style.visibility</p:attrName>
+                                        </p:attrNameLst>
+                                      </p:cBhvr>
+                                      <p:to>
+                                        <p:strVal val="visible"/>
+                                      </p:to>
+                                    </p:set>
+                                  </p:childTnLst>
+                                </p:cTn>
+                              </p:par>
+                            </p:childTnLst>
+                          </p:cTn>
+                        </p:par>
+                      </p:childTnLst>
+                    </p:cTn>
+                  </p:par>
+                  <p:par>
+                    <p:cTn id="19" fill="hold">
+                      <p:stCondLst>
+                        <p:cond delay="indefinite"/>
+                      </p:stCondLst>
+                      <p:childTnLst>
+                        <p:par>
+                          <p:cTn id="20" fill="hold">
+                            <p:stCondLst>
+                              <p:cond delay="0"/>
+                            </p:stCondLst>
+                            <p:childTnLst>
+                              <p:par>
+                                <p:cTn id="21" presetID="1" presetClass="entr" presetSubtype="0" fill="hold" grpId="0" nodeType="clickEffect">
+                                  <p:stCondLst>
+                                    <p:cond delay="0"/>
+                                  </p:stCondLst>
+                                  <p:childTnLst>
+                                    <p:set>
+                                      <p:cBhvr>
+                                        <p:cTn id="22" dur="1" fill="hold">
+                                          <p:stCondLst>
+                                            <p:cond delay="0"/>
+                                          </p:stCondLst>
+                                        </p:cTn>
+                                        <p:tgtEl>
+                                          <p:spTgt spid="4">
+                                            <p:txEl>
+                                              <p:pRg st="5" end="5"/>
+                                            </p:txEl>
+                                          </p:spTgt>
+                                        </p:tgtEl>
+                                        <p:attrNameLst>
+                                          <p:attrName>style.visibility</p:attrName>
+                                        </p:attrNameLst>
+                                      </p:cBhvr>
+                                      <p:to>
+                                        <p:strVal val="visible"/>
+                                      </p:to>
+                                    </p:set>
+                                  </p:childTnLst>
+                                </p:cTn>
+                              </p:par>
+                            </p:childTnLst>
+                          </p:cTn>
+                        </p:par>
+                      </p:childTnLst>
+                    </p:cTn>
+                  </p:par>
+                </p:childTnLst>
+              </p:cTn>
+              <p:prevCondLst>
+                <p:cond evt="onPrev" delay="0">
+                  <p:tgtEl>
+                    <p:sldTgt/>
+                  </p:tgtEl>
+                </p:cond>
+              </p:prevCondLst>
+              <p:nextCondLst>
+                <p:cond evt="onNext" delay="0">
+                  <p:tgtEl>
+                    <p:sldTgt/>
+                  </p:tgtEl>
+                </p:cond>
+              </p:nextCondLst>
+            </p:seq>
+          </p:childTnLst>
+        </p:cTn>
+      </p:par>
+    </p:tnLst>
+    <p:bldLst>
+      <p:bldP spid="4" grpId="0" build="p"/>
+    </p:bldLst>
+  </p:timing>
+</p:sld>
+</file>
+
+<file path=ppt/slides/slide15.xml><?xml version="1.0" encoding="utf-8"?>
+<p:sld xmlns:a="http://schemas.openxmlformats.org/drawingml/2006/main" xmlns:r="http://schemas.openxmlformats.org/officeDocument/2006/relationships" xmlns:p="http://schemas.openxmlformats.org/presentationml/2006/main">
+  <p:cSld>
+    <p:spTree>
+      <p:nvGrpSpPr>
+        <p:cNvPr id="1" name=""/>
+        <p:cNvGrpSpPr/>
+        <p:nvPr/>
+      </p:nvGrpSpPr>
+      <p:grpSpPr>
+        <a:xfrm>
+          <a:off x="0" y="0"/>
+          <a:ext cx="0" cy="0"/>
+          <a:chOff x="0" y="0"/>
+          <a:chExt cx="0" cy="0"/>
+        </a:xfrm>
+      </p:grpSpPr>
+      <p:sp>
+        <p:nvSpPr>
+          <p:cNvPr id="2" name="Title 1">
+            <a:extLst>
+              <a:ext uri="{FF2B5EF4-FFF2-40B4-BE49-F238E27FC236}">
+                <a16:creationId xmlns:a16="http://schemas.microsoft.com/office/drawing/2014/main" id="{5E9AE713-357E-44D4-9D90-F310CABB9643}"/>
+              </a:ext>
+            </a:extLst>
+          </p:cNvPr>
+          <p:cNvSpPr>
+            <a:spLocks noGrp="1"/>
+          </p:cNvSpPr>
+          <p:nvPr>
+            <p:ph type="title"/>
+          </p:nvPr>
+        </p:nvSpPr>
+        <p:spPr/>
+        <p:txBody>
+          <a:bodyPr/>
+          <a:lstStyle/>
+          <a:p>
+            <a:r>
+              <a:rPr lang="en-US" dirty="0"/>
+              <a:t>What about Swagger?</a:t>
+            </a:r>
+          </a:p>
+        </p:txBody>
+      </p:sp>
+      <p:pic>
+        <p:nvPicPr>
+          <p:cNvPr id="11" name="Picture 10">
+            <a:extLst>
+              <a:ext uri="{FF2B5EF4-FFF2-40B4-BE49-F238E27FC236}">
+                <a16:creationId xmlns:a16="http://schemas.microsoft.com/office/drawing/2014/main" id="{CB4FBF75-88EB-474B-8295-DA68EB831CCA}"/>
+              </a:ext>
+            </a:extLst>
+          </p:cNvPr>
+          <p:cNvPicPr>
+            <a:picLocks noChangeAspect="1"/>
+          </p:cNvPicPr>
+          <p:nvPr/>
+        </p:nvPicPr>
+        <p:blipFill>
+          <a:blip r:embed="rId2"/>
+          <a:stretch>
+            <a:fillRect/>
+          </a:stretch>
+        </p:blipFill>
+        <p:spPr>
+          <a:xfrm>
+            <a:off x="1916748" y="1851893"/>
+            <a:ext cx="8077900" cy="4640982"/>
+          </a:xfrm>
+          <a:prstGeom prst="rect">
+            <a:avLst/>
+          </a:prstGeom>
+        </p:spPr>
+      </p:pic>
+    </p:spTree>
+    <p:extLst>
+      <p:ext uri="{BB962C8B-B14F-4D97-AF65-F5344CB8AC3E}">
+        <p14:creationId xmlns:p14="http://schemas.microsoft.com/office/powerpoint/2010/main" val="2625299348"/>
+      </p:ext>
+    </p:extLst>
+  </p:cSld>
+  <p:clrMapOvr>
+    <a:masterClrMapping/>
+  </p:clrMapOvr>
+</p:sld>
+</file>
+
+<file path=ppt/slides/slide2.xml><?xml version="1.0" encoding="utf-8"?>
+<p:sld xmlns:a="http://schemas.openxmlformats.org/drawingml/2006/main" xmlns:r="http://schemas.openxmlformats.org/officeDocument/2006/relationships" xmlns:p="http://schemas.openxmlformats.org/presentationml/2006/main">
+  <p:cSld>
+    <p:spTree>
+      <p:nvGrpSpPr>
+        <p:cNvPr id="1" name=""/>
+        <p:cNvGrpSpPr/>
+        <p:nvPr/>
+      </p:nvGrpSpPr>
+      <p:grpSpPr>
+        <a:xfrm>
+          <a:off x="0" y="0"/>
+          <a:ext cx="0" cy="0"/>
+          <a:chOff x="0" y="0"/>
+          <a:chExt cx="0" cy="0"/>
+        </a:xfrm>
+      </p:grpSpPr>
+      <p:sp>
+        <p:nvSpPr>
+          <p:cNvPr id="2" name="Content Placeholder 1">
+            <a:extLst>
+              <a:ext uri="{FF2B5EF4-FFF2-40B4-BE49-F238E27FC236}">
+                <a16:creationId xmlns:a16="http://schemas.microsoft.com/office/drawing/2014/main" id="{0FD581DB-6CA4-4858-8BA1-3C8344C2CC06}"/>
+              </a:ext>
+            </a:extLst>
+          </p:cNvPr>
+          <p:cNvSpPr>
+            <a:spLocks noGrp="1"/>
+          </p:cNvSpPr>
+          <p:nvPr>
+            <p:ph idx="10"/>
+          </p:nvPr>
+        </p:nvSpPr>
+        <p:spPr/>
+        <p:txBody>
+          <a:bodyPr/>
+          <a:lstStyle/>
+          <a:p>
+            <a:r>
+              <a:rPr lang="en-US" dirty="0"/>
+              <a:t>Source code …</a:t>
+            </a:r>
+          </a:p>
+          <a:p>
+            <a:r>
+              <a:rPr lang="en-US" sz="4000" dirty="0">
+                <a:solidFill>
+                  <a:schemeClr val="bg1"/>
+                </a:solidFill>
+              </a:rPr>
+              <a:t>https://github.com/gdzierzon/ndc-minnesota-2019</a:t>
+            </a:r>
+          </a:p>
+        </p:txBody>
+      </p:sp>
+    </p:spTree>
+    <p:extLst>
+      <p:ext uri="{BB962C8B-B14F-4D97-AF65-F5344CB8AC3E}">
+        <p14:creationId xmlns:p14="http://schemas.microsoft.com/office/powerpoint/2010/main" val="3664141784"/>
+      </p:ext>
+    </p:extLst>
+  </p:cSld>
+  <p:clrMapOvr>
+    <a:masterClrMapping/>
+  </p:clrMapOvr>
+</p:sld>
+</file>
+
+<file path=ppt/slides/slide3.xml><?xml version="1.0" encoding="utf-8"?>
+<p:sld xmlns:a="http://schemas.openxmlformats.org/drawingml/2006/main" xmlns:r="http://schemas.openxmlformats.org/officeDocument/2006/relationships" xmlns:p="http://schemas.openxmlformats.org/presentationml/2006/main">
+  <p:cSld>
+    <p:spTree>
+      <p:nvGrpSpPr>
+        <p:cNvPr id="1" name=""/>
+        <p:cNvGrpSpPr/>
+        <p:nvPr/>
+      </p:nvGrpSpPr>
+      <p:grpSpPr>
+        <a:xfrm>
+          <a:off x="0" y="0"/>
+          <a:ext cx="0" cy="0"/>
+          <a:chOff x="0" y="0"/>
+          <a:chExt cx="0" cy="0"/>
+        </a:xfrm>
+      </p:grpSpPr>
+      <p:sp>
+        <p:nvSpPr>
+          <p:cNvPr id="8" name="Content Placeholder 7">
+            <a:extLst>
+              <a:ext uri="{FF2B5EF4-FFF2-40B4-BE49-F238E27FC236}">
+                <a16:creationId xmlns:a16="http://schemas.microsoft.com/office/drawing/2014/main" id="{CE793565-B95D-4753-9CD3-2629684DD704}"/>
+              </a:ext>
+            </a:extLst>
+          </p:cNvPr>
+          <p:cNvSpPr>
+            <a:spLocks noGrp="1"/>
+          </p:cNvSpPr>
+          <p:nvPr>
+            <p:ph idx="1"/>
+          </p:nvPr>
+        </p:nvSpPr>
+        <p:spPr/>
+        <p:txBody>
+          <a:bodyPr/>
+          <a:lstStyle/>
+          <a:p>
+            <a:r>
+              <a:rPr lang="en-US" dirty="0"/>
+              <a:t>What is REST?</a:t>
+            </a:r>
+          </a:p>
+          <a:p>
+            <a:r>
+              <a:rPr lang="en-US" dirty="0"/>
+              <a:t>ASP.NET Core </a:t>
+            </a:r>
+            <a:r>
+              <a:rPr lang="en-US" dirty="0" err="1"/>
+              <a:t>WebAPI</a:t>
+            </a:r>
+            <a:endParaRPr lang="en-US" dirty="0"/>
+          </a:p>
+          <a:p>
+            <a:r>
+              <a:rPr lang="en-US" dirty="0"/>
+              <a:t>Swagger</a:t>
+            </a:r>
+          </a:p>
+        </p:txBody>
+      </p:sp>
+      <p:sp>
+        <p:nvSpPr>
+          <p:cNvPr id="9" name="Content Placeholder 8">
+            <a:extLst>
+              <a:ext uri="{FF2B5EF4-FFF2-40B4-BE49-F238E27FC236}">
+                <a16:creationId xmlns:a16="http://schemas.microsoft.com/office/drawing/2014/main" id="{9D3C14FC-FD2A-484E-A6CC-2FEED273AB29}"/>
+              </a:ext>
+            </a:extLst>
+          </p:cNvPr>
+          <p:cNvSpPr>
+            <a:spLocks noGrp="1"/>
+          </p:cNvSpPr>
+          <p:nvPr>
+            <p:ph idx="10"/>
+          </p:nvPr>
+        </p:nvSpPr>
+        <p:spPr/>
+        <p:txBody>
+          <a:bodyPr/>
+          <a:lstStyle/>
+          <a:p>
+            <a:r>
+              <a:rPr lang="en-US" dirty="0"/>
+              <a:t>What will we cover?</a:t>
+            </a:r>
+          </a:p>
+        </p:txBody>
+      </p:sp>
+    </p:spTree>
+    <p:extLst>
+      <p:ext uri="{BB962C8B-B14F-4D97-AF65-F5344CB8AC3E}">
+        <p14:creationId xmlns:p14="http://schemas.microsoft.com/office/powerpoint/2010/main" val="973934659"/>
+      </p:ext>
+    </p:extLst>
+  </p:cSld>
+  <p:clrMapOvr>
+    <a:masterClrMapping/>
+  </p:clrMapOvr>
+  <p:timing>
+    <p:tnLst>
+      <p:par>
+        <p:cTn id="1" dur="indefinite" restart="never" nodeType="tmRoot">
+          <p:childTnLst>
+            <p:seq concurrent="1" nextAc="seek">
+              <p:cTn id="2" dur="indefinite" nodeType="mainSeq">
+                <p:childTnLst>
+                  <p:par>
+                    <p:cTn id="3" fill="hold">
+                      <p:stCondLst>
+                        <p:cond delay="indefinite"/>
+                      </p:stCondLst>
+                      <p:childTnLst>
+                        <p:par>
+                          <p:cTn id="4" fill="hold">
+                            <p:stCondLst>
+                              <p:cond delay="0"/>
+                            </p:stCondLst>
+                            <p:childTnLst>
+                              <p:par>
+                                <p:cTn id="5" presetID="2" presetClass="entr" presetSubtype="4" fill="hold" grpId="0" nodeType="clickEffect">
+                                  <p:stCondLst>
+                                    <p:cond delay="0"/>
+                                  </p:stCondLst>
+                                  <p:childTnLst>
+                                    <p:set>
+                                      <p:cBhvr>
+                                        <p:cTn id="6" dur="1" fill="hold">
+                                          <p:stCondLst>
+                                            <p:cond delay="0"/>
+                                          </p:stCondLst>
+                                        </p:cTn>
+                                        <p:tgtEl>
+                                          <p:spTgt spid="8">
+                                            <p:txEl>
+                                              <p:pRg st="0" end="0"/>
+                                            </p:txEl>
+                                          </p:spTgt>
+                                        </p:tgtEl>
+                                        <p:attrNameLst>
+                                          <p:attrName>style.visibility</p:attrName>
+                                        </p:attrNameLst>
+                                      </p:cBhvr>
+                                      <p:to>
+                                        <p:strVal val="visible"/>
+                                      </p:to>
+                                    </p:set>
+                                    <p:anim calcmode="lin" valueType="num">
+                                      <p:cBhvr additive="base">
+                                        <p:cTn id="7" dur="500" fill="hold"/>
+                                        <p:tgtEl>
+                                          <p:spTgt spid="8">
+                                            <p:txEl>
+                                              <p:pRg st="0" end="0"/>
+                                            </p:txEl>
+                                          </p:spTgt>
+                                        </p:tgtEl>
+                                        <p:attrNameLst>
+                                          <p:attrName>ppt_x</p:attrName>
+                                        </p:attrNameLst>
+                                      </p:cBhvr>
+                                      <p:tavLst>
+                                        <p:tav tm="0">
+                                          <p:val>
+                                            <p:strVal val="#ppt_x"/>
+                                          </p:val>
+                                        </p:tav>
+                                        <p:tav tm="100000">
+                                          <p:val>
+                                            <p:strVal val="#ppt_x"/>
+                                          </p:val>
+                                        </p:tav>
+                                      </p:tavLst>
+                                    </p:anim>
+                                    <p:anim calcmode="lin" valueType="num">
+                                      <p:cBhvr additive="base">
+                                        <p:cTn id="8" dur="500" fill="hold"/>
+                                        <p:tgtEl>
+                                          <p:spTgt spid="8">
+                                            <p:txEl>
+                                              <p:pRg st="0" end="0"/>
+                                            </p:txEl>
+                                          </p:spTgt>
+                                        </p:tgtEl>
+                                        <p:attrNameLst>
+                                          <p:attrName>ppt_y</p:attrName>
+                                        </p:attrNameLst>
+                                      </p:cBhvr>
+                                      <p:tavLst>
+                                        <p:tav tm="0">
+                                          <p:val>
+                                            <p:strVal val="1+#ppt_h/2"/>
+                                          </p:val>
+                                        </p:tav>
+                                        <p:tav tm="100000">
+                                          <p:val>
+                                            <p:strVal val="#ppt_y"/>
+                                          </p:val>
+                                        </p:tav>
+                                      </p:tavLst>
+                                    </p:anim>
+                                  </p:childTnLst>
+                                </p:cTn>
+                              </p:par>
+                            </p:childTnLst>
+                          </p:cTn>
+                        </p:par>
+                      </p:childTnLst>
+                    </p:cTn>
+                  </p:par>
+                  <p:par>
+                    <p:cTn id="9" fill="hold">
+                      <p:stCondLst>
+                        <p:cond delay="indefinite"/>
+                      </p:stCondLst>
+                      <p:childTnLst>
+                        <p:par>
+                          <p:cTn id="10" fill="hold">
+                            <p:stCondLst>
+                              <p:cond delay="0"/>
+                            </p:stCondLst>
+                            <p:childTnLst>
+                              <p:par>
+                                <p:cTn id="11" presetID="2" presetClass="entr" presetSubtype="4" fill="hold" grpId="0" nodeType="clickEffect">
+                                  <p:stCondLst>
+                                    <p:cond delay="0"/>
+                                  </p:stCondLst>
+                                  <p:childTnLst>
+                                    <p:set>
+                                      <p:cBhvr>
+                                        <p:cTn id="12" dur="1" fill="hold">
+                                          <p:stCondLst>
+                                            <p:cond delay="0"/>
+                                          </p:stCondLst>
+                                        </p:cTn>
+                                        <p:tgtEl>
+                                          <p:spTgt spid="8">
+                                            <p:txEl>
+                                              <p:pRg st="1" end="1"/>
+                                            </p:txEl>
+                                          </p:spTgt>
+                                        </p:tgtEl>
+                                        <p:attrNameLst>
+                                          <p:attrName>style.visibility</p:attrName>
+                                        </p:attrNameLst>
+                                      </p:cBhvr>
+                                      <p:to>
+                                        <p:strVal val="visible"/>
+                                      </p:to>
+                                    </p:set>
+                                    <p:anim calcmode="lin" valueType="num">
+                                      <p:cBhvr additive="base">
+                                        <p:cTn id="13" dur="500" fill="hold"/>
+                                        <p:tgtEl>
+                                          <p:spTgt spid="8">
+                                            <p:txEl>
+                                              <p:pRg st="1" end="1"/>
+                                            </p:txEl>
+                                          </p:spTgt>
+                                        </p:tgtEl>
+                                        <p:attrNameLst>
+                                          <p:attrName>ppt_x</p:attrName>
+                                        </p:attrNameLst>
+                                      </p:cBhvr>
+                                      <p:tavLst>
+                                        <p:tav tm="0">
+                                          <p:val>
+                                            <p:strVal val="#ppt_x"/>
+                                          </p:val>
+                                        </p:tav>
+                                        <p:tav tm="100000">
+                                          <p:val>
+                                            <p:strVal val="#ppt_x"/>
+                                          </p:val>
+                                        </p:tav>
+                                      </p:tavLst>
+                                    </p:anim>
+                                    <p:anim calcmode="lin" valueType="num">
+                                      <p:cBhvr additive="base">
+                                        <p:cTn id="14" dur="500" fill="hold"/>
+                                        <p:tgtEl>
+                                          <p:spTgt spid="8">
+                                            <p:txEl>
+                                              <p:pRg st="1" end="1"/>
+                                            </p:txEl>
+                                          </p:spTgt>
+                                        </p:tgtEl>
+                                        <p:attrNameLst>
+                                          <p:attrName>ppt_y</p:attrName>
+                                        </p:attrNameLst>
+                                      </p:cBhvr>
+                                      <p:tavLst>
+                                        <p:tav tm="0">
+                                          <p:val>
+                                            <p:strVal val="1+#ppt_h/2"/>
+                                          </p:val>
+                                        </p:tav>
+                                        <p:tav tm="100000">
+                                          <p:val>
+                                            <p:strVal val="#ppt_y"/>
+                                          </p:val>
+                                        </p:tav>
+                                      </p:tavLst>
+                                    </p:anim>
+                                  </p:childTnLst>
+                                </p:cTn>
+                              </p:par>
+                            </p:childTnLst>
+                          </p:cTn>
+                        </p:par>
+                      </p:childTnLst>
+                    </p:cTn>
+                  </p:par>
+                  <p:par>
+                    <p:cTn id="15" fill="hold">
+                      <p:stCondLst>
+                        <p:cond delay="indefinite"/>
+                      </p:stCondLst>
+                      <p:childTnLst>
+                        <p:par>
+                          <p:cTn id="16" fill="hold">
+                            <p:stCondLst>
+                              <p:cond delay="0"/>
+                            </p:stCondLst>
+                            <p:childTnLst>
+                              <p:par>
+                                <p:cTn id="17" presetID="2" presetClass="entr" presetSubtype="4" fill="hold" grpId="0" nodeType="clickEffect">
+                                  <p:stCondLst>
+                                    <p:cond delay="0"/>
+                                  </p:stCondLst>
+                                  <p:childTnLst>
+                                    <p:set>
+                                      <p:cBhvr>
+                                        <p:cTn id="18" dur="1" fill="hold">
+                                          <p:stCondLst>
+                                            <p:cond delay="0"/>
+                                          </p:stCondLst>
+                                        </p:cTn>
+                                        <p:tgtEl>
+                                          <p:spTgt spid="8">
+                                            <p:txEl>
+                                              <p:pRg st="2" end="2"/>
+                                            </p:txEl>
+                                          </p:spTgt>
+                                        </p:tgtEl>
+                                        <p:attrNameLst>
+                                          <p:attrName>style.visibility</p:attrName>
+                                        </p:attrNameLst>
+                                      </p:cBhvr>
+                                      <p:to>
+                                        <p:strVal val="visible"/>
+                                      </p:to>
+                                    </p:set>
+                                    <p:anim calcmode="lin" valueType="num">
+                                      <p:cBhvr additive="base">
+                                        <p:cTn id="19" dur="500" fill="hold"/>
+                                        <p:tgtEl>
+                                          <p:spTgt spid="8">
+                                            <p:txEl>
+                                              <p:pRg st="2" end="2"/>
+                                            </p:txEl>
+                                          </p:spTgt>
+                                        </p:tgtEl>
+                                        <p:attrNameLst>
+                                          <p:attrName>ppt_x</p:attrName>
+                                        </p:attrNameLst>
+                                      </p:cBhvr>
+                                      <p:tavLst>
+                                        <p:tav tm="0">
+                                          <p:val>
+                                            <p:strVal val="#ppt_x"/>
+                                          </p:val>
+                                        </p:tav>
+                                        <p:tav tm="100000">
+                                          <p:val>
+                                            <p:strVal val="#ppt_x"/>
+                                          </p:val>
+                                        </p:tav>
+                                      </p:tavLst>
+                                    </p:anim>
+                                    <p:anim calcmode="lin" valueType="num">
+                                      <p:cBhvr additive="base">
+                                        <p:cTn id="20" dur="500" fill="hold"/>
+                                        <p:tgtEl>
+                                          <p:spTgt spid="8">
+                                            <p:txEl>
+                                              <p:pRg st="2" end="2"/>
+                                            </p:txEl>
+                                          </p:spTgt>
+                                        </p:tgtEl>
+                                        <p:attrNameLst>
+                                          <p:attrName>ppt_y</p:attrName>
+                                        </p:attrNameLst>
+                                      </p:cBhvr>
+                                      <p:tavLst>
+                                        <p:tav tm="0">
+                                          <p:val>
+                                            <p:strVal val="1+#ppt_h/2"/>
+                                          </p:val>
+                                        </p:tav>
+                                        <p:tav tm="100000">
+                                          <p:val>
+                                            <p:strVal val="#ppt_y"/>
+                                          </p:val>
+                                        </p:tav>
+                                      </p:tavLst>
+                                    </p:anim>
+                                  </p:childTnLst>
+                                </p:cTn>
+                              </p:par>
+                            </p:childTnLst>
+                          </p:cTn>
+                        </p:par>
+                      </p:childTnLst>
+                    </p:cTn>
+                  </p:par>
+                </p:childTnLst>
+              </p:cTn>
+              <p:prevCondLst>
+                <p:cond evt="onPrev" delay="0">
+                  <p:tgtEl>
+                    <p:sldTgt/>
+                  </p:tgtEl>
+                </p:cond>
+              </p:prevCondLst>
+              <p:nextCondLst>
+                <p:cond evt="onNext" delay="0">
+                  <p:tgtEl>
+                    <p:sldTgt/>
+                  </p:tgtEl>
+                </p:cond>
+              </p:nextCondLst>
+            </p:seq>
+          </p:childTnLst>
+        </p:cTn>
+      </p:par>
+    </p:tnLst>
+    <p:bldLst>
+      <p:bldP spid="8" grpId="0" build="p"/>
+    </p:bldLst>
+  </p:timing>
+</p:sld>
+</file>
+
+<file path=ppt/slides/slide4.xml><?xml version="1.0" encoding="utf-8"?>
+<p:sld xmlns:a="http://schemas.openxmlformats.org/drawingml/2006/main" xmlns:r="http://schemas.openxmlformats.org/officeDocument/2006/relationships" xmlns:p="http://schemas.openxmlformats.org/presentationml/2006/main">
+  <p:cSld>
+    <p:spTree>
+      <p:nvGrpSpPr>
+        <p:cNvPr id="1" name=""/>
+        <p:cNvGrpSpPr/>
+        <p:nvPr/>
+      </p:nvGrpSpPr>
+      <p:grpSpPr>
+        <a:xfrm>
+          <a:off x="0" y="0"/>
+          <a:ext cx="0" cy="0"/>
+          <a:chOff x="0" y="0"/>
+          <a:chExt cx="0" cy="0"/>
+        </a:xfrm>
+      </p:grpSpPr>
+      <p:pic>
+        <p:nvPicPr>
+          <p:cNvPr id="4" name="Content Placeholder 3">
+            <a:extLst>
+              <a:ext uri="{FF2B5EF4-FFF2-40B4-BE49-F238E27FC236}">
+                <a16:creationId xmlns:a16="http://schemas.microsoft.com/office/drawing/2014/main" id="{ADDB681A-870C-4F7A-B07E-A4F8A68FE7C5}"/>
+              </a:ext>
+            </a:extLst>
+          </p:cNvPr>
+          <p:cNvPicPr>
+            <a:picLocks noGrp="1" noChangeAspect="1"/>
+          </p:cNvPicPr>
+          <p:nvPr>
+            <p:ph idx="10"/>
+          </p:nvPr>
+        </p:nvPicPr>
+        <p:blipFill>
+          <a:blip r:embed="rId2">
+            <a:extLst>
+              <a:ext uri="{28A0092B-C50C-407E-A947-70E740481C1C}">
+                <a14:useLocalDpi xmlns:a14="http://schemas.microsoft.com/office/drawing/2010/main" val="0"/>
+              </a:ext>
+              <a:ext uri="{837473B0-CC2E-450A-ABE3-18F120FF3D39}">
+                <a1611:picAttrSrcUrl xmlns:a1611="http://schemas.microsoft.com/office/drawing/2016/11/main" r:id="rId3"/>
+              </a:ext>
+            </a:extLst>
+          </a:blip>
+          <a:stretch>
+            <a:fillRect/>
+          </a:stretch>
+        </p:blipFill>
+        <p:spPr>
+          <a:xfrm>
+            <a:off x="706953" y="467126"/>
+            <a:ext cx="2374900" cy="2374900"/>
+          </a:xfrm>
+        </p:spPr>
+      </p:pic>
+      <p:pic>
+        <p:nvPicPr>
+          <p:cNvPr id="7" name="Picture 6">
+            <a:extLst>
+              <a:ext uri="{FF2B5EF4-FFF2-40B4-BE49-F238E27FC236}">
+                <a16:creationId xmlns:a16="http://schemas.microsoft.com/office/drawing/2014/main" id="{95814655-7591-443E-8298-F6EDE6789FBD}"/>
+              </a:ext>
+            </a:extLst>
+          </p:cNvPr>
+          <p:cNvPicPr>
+            <a:picLocks noChangeAspect="1"/>
+          </p:cNvPicPr>
+          <p:nvPr/>
+        </p:nvPicPr>
+        <p:blipFill>
+          <a:blip r:embed="rId4">
+            <a:extLst>
+              <a:ext uri="{28A0092B-C50C-407E-A947-70E740481C1C}">
+                <a14:useLocalDpi xmlns:a14="http://schemas.microsoft.com/office/drawing/2010/main" val="0"/>
+              </a:ext>
+              <a:ext uri="{837473B0-CC2E-450A-ABE3-18F120FF3D39}">
+                <a1611:picAttrSrcUrl xmlns:a1611="http://schemas.microsoft.com/office/drawing/2016/11/main" r:id="rId5"/>
+              </a:ext>
+            </a:extLst>
+          </a:blip>
+          <a:stretch>
+            <a:fillRect/>
+          </a:stretch>
+        </p:blipFill>
+        <p:spPr>
+          <a:xfrm>
+            <a:off x="8728354" y="467126"/>
+            <a:ext cx="2589938" cy="2589938"/>
+          </a:xfrm>
+          <a:prstGeom prst="rect">
+            <a:avLst/>
+          </a:prstGeom>
+        </p:spPr>
+      </p:pic>
+      <p:cxnSp>
+        <p:nvCxnSpPr>
+          <p:cNvPr id="10" name="Straight Arrow Connector 9">
+            <a:extLst>
+              <a:ext uri="{FF2B5EF4-FFF2-40B4-BE49-F238E27FC236}">
+                <a16:creationId xmlns:a16="http://schemas.microsoft.com/office/drawing/2014/main" id="{F4F2E67E-19BA-4330-991B-7E942B9AE9D1}"/>
+              </a:ext>
+            </a:extLst>
+          </p:cNvPr>
+          <p:cNvCxnSpPr>
+            <a:cxnSpLocks/>
+          </p:cNvCxnSpPr>
+          <p:nvPr/>
+        </p:nvCxnSpPr>
+        <p:spPr>
+          <a:xfrm flipV="1">
+            <a:off x="3081853" y="1762095"/>
+            <a:ext cx="5928982" cy="1"/>
+          </a:xfrm>
+          <a:prstGeom prst="straightConnector1">
+            <a:avLst/>
+          </a:prstGeom>
+          <a:ln w="76200">
+            <a:solidFill>
+              <a:srgbClr val="C00000"/>
+            </a:solidFill>
+            <a:headEnd type="triangle"/>
+            <a:tailEnd type="triangle"/>
+          </a:ln>
+          <a:effectLst>
+            <a:outerShdw blurRad="50800" dist="38100" dir="5400000" algn="t" rotWithShape="0">
+              <a:prstClr val="black">
+                <a:alpha val="40000"/>
+              </a:prstClr>
+            </a:outerShdw>
+          </a:effectLst>
+        </p:spPr>
+        <p:style>
+          <a:lnRef idx="1">
+            <a:schemeClr val="accent1"/>
+          </a:lnRef>
+          <a:fillRef idx="0">
+            <a:schemeClr val="accent1"/>
+          </a:fillRef>
+          <a:effectRef idx="0">
+            <a:schemeClr val="accent1"/>
+          </a:effectRef>
+          <a:fontRef idx="minor">
+            <a:schemeClr val="tx1"/>
+          </a:fontRef>
+        </p:style>
+      </p:cxnSp>
+      <p:sp>
+        <p:nvSpPr>
+          <p:cNvPr id="15" name="Content Placeholder 7">
+            <a:extLst>
+              <a:ext uri="{FF2B5EF4-FFF2-40B4-BE49-F238E27FC236}">
+                <a16:creationId xmlns:a16="http://schemas.microsoft.com/office/drawing/2014/main" id="{EFCAE033-B8B4-4150-B304-773DF959589B}"/>
+              </a:ext>
+            </a:extLst>
+          </p:cNvPr>
+          <p:cNvSpPr txBox="1">
+            <a:spLocks/>
+          </p:cNvSpPr>
+          <p:nvPr/>
+        </p:nvSpPr>
+        <p:spPr>
+          <a:xfrm>
+            <a:off x="3213717" y="2317086"/>
+            <a:ext cx="5699464" cy="4121814"/>
+          </a:xfrm>
+          <a:prstGeom prst="rect">
+            <a:avLst/>
+          </a:prstGeom>
+        </p:spPr>
+        <p:txBody>
+          <a:bodyPr/>
+          <a:lstStyle>
+            <a:lvl1pPr marL="228600" indent="-228600" algn="l" defTabSz="914400" rtl="0" eaLnBrk="1" latinLnBrk="0" hangingPunct="1">
+              <a:lnSpc>
+                <a:spcPct val="90000"/>
+              </a:lnSpc>
+              <a:spcBef>
+                <a:spcPts val="1000"/>
+              </a:spcBef>
+              <a:buFont typeface="Arial" panose="020B0604020202020204" pitchFamily="34" charset="0"/>
+              <a:buChar char="•"/>
+              <a:defRPr sz="3600" kern="1200">
+                <a:solidFill>
+                  <a:srgbClr val="707070"/>
+                </a:solidFill>
+                <a:latin typeface="+mn-lt"/>
+                <a:ea typeface="+mn-ea"/>
+                <a:cs typeface="+mn-cs"/>
+              </a:defRPr>
+            </a:lvl1pPr>
+            <a:lvl2pPr marL="685800" indent="-228600" algn="l" defTabSz="914400" rtl="0" eaLnBrk="1" latinLnBrk="0" hangingPunct="1">
+              <a:lnSpc>
+                <a:spcPct val="90000"/>
+              </a:lnSpc>
+              <a:spcBef>
+                <a:spcPts val="500"/>
+              </a:spcBef>
+              <a:buFont typeface="Arial" panose="020B0604020202020204" pitchFamily="34" charset="0"/>
+              <a:buChar char="•"/>
+              <a:defRPr sz="3200" kern="1200">
+                <a:solidFill>
+                  <a:srgbClr val="707070"/>
+                </a:solidFill>
+                <a:latin typeface="+mn-lt"/>
+                <a:ea typeface="+mn-ea"/>
+                <a:cs typeface="+mn-cs"/>
+              </a:defRPr>
+            </a:lvl2pPr>
+            <a:lvl3pPr marL="1143000" indent="-228600" algn="l" defTabSz="914400" rtl="0" eaLnBrk="1" latinLnBrk="0" hangingPunct="1">
+              <a:lnSpc>
+                <a:spcPct val="90000"/>
+              </a:lnSpc>
+              <a:spcBef>
+                <a:spcPts val="500"/>
+              </a:spcBef>
+              <a:buFont typeface="Arial" panose="020B0604020202020204" pitchFamily="34" charset="0"/>
+              <a:buChar char="•"/>
+              <a:defRPr sz="2800" kern="1200">
+                <a:solidFill>
+                  <a:srgbClr val="707070"/>
+                </a:solidFill>
+                <a:latin typeface="+mn-lt"/>
+                <a:ea typeface="+mn-ea"/>
+                <a:cs typeface="+mn-cs"/>
+              </a:defRPr>
+            </a:lvl3pPr>
+            <a:lvl4pPr marL="1600200" indent="-228600" algn="l" defTabSz="914400" rtl="0" eaLnBrk="1" latinLnBrk="0" hangingPunct="1">
+              <a:lnSpc>
+                <a:spcPct val="90000"/>
+              </a:lnSpc>
+              <a:spcBef>
+                <a:spcPts val="500"/>
+              </a:spcBef>
+              <a:buFont typeface="Arial" panose="020B0604020202020204" pitchFamily="34" charset="0"/>
+              <a:buChar char="•"/>
+              <a:defRPr sz="2400" kern="1200">
+                <a:solidFill>
+                  <a:srgbClr val="707070"/>
+                </a:solidFill>
+                <a:latin typeface="+mn-lt"/>
+                <a:ea typeface="+mn-ea"/>
+                <a:cs typeface="+mn-cs"/>
+              </a:defRPr>
+            </a:lvl4pPr>
+            <a:lvl5pPr marL="2057400" indent="-228600" algn="l" defTabSz="914400" rtl="0" eaLnBrk="1" latinLnBrk="0" hangingPunct="1">
+              <a:lnSpc>
+                <a:spcPct val="90000"/>
+              </a:lnSpc>
+              <a:spcBef>
+                <a:spcPts val="500"/>
+              </a:spcBef>
+              <a:buFont typeface="Arial" panose="020B0604020202020204" pitchFamily="34" charset="0"/>
+              <a:buChar char="•"/>
+              <a:defRPr sz="2400" kern="1200">
+                <a:solidFill>
+                  <a:srgbClr val="707070"/>
+                </a:solidFill>
+                <a:latin typeface="+mn-lt"/>
+                <a:ea typeface="+mn-ea"/>
+                <a:cs typeface="+mn-cs"/>
+              </a:defRPr>
+            </a:lvl5pPr>
+            <a:lvl6pPr marL="2514600" indent="-228600" algn="l" defTabSz="914400" rtl="0" eaLnBrk="1" latinLnBrk="0" hangingPunct="1">
+              <a:lnSpc>
+                <a:spcPct val="90000"/>
+              </a:lnSpc>
+              <a:spcBef>
+                <a:spcPts val="500"/>
+              </a:spcBef>
+              <a:buFont typeface="Arial" panose="020B0604020202020204" pitchFamily="34" charset="0"/>
+              <a:buChar char="•"/>
+              <a:defRPr sz="1800" kern="1200">
+                <a:solidFill>
+                  <a:schemeClr val="tx1"/>
+                </a:solidFill>
+                <a:latin typeface="+mn-lt"/>
+                <a:ea typeface="+mn-ea"/>
+                <a:cs typeface="+mn-cs"/>
+              </a:defRPr>
+            </a:lvl6pPr>
+            <a:lvl7pPr marL="2971800" indent="-228600" algn="l" defTabSz="914400" rtl="0" eaLnBrk="1" latinLnBrk="0" hangingPunct="1">
+              <a:lnSpc>
+                <a:spcPct val="90000"/>
+              </a:lnSpc>
+              <a:spcBef>
+                <a:spcPts val="500"/>
+              </a:spcBef>
+              <a:buFont typeface="Arial" panose="020B0604020202020204" pitchFamily="34" charset="0"/>
+              <a:buChar char="•"/>
+              <a:defRPr sz="1800" kern="1200">
+                <a:solidFill>
+                  <a:schemeClr val="tx1"/>
+                </a:solidFill>
+                <a:latin typeface="+mn-lt"/>
+                <a:ea typeface="+mn-ea"/>
+                <a:cs typeface="+mn-cs"/>
+              </a:defRPr>
+            </a:lvl7pPr>
+            <a:lvl8pPr marL="3429000" indent="-228600" algn="l" defTabSz="914400" rtl="0" eaLnBrk="1" latinLnBrk="0" hangingPunct="1">
+              <a:lnSpc>
+                <a:spcPct val="90000"/>
+              </a:lnSpc>
+              <a:spcBef>
+                <a:spcPts val="500"/>
+              </a:spcBef>
+              <a:buFont typeface="Arial" panose="020B0604020202020204" pitchFamily="34" charset="0"/>
+              <a:buChar char="•"/>
+              <a:defRPr sz="1800" kern="1200">
+                <a:solidFill>
+                  <a:schemeClr val="tx1"/>
+                </a:solidFill>
+                <a:latin typeface="+mn-lt"/>
+                <a:ea typeface="+mn-ea"/>
+                <a:cs typeface="+mn-cs"/>
+              </a:defRPr>
+            </a:lvl8pPr>
+            <a:lvl9pPr marL="3886200" indent="-228600" algn="l" defTabSz="914400" rtl="0" eaLnBrk="1" latinLnBrk="0" hangingPunct="1">
+              <a:lnSpc>
+                <a:spcPct val="90000"/>
+              </a:lnSpc>
+              <a:spcBef>
+                <a:spcPts val="500"/>
+              </a:spcBef>
+              <a:buFont typeface="Arial" panose="020B0604020202020204" pitchFamily="34" charset="0"/>
+              <a:buChar char="•"/>
+              <a:defRPr sz="1800" kern="1200">
+                <a:solidFill>
+                  <a:schemeClr val="tx1"/>
+                </a:solidFill>
+                <a:latin typeface="+mn-lt"/>
+                <a:ea typeface="+mn-ea"/>
+                <a:cs typeface="+mn-cs"/>
+              </a:defRPr>
+            </a:lvl9pPr>
+          </a:lstStyle>
+          <a:p>
+            <a:r>
+              <a:rPr lang="en-US" dirty="0"/>
+              <a:t>SOAP (.</a:t>
+            </a:r>
+            <a:r>
+              <a:rPr lang="en-US" dirty="0" err="1"/>
+              <a:t>asmx</a:t>
+            </a:r>
+            <a:r>
+              <a:rPr lang="en-US" dirty="0"/>
+              <a:t> Web Services)</a:t>
+            </a:r>
+          </a:p>
+          <a:p>
+            <a:r>
+              <a:rPr lang="en-US" dirty="0"/>
+              <a:t>.NET Remoting</a:t>
+            </a:r>
+          </a:p>
+          <a:p>
+            <a:r>
+              <a:rPr lang="en-US" dirty="0"/>
+              <a:t>WCF</a:t>
+            </a:r>
+          </a:p>
+          <a:p>
+            <a:r>
+              <a:rPr lang="en-US" dirty="0"/>
+              <a:t>REST</a:t>
+            </a:r>
+          </a:p>
+          <a:p>
+            <a:r>
+              <a:rPr lang="en-US" dirty="0" err="1"/>
+              <a:t>GraphQL</a:t>
+            </a:r>
+            <a:endParaRPr lang="en-US" dirty="0"/>
+          </a:p>
+        </p:txBody>
+      </p:sp>
+    </p:spTree>
+    <p:extLst>
+      <p:ext uri="{BB962C8B-B14F-4D97-AF65-F5344CB8AC3E}">
+        <p14:creationId xmlns:p14="http://schemas.microsoft.com/office/powerpoint/2010/main" val="2989592313"/>
+      </p:ext>
+    </p:extLst>
+  </p:cSld>
+  <p:clrMapOvr>
+    <a:masterClrMapping/>
+  </p:clrMapOvr>
+  <p:timing>
+    <p:tnLst>
+      <p:par>
+        <p:cTn id="1" dur="indefinite" restart="never" nodeType="tmRoot">
+          <p:childTnLst>
+            <p:seq concurrent="1" nextAc="seek">
+              <p:cTn id="2" dur="indefinite" nodeType="mainSeq">
+                <p:childTnLst>
+                  <p:par>
+                    <p:cTn id="3" fill="hold">
+                      <p:stCondLst>
+                        <p:cond delay="indefinite"/>
+                      </p:stCondLst>
+                      <p:childTnLst>
+                        <p:par>
+                          <p:cTn id="4" fill="hold">
+                            <p:stCondLst>
+                              <p:cond delay="0"/>
+                            </p:stCondLst>
+                            <p:childTnLst>
+                              <p:par>
+                                <p:cTn id="5" presetID="1" presetClass="entr" presetSubtype="0" fill="hold" grpId="0" nodeType="clickEffect">
+                                  <p:stCondLst>
+                                    <p:cond delay="0"/>
+                                  </p:stCondLst>
+                                  <p:childTnLst>
+                                    <p:set>
+                                      <p:cBhvr>
+                                        <p:cTn id="6" dur="1" fill="hold">
+                                          <p:stCondLst>
+                                            <p:cond delay="0"/>
+                                          </p:stCondLst>
+                                        </p:cTn>
+                                        <p:tgtEl>
+                                          <p:spTgt spid="15">
+                                            <p:txEl>
+                                              <p:pRg st="0" end="0"/>
+                                            </p:txEl>
+                                          </p:spTgt>
+                                        </p:tgtEl>
+                                        <p:attrNameLst>
+                                          <p:attrName>style.visibility</p:attrName>
+                                        </p:attrNameLst>
+                                      </p:cBhvr>
+                                      <p:to>
+                                        <p:strVal val="visible"/>
+                                      </p:to>
+                                    </p:set>
+                                  </p:childTnLst>
+                                </p:cTn>
+                              </p:par>
+                            </p:childTnLst>
+                          </p:cTn>
+                        </p:par>
+                      </p:childTnLst>
+                    </p:cTn>
+                  </p:par>
+                  <p:par>
+                    <p:cTn id="7" fill="hold">
+                      <p:stCondLst>
+                        <p:cond delay="indefinite"/>
+                      </p:stCondLst>
+                      <p:childTnLst>
+                        <p:par>
+                          <p:cTn id="8" fill="hold">
+                            <p:stCondLst>
+                              <p:cond delay="0"/>
+                            </p:stCondLst>
+                            <p:childTnLst>
+                              <p:par>
+                                <p:cTn id="9" presetID="1" presetClass="entr" presetSubtype="0" fill="hold" grpId="0" nodeType="clickEffect">
+                                  <p:stCondLst>
+                                    <p:cond delay="0"/>
+                                  </p:stCondLst>
+                                  <p:childTnLst>
+                                    <p:set>
+                                      <p:cBhvr>
+                                        <p:cTn id="10" dur="1" fill="hold">
+                                          <p:stCondLst>
+                                            <p:cond delay="0"/>
+                                          </p:stCondLst>
+                                        </p:cTn>
+                                        <p:tgtEl>
+                                          <p:spTgt spid="15">
+                                            <p:txEl>
+                                              <p:pRg st="1" end="1"/>
+                                            </p:txEl>
+                                          </p:spTgt>
+                                        </p:tgtEl>
+                                        <p:attrNameLst>
+                                          <p:attrName>style.visibility</p:attrName>
+                                        </p:attrNameLst>
+                                      </p:cBhvr>
+                                      <p:to>
+                                        <p:strVal val="visible"/>
+                                      </p:to>
+                                    </p:set>
+                                  </p:childTnLst>
+                                </p:cTn>
+                              </p:par>
+                            </p:childTnLst>
+                          </p:cTn>
+                        </p:par>
+                      </p:childTnLst>
+                    </p:cTn>
+                  </p:par>
+                  <p:par>
+                    <p:cTn id="11" fill="hold">
+                      <p:stCondLst>
+                        <p:cond delay="indefinite"/>
+                      </p:stCondLst>
+                      <p:childTnLst>
+                        <p:par>
+                          <p:cTn id="12" fill="hold">
+                            <p:stCondLst>
+                              <p:cond delay="0"/>
+                            </p:stCondLst>
+                            <p:childTnLst>
+                              <p:par>
+                                <p:cTn id="13" presetID="1" presetClass="entr" presetSubtype="0" fill="hold" grpId="0" nodeType="clickEffect">
+                                  <p:stCondLst>
+                                    <p:cond delay="0"/>
+                                  </p:stCondLst>
+                                  <p:childTnLst>
+                                    <p:set>
+                                      <p:cBhvr>
+                                        <p:cTn id="14" dur="1" fill="hold">
+                                          <p:stCondLst>
+                                            <p:cond delay="0"/>
+                                          </p:stCondLst>
+                                        </p:cTn>
+                                        <p:tgtEl>
+                                          <p:spTgt spid="15">
+                                            <p:txEl>
+                                              <p:pRg st="2" end="2"/>
+                                            </p:txEl>
+                                          </p:spTgt>
+                                        </p:tgtEl>
+                                        <p:attrNameLst>
+                                          <p:attrName>style.visibility</p:attrName>
+                                        </p:attrNameLst>
+                                      </p:cBhvr>
+                                      <p:to>
+                                        <p:strVal val="visible"/>
+                                      </p:to>
+                                    </p:set>
+                                  </p:childTnLst>
+                                </p:cTn>
+                              </p:par>
+                            </p:childTnLst>
+                          </p:cTn>
+                        </p:par>
+                      </p:childTnLst>
+                    </p:cTn>
+                  </p:par>
+                  <p:par>
+                    <p:cTn id="15" fill="hold">
+                      <p:stCondLst>
+                        <p:cond delay="indefinite"/>
+                      </p:stCondLst>
+                      <p:childTnLst>
+                        <p:par>
+                          <p:cTn id="16" fill="hold">
+                            <p:stCondLst>
+                              <p:cond delay="0"/>
+                            </p:stCondLst>
+                            <p:childTnLst>
+                              <p:par>
+                                <p:cTn id="17" presetID="1" presetClass="entr" presetSubtype="0" fill="hold" grpId="0" nodeType="clickEffect">
+                                  <p:stCondLst>
+                                    <p:cond delay="0"/>
+                                  </p:stCondLst>
+                                  <p:childTnLst>
+                                    <p:set>
+                                      <p:cBhvr>
+                                        <p:cTn id="18" dur="1" fill="hold">
+                                          <p:stCondLst>
+                                            <p:cond delay="0"/>
+                                          </p:stCondLst>
+                                        </p:cTn>
+                                        <p:tgtEl>
+                                          <p:spTgt spid="15">
+                                            <p:txEl>
+                                              <p:pRg st="3" end="3"/>
+                                            </p:txEl>
+                                          </p:spTgt>
+                                        </p:tgtEl>
+                                        <p:attrNameLst>
+                                          <p:attrName>style.visibility</p:attrName>
+                                        </p:attrNameLst>
+                                      </p:cBhvr>
+                                      <p:to>
+                                        <p:strVal val="visible"/>
+                                      </p:to>
+                                    </p:set>
+                                  </p:childTnLst>
+                                </p:cTn>
+                              </p:par>
+                            </p:childTnLst>
+                          </p:cTn>
+                        </p:par>
+                      </p:childTnLst>
+                    </p:cTn>
+                  </p:par>
+                  <p:par>
+                    <p:cTn id="19" fill="hold">
+                      <p:stCondLst>
+                        <p:cond delay="indefinite"/>
+                      </p:stCondLst>
+                      <p:childTnLst>
+                        <p:par>
+                          <p:cTn id="20" fill="hold">
+                            <p:stCondLst>
+                              <p:cond delay="0"/>
+                            </p:stCondLst>
+                            <p:childTnLst>
+                              <p:par>
+                                <p:cTn id="21" presetID="1" presetClass="entr" presetSubtype="0" fill="hold" grpId="0" nodeType="clickEffect">
+                                  <p:stCondLst>
+                                    <p:cond delay="0"/>
+                                  </p:stCondLst>
+                                  <p:childTnLst>
+                                    <p:set>
+                                      <p:cBhvr>
+                                        <p:cTn id="22" dur="1" fill="hold">
+                                          <p:stCondLst>
+                                            <p:cond delay="0"/>
+                                          </p:stCondLst>
+                                        </p:cTn>
+                                        <p:tgtEl>
+                                          <p:spTgt spid="15">
+                                            <p:txEl>
+                                              <p:pRg st="4" end="4"/>
+                                            </p:txEl>
+                                          </p:spTgt>
+                                        </p:tgtEl>
+                                        <p:attrNameLst>
+                                          <p:attrName>style.visibility</p:attrName>
+                                        </p:attrNameLst>
+                                      </p:cBhvr>
+                                      <p:to>
+                                        <p:strVal val="visible"/>
+                                      </p:to>
+                                    </p:set>
+                                  </p:childTnLst>
+                                </p:cTn>
+                              </p:par>
+                            </p:childTnLst>
+                          </p:cTn>
+                        </p:par>
+                      </p:childTnLst>
+                    </p:cTn>
+                  </p:par>
+                </p:childTnLst>
+              </p:cTn>
+              <p:prevCondLst>
+                <p:cond evt="onPrev" delay="0">
+                  <p:tgtEl>
+                    <p:sldTgt/>
+                  </p:tgtEl>
+                </p:cond>
+              </p:prevCondLst>
+              <p:nextCondLst>
+                <p:cond evt="onNext" delay="0">
+                  <p:tgtEl>
+                    <p:sldTgt/>
+                  </p:tgtEl>
+                </p:cond>
+              </p:nextCondLst>
+            </p:seq>
+          </p:childTnLst>
+        </p:cTn>
+      </p:par>
+    </p:tnLst>
+    <p:bldLst>
+      <p:bldP spid="15" grpId="0" build="p"/>
+    </p:bldLst>
+  </p:timing>
+</p:sld>
+</file>
+
+<file path=ppt/slides/slide5.xml><?xml version="1.0" encoding="utf-8"?>
+<p:sld xmlns:a="http://schemas.openxmlformats.org/drawingml/2006/main" xmlns:r="http://schemas.openxmlformats.org/officeDocument/2006/relationships" xmlns:p="http://schemas.openxmlformats.org/presentationml/2006/main">
+  <p:cSld>
+    <p:spTree>
+      <p:nvGrpSpPr>
+        <p:cNvPr id="1" name=""/>
+        <p:cNvGrpSpPr/>
+        <p:nvPr/>
+      </p:nvGrpSpPr>
+      <p:grpSpPr>
+        <a:xfrm>
+          <a:off x="0" y="0"/>
+          <a:ext cx="0" cy="0"/>
+          <a:chOff x="0" y="0"/>
+          <a:chExt cx="0" cy="0"/>
+        </a:xfrm>
+      </p:grpSpPr>
+      <p:sp>
+        <p:nvSpPr>
+          <p:cNvPr id="3" name="Title 2">
+            <a:extLst>
+              <a:ext uri="{FF2B5EF4-FFF2-40B4-BE49-F238E27FC236}">
+                <a16:creationId xmlns:a16="http://schemas.microsoft.com/office/drawing/2014/main" id="{DD4CCBC4-98AD-43BA-A272-25AE720BD7AF}"/>
+              </a:ext>
+            </a:extLst>
+          </p:cNvPr>
+          <p:cNvSpPr>
+            <a:spLocks noGrp="1"/>
+          </p:cNvSpPr>
+          <p:nvPr>
+            <p:ph type="title"/>
+          </p:nvPr>
+        </p:nvSpPr>
+        <p:spPr/>
+        <p:txBody>
+          <a:bodyPr/>
+          <a:lstStyle/>
+          <a:p>
+            <a:pPr algn="ctr"/>
+            <a:r>
+              <a:rPr lang="en-US" dirty="0"/>
+              <a:t>WCF vs REST vs </a:t>
+            </a:r>
+            <a:r>
+              <a:rPr lang="en-US" dirty="0" err="1"/>
+              <a:t>GraphQL</a:t>
+            </a:r>
+            <a:endParaRPr lang="en-US" dirty="0"/>
+          </a:p>
+        </p:txBody>
+      </p:sp>
+      <p:sp>
+        <p:nvSpPr>
+          <p:cNvPr id="4" name="Text Placeholder 3">
+            <a:extLst>
+              <a:ext uri="{FF2B5EF4-FFF2-40B4-BE49-F238E27FC236}">
+                <a16:creationId xmlns:a16="http://schemas.microsoft.com/office/drawing/2014/main" id="{7763A51A-FAFA-4B9F-A6CE-D9B66F2EB4C8}"/>
+              </a:ext>
+            </a:extLst>
+          </p:cNvPr>
+          <p:cNvSpPr>
+            <a:spLocks noGrp="1"/>
+          </p:cNvSpPr>
+          <p:nvPr>
+            <p:ph type="body" idx="1"/>
+          </p:nvPr>
+        </p:nvSpPr>
+        <p:spPr>
+          <a:xfrm>
+            <a:off x="608967" y="1681163"/>
+            <a:ext cx="2986488" cy="823912"/>
+          </a:xfrm>
+        </p:spPr>
+        <p:txBody>
+          <a:bodyPr>
+            <a:normAutofit/>
+          </a:bodyPr>
+          <a:lstStyle/>
+          <a:p>
+            <a:r>
+              <a:rPr lang="en-US" sz="4000" dirty="0"/>
+              <a:t>WCF</a:t>
+            </a:r>
+          </a:p>
+        </p:txBody>
+      </p:sp>
+      <p:sp>
+        <p:nvSpPr>
+          <p:cNvPr id="5" name="Content Placeholder 4">
+            <a:extLst>
+              <a:ext uri="{FF2B5EF4-FFF2-40B4-BE49-F238E27FC236}">
+                <a16:creationId xmlns:a16="http://schemas.microsoft.com/office/drawing/2014/main" id="{E401F5E0-69A8-4F51-A07B-945CE648B5CC}"/>
+              </a:ext>
+            </a:extLst>
+          </p:cNvPr>
+          <p:cNvSpPr>
+            <a:spLocks noGrp="1"/>
+          </p:cNvSpPr>
+          <p:nvPr>
+            <p:ph sz="half" idx="2"/>
+          </p:nvPr>
+        </p:nvSpPr>
+        <p:spPr>
+          <a:xfrm>
+            <a:off x="620774" y="2638245"/>
+            <a:ext cx="3391932" cy="3684588"/>
+          </a:xfrm>
+        </p:spPr>
+        <p:txBody>
+          <a:bodyPr>
+            <a:normAutofit/>
+          </a:bodyPr>
+          <a:lstStyle/>
+          <a:p>
+            <a:r>
+              <a:rPr lang="en-US" dirty="0"/>
+              <a:t>Business Logic</a:t>
+            </a:r>
+          </a:p>
+          <a:p>
+            <a:r>
+              <a:rPr lang="en-US" dirty="0"/>
+              <a:t>Heavy Documentation</a:t>
+            </a:r>
+          </a:p>
+          <a:p>
+            <a:r>
+              <a:rPr lang="en-US" dirty="0"/>
+              <a:t>Endpoints with many methods</a:t>
+            </a:r>
+          </a:p>
+          <a:p>
+            <a:r>
+              <a:rPr lang="en-US" dirty="0"/>
+              <a:t>Business Layer</a:t>
+            </a:r>
+          </a:p>
+          <a:p>
+            <a:endParaRPr lang="en-US" dirty="0"/>
+          </a:p>
+        </p:txBody>
+      </p:sp>
+      <p:sp>
+        <p:nvSpPr>
+          <p:cNvPr id="6" name="Text Placeholder 5">
+            <a:extLst>
+              <a:ext uri="{FF2B5EF4-FFF2-40B4-BE49-F238E27FC236}">
+                <a16:creationId xmlns:a16="http://schemas.microsoft.com/office/drawing/2014/main" id="{2A389FC0-1D76-4D50-B178-A0DA8A9F1F80}"/>
+              </a:ext>
+            </a:extLst>
+          </p:cNvPr>
+          <p:cNvSpPr>
+            <a:spLocks noGrp="1"/>
+          </p:cNvSpPr>
+          <p:nvPr>
+            <p:ph type="body" sz="quarter" idx="3"/>
+          </p:nvPr>
+        </p:nvSpPr>
+        <p:spPr>
+          <a:xfrm>
+            <a:off x="4352273" y="1681163"/>
+            <a:ext cx="3391932" cy="823912"/>
+          </a:xfrm>
+        </p:spPr>
+        <p:txBody>
+          <a:bodyPr>
+            <a:normAutofit/>
+          </a:bodyPr>
+          <a:lstStyle/>
+          <a:p>
+            <a:r>
+              <a:rPr lang="en-US" sz="4000" dirty="0">
+                <a:solidFill>
+                  <a:srgbClr val="C00000"/>
+                </a:solidFill>
+              </a:rPr>
+              <a:t>REST</a:t>
+            </a:r>
+          </a:p>
+        </p:txBody>
+      </p:sp>
+      <p:sp>
+        <p:nvSpPr>
+          <p:cNvPr id="7" name="Content Placeholder 6">
+            <a:extLst>
+              <a:ext uri="{FF2B5EF4-FFF2-40B4-BE49-F238E27FC236}">
+                <a16:creationId xmlns:a16="http://schemas.microsoft.com/office/drawing/2014/main" id="{C3C64DC3-0FB5-478D-A5E6-91E9F12E6658}"/>
+              </a:ext>
+            </a:extLst>
+          </p:cNvPr>
+          <p:cNvSpPr>
+            <a:spLocks noGrp="1"/>
+          </p:cNvSpPr>
+          <p:nvPr>
+            <p:ph sz="quarter" idx="4"/>
+          </p:nvPr>
+        </p:nvSpPr>
+        <p:spPr>
+          <a:xfrm>
+            <a:off x="4352273" y="2638245"/>
+            <a:ext cx="3495583" cy="3684588"/>
+          </a:xfrm>
+        </p:spPr>
+        <p:txBody>
+          <a:bodyPr>
+            <a:normAutofit/>
+          </a:bodyPr>
+          <a:lstStyle/>
+          <a:p>
+            <a:r>
+              <a:rPr lang="en-US" dirty="0">
+                <a:solidFill>
+                  <a:srgbClr val="C00000"/>
+                </a:solidFill>
+              </a:rPr>
+              <a:t>Resource Driven</a:t>
+            </a:r>
+          </a:p>
+          <a:p>
+            <a:r>
+              <a:rPr lang="en-US" dirty="0">
+                <a:solidFill>
+                  <a:srgbClr val="C00000"/>
+                </a:solidFill>
+              </a:rPr>
+              <a:t>Little Documentation</a:t>
+            </a:r>
+          </a:p>
+          <a:p>
+            <a:r>
+              <a:rPr lang="en-US" dirty="0">
+                <a:solidFill>
+                  <a:srgbClr val="C00000"/>
+                </a:solidFill>
+              </a:rPr>
+              <a:t>Endpoint has few actions</a:t>
+            </a:r>
+          </a:p>
+          <a:p>
+            <a:r>
+              <a:rPr lang="en-US" dirty="0">
+                <a:solidFill>
+                  <a:srgbClr val="C00000"/>
+                </a:solidFill>
+              </a:rPr>
+              <a:t>Repository Layer</a:t>
+            </a:r>
+          </a:p>
+        </p:txBody>
+      </p:sp>
+      <p:sp>
+        <p:nvSpPr>
+          <p:cNvPr id="8" name="Text Placeholder 5">
+            <a:extLst>
+              <a:ext uri="{FF2B5EF4-FFF2-40B4-BE49-F238E27FC236}">
+                <a16:creationId xmlns:a16="http://schemas.microsoft.com/office/drawing/2014/main" id="{6FC46D79-0F17-4C5A-8A09-0F67C9C78725}"/>
+              </a:ext>
+            </a:extLst>
+          </p:cNvPr>
+          <p:cNvSpPr txBox="1">
+            <a:spLocks/>
+          </p:cNvSpPr>
+          <p:nvPr/>
+        </p:nvSpPr>
+        <p:spPr>
+          <a:xfrm>
+            <a:off x="8134906" y="1690688"/>
+            <a:ext cx="3391932" cy="823912"/>
+          </a:xfrm>
+          <a:prstGeom prst="rect">
+            <a:avLst/>
+          </a:prstGeom>
+        </p:spPr>
+        <p:txBody>
+          <a:bodyPr vert="horz" lIns="91440" tIns="45720" rIns="91440" bIns="45720" rtlCol="0" anchor="b">
+            <a:normAutofit/>
+          </a:bodyPr>
+          <a:lstStyle>
+            <a:lvl1pPr marL="0" indent="0" algn="l" defTabSz="914400" rtl="0" eaLnBrk="1" latinLnBrk="0" hangingPunct="1">
+              <a:lnSpc>
+                <a:spcPct val="90000"/>
+              </a:lnSpc>
+              <a:spcBef>
+                <a:spcPts val="1000"/>
+              </a:spcBef>
+              <a:buFont typeface="Arial" panose="020B0604020202020204" pitchFamily="34" charset="0"/>
+              <a:buNone/>
+              <a:defRPr sz="3200" b="1" kern="1200">
+                <a:solidFill>
+                  <a:srgbClr val="707070"/>
+                </a:solidFill>
+                <a:latin typeface="+mn-lt"/>
+                <a:ea typeface="+mn-ea"/>
+                <a:cs typeface="+mn-cs"/>
+              </a:defRPr>
+            </a:lvl1pPr>
+            <a:lvl2pPr marL="457200" indent="0" algn="l" defTabSz="914400" rtl="0" eaLnBrk="1" latinLnBrk="0" hangingPunct="1">
+              <a:lnSpc>
+                <a:spcPct val="90000"/>
+              </a:lnSpc>
+              <a:spcBef>
+                <a:spcPts val="500"/>
+              </a:spcBef>
+              <a:buFont typeface="Arial" panose="020B0604020202020204" pitchFamily="34" charset="0"/>
+              <a:buNone/>
+              <a:defRPr sz="2000" b="1" kern="1200">
+                <a:solidFill>
+                  <a:srgbClr val="707070"/>
+                </a:solidFill>
+                <a:latin typeface="+mn-lt"/>
+                <a:ea typeface="+mn-ea"/>
+                <a:cs typeface="+mn-cs"/>
+              </a:defRPr>
+            </a:lvl2pPr>
+            <a:lvl3pPr marL="914400" indent="0" algn="l" defTabSz="914400" rtl="0" eaLnBrk="1" latinLnBrk="0" hangingPunct="1">
+              <a:lnSpc>
+                <a:spcPct val="90000"/>
+              </a:lnSpc>
+              <a:spcBef>
+                <a:spcPts val="500"/>
+              </a:spcBef>
+              <a:buFont typeface="Arial" panose="020B0604020202020204" pitchFamily="34" charset="0"/>
+              <a:buNone/>
+              <a:defRPr sz="1800" b="1" kern="1200">
+                <a:solidFill>
+                  <a:srgbClr val="707070"/>
+                </a:solidFill>
+                <a:latin typeface="+mn-lt"/>
+                <a:ea typeface="+mn-ea"/>
+                <a:cs typeface="+mn-cs"/>
+              </a:defRPr>
+            </a:lvl3pPr>
+            <a:lvl4pPr marL="1371600" indent="0" algn="l" defTabSz="914400" rtl="0" eaLnBrk="1" latinLnBrk="0" hangingPunct="1">
+              <a:lnSpc>
+                <a:spcPct val="90000"/>
+              </a:lnSpc>
+              <a:spcBef>
+                <a:spcPts val="500"/>
+              </a:spcBef>
+              <a:buFont typeface="Arial" panose="020B0604020202020204" pitchFamily="34" charset="0"/>
+              <a:buNone/>
+              <a:defRPr sz="1600" b="1" kern="1200">
+                <a:solidFill>
+                  <a:srgbClr val="707070"/>
+                </a:solidFill>
+                <a:latin typeface="+mn-lt"/>
+                <a:ea typeface="+mn-ea"/>
+                <a:cs typeface="+mn-cs"/>
+              </a:defRPr>
+            </a:lvl4pPr>
+            <a:lvl5pPr marL="1828800" indent="0" algn="l" defTabSz="914400" rtl="0" eaLnBrk="1" latinLnBrk="0" hangingPunct="1">
+              <a:lnSpc>
+                <a:spcPct val="90000"/>
+              </a:lnSpc>
+              <a:spcBef>
+                <a:spcPts val="500"/>
+              </a:spcBef>
+              <a:buFont typeface="Arial" panose="020B0604020202020204" pitchFamily="34" charset="0"/>
+              <a:buNone/>
+              <a:defRPr sz="1600" b="1" kern="1200">
+                <a:solidFill>
+                  <a:srgbClr val="707070"/>
+                </a:solidFill>
+                <a:latin typeface="+mn-lt"/>
+                <a:ea typeface="+mn-ea"/>
+                <a:cs typeface="+mn-cs"/>
+              </a:defRPr>
+            </a:lvl5pPr>
+            <a:lvl6pPr marL="2286000" indent="0" algn="l" defTabSz="914400" rtl="0" eaLnBrk="1" latinLnBrk="0" hangingPunct="1">
+              <a:lnSpc>
+                <a:spcPct val="90000"/>
+              </a:lnSpc>
+              <a:spcBef>
+                <a:spcPts val="500"/>
+              </a:spcBef>
+              <a:buFont typeface="Arial" panose="020B0604020202020204" pitchFamily="34" charset="0"/>
+              <a:buNone/>
+              <a:defRPr sz="1600" b="1" kern="1200">
+                <a:solidFill>
+                  <a:schemeClr val="tx1"/>
+                </a:solidFill>
+                <a:latin typeface="+mn-lt"/>
+                <a:ea typeface="+mn-ea"/>
+                <a:cs typeface="+mn-cs"/>
+              </a:defRPr>
+            </a:lvl6pPr>
+            <a:lvl7pPr marL="2743200" indent="0" algn="l" defTabSz="914400" rtl="0" eaLnBrk="1" latinLnBrk="0" hangingPunct="1">
+              <a:lnSpc>
+                <a:spcPct val="90000"/>
+              </a:lnSpc>
+              <a:spcBef>
+                <a:spcPts val="500"/>
+              </a:spcBef>
+              <a:buFont typeface="Arial" panose="020B0604020202020204" pitchFamily="34" charset="0"/>
+              <a:buNone/>
+              <a:defRPr sz="1600" b="1" kern="1200">
+                <a:solidFill>
+                  <a:schemeClr val="tx1"/>
+                </a:solidFill>
+                <a:latin typeface="+mn-lt"/>
+                <a:ea typeface="+mn-ea"/>
+                <a:cs typeface="+mn-cs"/>
+              </a:defRPr>
+            </a:lvl7pPr>
+            <a:lvl8pPr marL="3200400" indent="0" algn="l" defTabSz="914400" rtl="0" eaLnBrk="1" latinLnBrk="0" hangingPunct="1">
+              <a:lnSpc>
+                <a:spcPct val="90000"/>
+              </a:lnSpc>
+              <a:spcBef>
+                <a:spcPts val="500"/>
+              </a:spcBef>
+              <a:buFont typeface="Arial" panose="020B0604020202020204" pitchFamily="34" charset="0"/>
+              <a:buNone/>
+              <a:defRPr sz="1600" b="1" kern="1200">
+                <a:solidFill>
+                  <a:schemeClr val="tx1"/>
+                </a:solidFill>
+                <a:latin typeface="+mn-lt"/>
+                <a:ea typeface="+mn-ea"/>
+                <a:cs typeface="+mn-cs"/>
+              </a:defRPr>
+            </a:lvl8pPr>
+            <a:lvl9pPr marL="3657600" indent="0" algn="l" defTabSz="914400" rtl="0" eaLnBrk="1" latinLnBrk="0" hangingPunct="1">
+              <a:lnSpc>
+                <a:spcPct val="90000"/>
+              </a:lnSpc>
+              <a:spcBef>
+                <a:spcPts val="500"/>
+              </a:spcBef>
+              <a:buFont typeface="Arial" panose="020B0604020202020204" pitchFamily="34" charset="0"/>
+              <a:buNone/>
+              <a:defRPr sz="1600" b="1" kern="1200">
+                <a:solidFill>
+                  <a:schemeClr val="tx1"/>
+                </a:solidFill>
+                <a:latin typeface="+mn-lt"/>
+                <a:ea typeface="+mn-ea"/>
+                <a:cs typeface="+mn-cs"/>
+              </a:defRPr>
+            </a:lvl9pPr>
+          </a:lstStyle>
+          <a:p>
+            <a:r>
+              <a:rPr lang="en-US" sz="4000" dirty="0" err="1"/>
+              <a:t>GraphQL</a:t>
+            </a:r>
+            <a:endParaRPr lang="en-US" sz="4000" dirty="0"/>
+          </a:p>
+        </p:txBody>
+      </p:sp>
+      <p:sp>
+        <p:nvSpPr>
+          <p:cNvPr id="9" name="Content Placeholder 6">
+            <a:extLst>
+              <a:ext uri="{FF2B5EF4-FFF2-40B4-BE49-F238E27FC236}">
+                <a16:creationId xmlns:a16="http://schemas.microsoft.com/office/drawing/2014/main" id="{2170B7E4-4010-4323-A292-7315837B0435}"/>
+              </a:ext>
+            </a:extLst>
+          </p:cNvPr>
+          <p:cNvSpPr txBox="1">
+            <a:spLocks/>
+          </p:cNvSpPr>
+          <p:nvPr/>
+        </p:nvSpPr>
+        <p:spPr>
+          <a:xfrm>
+            <a:off x="8134906" y="2647770"/>
+            <a:ext cx="3495583" cy="3684588"/>
+          </a:xfrm>
+          <a:prstGeom prst="rect">
+            <a:avLst/>
+          </a:prstGeom>
+        </p:spPr>
+        <p:txBody>
+          <a:bodyPr vert="horz" lIns="91440" tIns="45720" rIns="91440" bIns="45720" rtlCol="0">
+            <a:normAutofit/>
+          </a:bodyPr>
+          <a:lstStyle>
+            <a:lvl1pPr marL="228600" indent="-228600" algn="l" defTabSz="914400" rtl="0" eaLnBrk="1" latinLnBrk="0" hangingPunct="1">
+              <a:lnSpc>
+                <a:spcPct val="90000"/>
+              </a:lnSpc>
+              <a:spcBef>
+                <a:spcPts val="1000"/>
+              </a:spcBef>
+              <a:buFont typeface="Arial" panose="020B0604020202020204" pitchFamily="34" charset="0"/>
+              <a:buChar char="•"/>
+              <a:defRPr sz="3600" kern="1200">
+                <a:solidFill>
+                  <a:srgbClr val="707070"/>
+                </a:solidFill>
+                <a:latin typeface="+mn-lt"/>
+                <a:ea typeface="+mn-ea"/>
+                <a:cs typeface="+mn-cs"/>
+              </a:defRPr>
+            </a:lvl1pPr>
+            <a:lvl2pPr marL="685800" indent="-228600" algn="l" defTabSz="914400" rtl="0" eaLnBrk="1" latinLnBrk="0" hangingPunct="1">
+              <a:lnSpc>
+                <a:spcPct val="90000"/>
+              </a:lnSpc>
+              <a:spcBef>
+                <a:spcPts val="500"/>
+              </a:spcBef>
+              <a:buFont typeface="Arial" panose="020B0604020202020204" pitchFamily="34" charset="0"/>
+              <a:buChar char="•"/>
+              <a:defRPr sz="3200" kern="1200">
+                <a:solidFill>
+                  <a:srgbClr val="707070"/>
+                </a:solidFill>
+                <a:latin typeface="+mn-lt"/>
+                <a:ea typeface="+mn-ea"/>
+                <a:cs typeface="+mn-cs"/>
+              </a:defRPr>
+            </a:lvl2pPr>
+            <a:lvl3pPr marL="1143000" indent="-228600" algn="l" defTabSz="914400" rtl="0" eaLnBrk="1" latinLnBrk="0" hangingPunct="1">
+              <a:lnSpc>
+                <a:spcPct val="90000"/>
+              </a:lnSpc>
+              <a:spcBef>
+                <a:spcPts val="500"/>
+              </a:spcBef>
+              <a:buFont typeface="Arial" panose="020B0604020202020204" pitchFamily="34" charset="0"/>
+              <a:buChar char="•"/>
+              <a:defRPr sz="2800" kern="1200">
+                <a:solidFill>
+                  <a:srgbClr val="707070"/>
+                </a:solidFill>
+                <a:latin typeface="+mn-lt"/>
+                <a:ea typeface="+mn-ea"/>
+                <a:cs typeface="+mn-cs"/>
+              </a:defRPr>
+            </a:lvl3pPr>
+            <a:lvl4pPr marL="1600200" indent="-228600" algn="l" defTabSz="914400" rtl="0" eaLnBrk="1" latinLnBrk="0" hangingPunct="1">
+              <a:lnSpc>
+                <a:spcPct val="90000"/>
+              </a:lnSpc>
+              <a:spcBef>
+                <a:spcPts val="500"/>
+              </a:spcBef>
+              <a:buFont typeface="Arial" panose="020B0604020202020204" pitchFamily="34" charset="0"/>
+              <a:buChar char="•"/>
+              <a:defRPr sz="2400" kern="1200">
+                <a:solidFill>
+                  <a:srgbClr val="707070"/>
+                </a:solidFill>
+                <a:latin typeface="+mn-lt"/>
+                <a:ea typeface="+mn-ea"/>
+                <a:cs typeface="+mn-cs"/>
+              </a:defRPr>
+            </a:lvl4pPr>
+            <a:lvl5pPr marL="2057400" indent="-228600" algn="l" defTabSz="914400" rtl="0" eaLnBrk="1" latinLnBrk="0" hangingPunct="1">
+              <a:lnSpc>
+                <a:spcPct val="90000"/>
+              </a:lnSpc>
+              <a:spcBef>
+                <a:spcPts val="500"/>
+              </a:spcBef>
+              <a:buFont typeface="Arial" panose="020B0604020202020204" pitchFamily="34" charset="0"/>
+              <a:buChar char="•"/>
+              <a:defRPr sz="2400" kern="1200">
+                <a:solidFill>
+                  <a:srgbClr val="707070"/>
+                </a:solidFill>
+                <a:latin typeface="+mn-lt"/>
+                <a:ea typeface="+mn-ea"/>
+                <a:cs typeface="+mn-cs"/>
+              </a:defRPr>
+            </a:lvl5pPr>
+            <a:lvl6pPr marL="2514600" indent="-228600" algn="l" defTabSz="914400" rtl="0" eaLnBrk="1" latinLnBrk="0" hangingPunct="1">
+              <a:lnSpc>
+                <a:spcPct val="90000"/>
+              </a:lnSpc>
+              <a:spcBef>
+                <a:spcPts val="500"/>
+              </a:spcBef>
+              <a:buFont typeface="Arial" panose="020B0604020202020204" pitchFamily="34" charset="0"/>
+              <a:buChar char="•"/>
+              <a:defRPr sz="1800" kern="1200">
+                <a:solidFill>
+                  <a:schemeClr val="tx1"/>
+                </a:solidFill>
+                <a:latin typeface="+mn-lt"/>
+                <a:ea typeface="+mn-ea"/>
+                <a:cs typeface="+mn-cs"/>
+              </a:defRPr>
+            </a:lvl6pPr>
+            <a:lvl7pPr marL="2971800" indent="-228600" algn="l" defTabSz="914400" rtl="0" eaLnBrk="1" latinLnBrk="0" hangingPunct="1">
+              <a:lnSpc>
+                <a:spcPct val="90000"/>
+              </a:lnSpc>
+              <a:spcBef>
+                <a:spcPts val="500"/>
+              </a:spcBef>
+              <a:buFont typeface="Arial" panose="020B0604020202020204" pitchFamily="34" charset="0"/>
+              <a:buChar char="•"/>
+              <a:defRPr sz="1800" kern="1200">
+                <a:solidFill>
+                  <a:schemeClr val="tx1"/>
+                </a:solidFill>
+                <a:latin typeface="+mn-lt"/>
+                <a:ea typeface="+mn-ea"/>
+                <a:cs typeface="+mn-cs"/>
+              </a:defRPr>
+            </a:lvl7pPr>
+            <a:lvl8pPr marL="3429000" indent="-228600" algn="l" defTabSz="914400" rtl="0" eaLnBrk="1" latinLnBrk="0" hangingPunct="1">
+              <a:lnSpc>
+                <a:spcPct val="90000"/>
+              </a:lnSpc>
+              <a:spcBef>
+                <a:spcPts val="500"/>
+              </a:spcBef>
+              <a:buFont typeface="Arial" panose="020B0604020202020204" pitchFamily="34" charset="0"/>
+              <a:buChar char="•"/>
+              <a:defRPr sz="1800" kern="1200">
+                <a:solidFill>
+                  <a:schemeClr val="tx1"/>
+                </a:solidFill>
+                <a:latin typeface="+mn-lt"/>
+                <a:ea typeface="+mn-ea"/>
+                <a:cs typeface="+mn-cs"/>
+              </a:defRPr>
+            </a:lvl8pPr>
+            <a:lvl9pPr marL="3886200" indent="-228600" algn="l" defTabSz="914400" rtl="0" eaLnBrk="1" latinLnBrk="0" hangingPunct="1">
+              <a:lnSpc>
+                <a:spcPct val="90000"/>
+              </a:lnSpc>
+              <a:spcBef>
+                <a:spcPts val="500"/>
+              </a:spcBef>
+              <a:buFont typeface="Arial" panose="020B0604020202020204" pitchFamily="34" charset="0"/>
+              <a:buChar char="•"/>
+              <a:defRPr sz="1800" kern="1200">
+                <a:solidFill>
+                  <a:schemeClr val="tx1"/>
+                </a:solidFill>
+                <a:latin typeface="+mn-lt"/>
+                <a:ea typeface="+mn-ea"/>
+                <a:cs typeface="+mn-cs"/>
+              </a:defRPr>
+            </a:lvl9pPr>
+          </a:lstStyle>
+          <a:p>
+            <a:r>
+              <a:rPr lang="en-US" dirty="0"/>
+              <a:t>Resource and its Relationships</a:t>
+            </a:r>
+          </a:p>
+          <a:p>
+            <a:r>
+              <a:rPr lang="en-US" dirty="0"/>
+              <a:t>Semantic Model</a:t>
+            </a:r>
+          </a:p>
+          <a:p>
+            <a:r>
+              <a:rPr lang="en-US" dirty="0"/>
+              <a:t>Endpoint has few actions</a:t>
+            </a:r>
+          </a:p>
+          <a:p>
+            <a:r>
+              <a:rPr lang="en-US" dirty="0"/>
+              <a:t>Repository Layer</a:t>
+            </a:r>
+          </a:p>
+        </p:txBody>
+      </p:sp>
+    </p:spTree>
+    <p:extLst>
+      <p:ext uri="{BB962C8B-B14F-4D97-AF65-F5344CB8AC3E}">
+        <p14:creationId xmlns:p14="http://schemas.microsoft.com/office/powerpoint/2010/main" val="4271725042"/>
+      </p:ext>
+    </p:extLst>
+  </p:cSld>
+  <p:clrMapOvr>
+    <a:masterClrMapping/>
+  </p:clrMapOvr>
+  <p:timing>
+    <p:tnLst>
+      <p:par>
+        <p:cTn id="1" dur="indefinite" restart="never" nodeType="tmRoot">
+          <p:childTnLst>
+            <p:seq concurrent="1" nextAc="seek">
+              <p:cTn id="2" dur="indefinite" nodeType="mainSeq">
+                <p:childTnLst>
+                  <p:par>
+                    <p:cTn id="3" fill="hold">
+                      <p:stCondLst>
+                        <p:cond delay="indefinite"/>
+                      </p:stCondLst>
+                      <p:childTnLst>
+                        <p:par>
+                          <p:cTn id="4" fill="hold">
+                            <p:stCondLst>
+                              <p:cond delay="0"/>
+                            </p:stCondLst>
+                            <p:childTnLst>
+                              <p:par>
+                                <p:cTn id="5" presetID="1" presetClass="entr" presetSubtype="0" fill="hold" grpId="0" nodeType="clickEffect">
+                                  <p:stCondLst>
+                                    <p:cond delay="0"/>
+                                  </p:stCondLst>
+                                  <p:childTnLst>
+                                    <p:set>
+                                      <p:cBhvr>
+                                        <p:cTn id="6" dur="1" fill="hold">
+                                          <p:stCondLst>
+                                            <p:cond delay="0"/>
+                                          </p:stCondLst>
+                                        </p:cTn>
+                                        <p:tgtEl>
+                                          <p:spTgt spid="5">
+                                            <p:txEl>
+                                              <p:pRg st="0" end="0"/>
+                                            </p:txEl>
+                                          </p:spTgt>
+                                        </p:tgtEl>
+                                        <p:attrNameLst>
+                                          <p:attrName>style.visibility</p:attrName>
+                                        </p:attrNameLst>
+                                      </p:cBhvr>
+                                      <p:to>
+                                        <p:strVal val="visible"/>
+                                      </p:to>
+                                    </p:set>
+                                  </p:childTnLst>
+                                </p:cTn>
+                              </p:par>
+                            </p:childTnLst>
+                          </p:cTn>
+                        </p:par>
+                      </p:childTnLst>
+                    </p:cTn>
+                  </p:par>
+                  <p:par>
+                    <p:cTn id="7" fill="hold">
+                      <p:stCondLst>
+                        <p:cond delay="indefinite"/>
+                      </p:stCondLst>
+                      <p:childTnLst>
+                        <p:par>
+                          <p:cTn id="8" fill="hold">
+                            <p:stCondLst>
+                              <p:cond delay="0"/>
+                            </p:stCondLst>
+                            <p:childTnLst>
+                              <p:par>
+                                <p:cTn id="9" presetID="1" presetClass="entr" presetSubtype="0" fill="hold" grpId="0" nodeType="clickEffect">
+                                  <p:stCondLst>
+                                    <p:cond delay="0"/>
+                                  </p:stCondLst>
+                                  <p:childTnLst>
+                                    <p:set>
+                                      <p:cBhvr>
+                                        <p:cTn id="10" dur="1" fill="hold">
+                                          <p:stCondLst>
+                                            <p:cond delay="0"/>
+                                          </p:stCondLst>
+                                        </p:cTn>
+                                        <p:tgtEl>
+                                          <p:spTgt spid="5">
+                                            <p:txEl>
+                                              <p:pRg st="1" end="1"/>
+                                            </p:txEl>
+                                          </p:spTgt>
+                                        </p:tgtEl>
+                                        <p:attrNameLst>
+                                          <p:attrName>style.visibility</p:attrName>
+                                        </p:attrNameLst>
+                                      </p:cBhvr>
+                                      <p:to>
+                                        <p:strVal val="visible"/>
+                                      </p:to>
+                                    </p:set>
+                                  </p:childTnLst>
+                                </p:cTn>
+                              </p:par>
+                            </p:childTnLst>
+                          </p:cTn>
+                        </p:par>
+                      </p:childTnLst>
+                    </p:cTn>
+                  </p:par>
+                  <p:par>
+                    <p:cTn id="11" fill="hold">
+                      <p:stCondLst>
+                        <p:cond delay="indefinite"/>
+                      </p:stCondLst>
+                      <p:childTnLst>
+                        <p:par>
+                          <p:cTn id="12" fill="hold">
+                            <p:stCondLst>
+                              <p:cond delay="0"/>
+                            </p:stCondLst>
+                            <p:childTnLst>
+                              <p:par>
+                                <p:cTn id="13" presetID="1" presetClass="entr" presetSubtype="0" fill="hold" grpId="0" nodeType="clickEffect">
+                                  <p:stCondLst>
+                                    <p:cond delay="0"/>
+                                  </p:stCondLst>
+                                  <p:childTnLst>
+                                    <p:set>
+                                      <p:cBhvr>
+                                        <p:cTn id="14" dur="1" fill="hold">
+                                          <p:stCondLst>
+                                            <p:cond delay="0"/>
+                                          </p:stCondLst>
+                                        </p:cTn>
+                                        <p:tgtEl>
+                                          <p:spTgt spid="5">
+                                            <p:txEl>
+                                              <p:pRg st="2" end="2"/>
+                                            </p:txEl>
+                                          </p:spTgt>
+                                        </p:tgtEl>
+                                        <p:attrNameLst>
+                                          <p:attrName>style.visibility</p:attrName>
+                                        </p:attrNameLst>
+                                      </p:cBhvr>
+                                      <p:to>
+                                        <p:strVal val="visible"/>
+                                      </p:to>
+                                    </p:set>
+                                  </p:childTnLst>
+                                </p:cTn>
+                              </p:par>
+                            </p:childTnLst>
+                          </p:cTn>
+                        </p:par>
+                      </p:childTnLst>
+                    </p:cTn>
+                  </p:par>
+                  <p:par>
+                    <p:cTn id="15" fill="hold">
+                      <p:stCondLst>
+                        <p:cond delay="indefinite"/>
+                      </p:stCondLst>
+                      <p:childTnLst>
+                        <p:par>
+                          <p:cTn id="16" fill="hold">
+                            <p:stCondLst>
+                              <p:cond delay="0"/>
+                            </p:stCondLst>
+                            <p:childTnLst>
+                              <p:par>
+                                <p:cTn id="17" presetID="1" presetClass="entr" presetSubtype="0" fill="hold" grpId="0" nodeType="clickEffect">
+                                  <p:stCondLst>
+                                    <p:cond delay="0"/>
+                                  </p:stCondLst>
+                                  <p:childTnLst>
+                                    <p:set>
+                                      <p:cBhvr>
+                                        <p:cTn id="18" dur="1" fill="hold">
+                                          <p:stCondLst>
+                                            <p:cond delay="0"/>
+                                          </p:stCondLst>
+                                        </p:cTn>
+                                        <p:tgtEl>
+                                          <p:spTgt spid="5">
+                                            <p:txEl>
+                                              <p:pRg st="3" end="3"/>
+                                            </p:txEl>
+                                          </p:spTgt>
+                                        </p:tgtEl>
+                                        <p:attrNameLst>
+                                          <p:attrName>style.visibility</p:attrName>
+                                        </p:attrNameLst>
+                                      </p:cBhvr>
+                                      <p:to>
+                                        <p:strVal val="visible"/>
+                                      </p:to>
+                                    </p:set>
+                                  </p:childTnLst>
+                                </p:cTn>
+                              </p:par>
+                            </p:childTnLst>
+                          </p:cTn>
+                        </p:par>
+                      </p:childTnLst>
+                    </p:cTn>
+                  </p:par>
+                  <p:par>
+                    <p:cTn id="19" fill="hold">
+                      <p:stCondLst>
+                        <p:cond delay="indefinite"/>
+                      </p:stCondLst>
+                      <p:childTnLst>
+                        <p:par>
+                          <p:cTn id="20" fill="hold">
+                            <p:stCondLst>
+                              <p:cond delay="0"/>
+                            </p:stCondLst>
+                            <p:childTnLst>
+                              <p:par>
+                                <p:cTn id="21" presetID="1" presetClass="entr" presetSubtype="0" fill="hold" grpId="0" nodeType="clickEffect">
+                                  <p:stCondLst>
+                                    <p:cond delay="0"/>
+                                  </p:stCondLst>
+                                  <p:childTnLst>
+                                    <p:set>
+                                      <p:cBhvr>
+                                        <p:cTn id="22" dur="1" fill="hold">
+                                          <p:stCondLst>
+                                            <p:cond delay="0"/>
+                                          </p:stCondLst>
+                                        </p:cTn>
+                                        <p:tgtEl>
+                                          <p:spTgt spid="7">
+                                            <p:txEl>
+                                              <p:pRg st="0" end="0"/>
+                                            </p:txEl>
+                                          </p:spTgt>
+                                        </p:tgtEl>
+                                        <p:attrNameLst>
+                                          <p:attrName>style.visibility</p:attrName>
+                                        </p:attrNameLst>
+                                      </p:cBhvr>
+                                      <p:to>
+                                        <p:strVal val="visible"/>
+                                      </p:to>
+                                    </p:set>
+                                  </p:childTnLst>
+                                </p:cTn>
+                              </p:par>
+                            </p:childTnLst>
+                          </p:cTn>
+                        </p:par>
+                      </p:childTnLst>
+                    </p:cTn>
+                  </p:par>
+                  <p:par>
+                    <p:cTn id="23" fill="hold">
+                      <p:stCondLst>
+                        <p:cond delay="indefinite"/>
+                      </p:stCondLst>
+                      <p:childTnLst>
+                        <p:par>
+                          <p:cTn id="24" fill="hold">
+                            <p:stCondLst>
+                              <p:cond delay="0"/>
+                            </p:stCondLst>
+                            <p:childTnLst>
+                              <p:par>
+                                <p:cTn id="25" presetID="1" presetClass="entr" presetSubtype="0" fill="hold" grpId="0" nodeType="clickEffect">
+                                  <p:stCondLst>
+                                    <p:cond delay="0"/>
+                                  </p:stCondLst>
+                                  <p:childTnLst>
+                                    <p:set>
+                                      <p:cBhvr>
+                                        <p:cTn id="26" dur="1" fill="hold">
+                                          <p:stCondLst>
+                                            <p:cond delay="0"/>
+                                          </p:stCondLst>
+                                        </p:cTn>
+                                        <p:tgtEl>
+                                          <p:spTgt spid="7">
+                                            <p:txEl>
+                                              <p:pRg st="1" end="1"/>
+                                            </p:txEl>
+                                          </p:spTgt>
+                                        </p:tgtEl>
+                                        <p:attrNameLst>
+                                          <p:attrName>style.visibility</p:attrName>
+                                        </p:attrNameLst>
+                                      </p:cBhvr>
+                                      <p:to>
+                                        <p:strVal val="visible"/>
+                                      </p:to>
+                                    </p:set>
+                                  </p:childTnLst>
+                                </p:cTn>
+                              </p:par>
+                            </p:childTnLst>
+                          </p:cTn>
+                        </p:par>
+                      </p:childTnLst>
+                    </p:cTn>
+                  </p:par>
+                  <p:par>
+                    <p:cTn id="27" fill="hold">
+                      <p:stCondLst>
+                        <p:cond delay="indefinite"/>
+                      </p:stCondLst>
+                      <p:childTnLst>
+                        <p:par>
+                          <p:cTn id="28" fill="hold">
+                            <p:stCondLst>
+                              <p:cond delay="0"/>
+                            </p:stCondLst>
+                            <p:childTnLst>
+                              <p:par>
+                                <p:cTn id="29" presetID="1" presetClass="entr" presetSubtype="0" fill="hold" grpId="0" nodeType="clickEffect">
+                                  <p:stCondLst>
+                                    <p:cond delay="0"/>
+                                  </p:stCondLst>
+                                  <p:childTnLst>
+                                    <p:set>
+                                      <p:cBhvr>
+                                        <p:cTn id="30" dur="1" fill="hold">
+                                          <p:stCondLst>
+                                            <p:cond delay="0"/>
+                                          </p:stCondLst>
+                                        </p:cTn>
+                                        <p:tgtEl>
+                                          <p:spTgt spid="7">
+                                            <p:txEl>
+                                              <p:pRg st="2" end="2"/>
+                                            </p:txEl>
+                                          </p:spTgt>
+                                        </p:tgtEl>
+                                        <p:attrNameLst>
+                                          <p:attrName>style.visibility</p:attrName>
+                                        </p:attrNameLst>
+                                      </p:cBhvr>
+                                      <p:to>
+                                        <p:strVal val="visible"/>
+                                      </p:to>
+                                    </p:set>
+                                  </p:childTnLst>
+                                </p:cTn>
+                              </p:par>
+                            </p:childTnLst>
+                          </p:cTn>
+                        </p:par>
+                      </p:childTnLst>
+                    </p:cTn>
+                  </p:par>
+                  <p:par>
+                    <p:cTn id="31" fill="hold">
+                      <p:stCondLst>
+                        <p:cond delay="indefinite"/>
+                      </p:stCondLst>
+                      <p:childTnLst>
+                        <p:par>
+                          <p:cTn id="32" fill="hold">
+                            <p:stCondLst>
+                              <p:cond delay="0"/>
+                            </p:stCondLst>
+                            <p:childTnLst>
+                              <p:par>
+                                <p:cTn id="33" presetID="1" presetClass="entr" presetSubtype="0" fill="hold" grpId="0" nodeType="clickEffect">
+                                  <p:stCondLst>
+                                    <p:cond delay="0"/>
+                                  </p:stCondLst>
+                                  <p:childTnLst>
+                                    <p:set>
+                                      <p:cBhvr>
+                                        <p:cTn id="34" dur="1" fill="hold">
+                                          <p:stCondLst>
+                                            <p:cond delay="0"/>
+                                          </p:stCondLst>
+                                        </p:cTn>
+                                        <p:tgtEl>
+                                          <p:spTgt spid="7">
+                                            <p:txEl>
+                                              <p:pRg st="3" end="3"/>
+                                            </p:txEl>
+                                          </p:spTgt>
+                                        </p:tgtEl>
+                                        <p:attrNameLst>
+                                          <p:attrName>style.visibility</p:attrName>
+                                        </p:attrNameLst>
+                                      </p:cBhvr>
+                                      <p:to>
+                                        <p:strVal val="visible"/>
+                                      </p:to>
+                                    </p:set>
+                                  </p:childTnLst>
+                                </p:cTn>
+                              </p:par>
+                            </p:childTnLst>
+                          </p:cTn>
+                        </p:par>
+                      </p:childTnLst>
+                    </p:cTn>
+                  </p:par>
+                  <p:par>
+                    <p:cTn id="35" fill="hold">
+                      <p:stCondLst>
+                        <p:cond delay="indefinite"/>
+                      </p:stCondLst>
+                      <p:childTnLst>
+                        <p:par>
+                          <p:cTn id="36" fill="hold">
+                            <p:stCondLst>
+                              <p:cond delay="0"/>
+                            </p:stCondLst>
+                            <p:childTnLst>
+                              <p:par>
+                                <p:cTn id="37" presetID="1" presetClass="entr" presetSubtype="0" fill="hold" grpId="0" nodeType="clickEffect">
+                                  <p:stCondLst>
+                                    <p:cond delay="0"/>
+                                  </p:stCondLst>
+                                  <p:childTnLst>
+                                    <p:set>
+                                      <p:cBhvr>
+                                        <p:cTn id="38" dur="1" fill="hold">
+                                          <p:stCondLst>
+                                            <p:cond delay="0"/>
+                                          </p:stCondLst>
+                                        </p:cTn>
+                                        <p:tgtEl>
+                                          <p:spTgt spid="9">
+                                            <p:txEl>
+                                              <p:pRg st="0" end="0"/>
+                                            </p:txEl>
+                                          </p:spTgt>
+                                        </p:tgtEl>
+                                        <p:attrNameLst>
+                                          <p:attrName>style.visibility</p:attrName>
+                                        </p:attrNameLst>
+                                      </p:cBhvr>
+                                      <p:to>
+                                        <p:strVal val="visible"/>
+                                      </p:to>
+                                    </p:set>
+                                  </p:childTnLst>
+                                </p:cTn>
+                              </p:par>
+                            </p:childTnLst>
+                          </p:cTn>
+                        </p:par>
+                      </p:childTnLst>
+                    </p:cTn>
+                  </p:par>
+                  <p:par>
+                    <p:cTn id="39" fill="hold">
+                      <p:stCondLst>
+                        <p:cond delay="indefinite"/>
+                      </p:stCondLst>
+                      <p:childTnLst>
+                        <p:par>
+                          <p:cTn id="40" fill="hold">
+                            <p:stCondLst>
+                              <p:cond delay="0"/>
+                            </p:stCondLst>
+                            <p:childTnLst>
+                              <p:par>
+                                <p:cTn id="41" presetID="1" presetClass="entr" presetSubtype="0" fill="hold" grpId="0" nodeType="clickEffect">
+                                  <p:stCondLst>
+                                    <p:cond delay="0"/>
+                                  </p:stCondLst>
+                                  <p:childTnLst>
+                                    <p:set>
+                                      <p:cBhvr>
+                                        <p:cTn id="42" dur="1" fill="hold">
+                                          <p:stCondLst>
+                                            <p:cond delay="0"/>
+                                          </p:stCondLst>
+                                        </p:cTn>
+                                        <p:tgtEl>
+                                          <p:spTgt spid="9">
+                                            <p:txEl>
+                                              <p:pRg st="1" end="1"/>
+                                            </p:txEl>
+                                          </p:spTgt>
+                                        </p:tgtEl>
+                                        <p:attrNameLst>
+                                          <p:attrName>style.visibility</p:attrName>
+                                        </p:attrNameLst>
+                                      </p:cBhvr>
+                                      <p:to>
+                                        <p:strVal val="visible"/>
+                                      </p:to>
+                                    </p:set>
+                                  </p:childTnLst>
+                                </p:cTn>
+                              </p:par>
+                            </p:childTnLst>
+                          </p:cTn>
+                        </p:par>
+                      </p:childTnLst>
+                    </p:cTn>
+                  </p:par>
+                  <p:par>
+                    <p:cTn id="43" fill="hold">
+                      <p:stCondLst>
+                        <p:cond delay="indefinite"/>
+                      </p:stCondLst>
+                      <p:childTnLst>
+                        <p:par>
+                          <p:cTn id="44" fill="hold">
+                            <p:stCondLst>
+                              <p:cond delay="0"/>
+                            </p:stCondLst>
+                            <p:childTnLst>
+                              <p:par>
+                                <p:cTn id="45" presetID="1" presetClass="entr" presetSubtype="0" fill="hold" grpId="0" nodeType="clickEffect">
+                                  <p:stCondLst>
+                                    <p:cond delay="0"/>
+                                  </p:stCondLst>
+                                  <p:childTnLst>
+                                    <p:set>
+                                      <p:cBhvr>
+                                        <p:cTn id="46" dur="1" fill="hold">
+                                          <p:stCondLst>
+                                            <p:cond delay="0"/>
+                                          </p:stCondLst>
+                                        </p:cTn>
+                                        <p:tgtEl>
+                                          <p:spTgt spid="9">
+                                            <p:txEl>
+                                              <p:pRg st="2" end="2"/>
+                                            </p:txEl>
+                                          </p:spTgt>
+                                        </p:tgtEl>
+                                        <p:attrNameLst>
+                                          <p:attrName>style.visibility</p:attrName>
+                                        </p:attrNameLst>
+                                      </p:cBhvr>
+                                      <p:to>
+                                        <p:strVal val="visible"/>
+                                      </p:to>
+                                    </p:set>
+                                  </p:childTnLst>
+                                </p:cTn>
+                              </p:par>
+                            </p:childTnLst>
+                          </p:cTn>
+                        </p:par>
+                      </p:childTnLst>
+                    </p:cTn>
+                  </p:par>
+                  <p:par>
+                    <p:cTn id="47" fill="hold">
+                      <p:stCondLst>
+                        <p:cond delay="indefinite"/>
+                      </p:stCondLst>
+                      <p:childTnLst>
+                        <p:par>
+                          <p:cTn id="48" fill="hold">
+                            <p:stCondLst>
+                              <p:cond delay="0"/>
+                            </p:stCondLst>
+                            <p:childTnLst>
+                              <p:par>
+                                <p:cTn id="49" presetID="1" presetClass="entr" presetSubtype="0" fill="hold" grpId="0" nodeType="clickEffect">
+                                  <p:stCondLst>
+                                    <p:cond delay="0"/>
+                                  </p:stCondLst>
+                                  <p:childTnLst>
+                                    <p:set>
+                                      <p:cBhvr>
+                                        <p:cTn id="50" dur="1" fill="hold">
+                                          <p:stCondLst>
+                                            <p:cond delay="0"/>
+                                          </p:stCondLst>
+                                        </p:cTn>
+                                        <p:tgtEl>
+                                          <p:spTgt spid="9">
+                                            <p:txEl>
+                                              <p:pRg st="3" end="3"/>
+                                            </p:txEl>
+                                          </p:spTgt>
+                                        </p:tgtEl>
+                                        <p:attrNameLst>
+                                          <p:attrName>style.visibility</p:attrName>
+                                        </p:attrNameLst>
+                                      </p:cBhvr>
+                                      <p:to>
+                                        <p:strVal val="visible"/>
+                                      </p:to>
+                                    </p:set>
+                                  </p:childTnLst>
+                                </p:cTn>
+                              </p:par>
+                            </p:childTnLst>
+                          </p:cTn>
+                        </p:par>
+                      </p:childTnLst>
+                    </p:cTn>
+                  </p:par>
+                </p:childTnLst>
+              </p:cTn>
+              <p:prevCondLst>
+                <p:cond evt="onPrev" delay="0">
+                  <p:tgtEl>
+                    <p:sldTgt/>
+                  </p:tgtEl>
+                </p:cond>
+              </p:prevCondLst>
+              <p:nextCondLst>
+                <p:cond evt="onNext" delay="0">
+                  <p:tgtEl>
+                    <p:sldTgt/>
+                  </p:tgtEl>
+                </p:cond>
+              </p:nextCondLst>
+            </p:seq>
+          </p:childTnLst>
+        </p:cTn>
+      </p:par>
+    </p:tnLst>
+    <p:bldLst>
+      <p:bldP spid="5" grpId="0" build="p"/>
+      <p:bldP spid="7" grpId="0" build="p"/>
+      <p:bldP spid="9" grpId="0" build="p"/>
+    </p:bldLst>
+  </p:timing>
+</p:sld>
+</file>
+
+<file path=ppt/slides/slide6.xml><?xml version="1.0" encoding="utf-8"?>
+<p:sld xmlns:a="http://schemas.openxmlformats.org/drawingml/2006/main" xmlns:r="http://schemas.openxmlformats.org/officeDocument/2006/relationships" xmlns:p="http://schemas.openxmlformats.org/presentationml/2006/main">
+  <p:cSld>
+    <p:spTree>
+      <p:nvGrpSpPr>
+        <p:cNvPr id="1" name=""/>
+        <p:cNvGrpSpPr/>
+        <p:nvPr/>
+      </p:nvGrpSpPr>
+      <p:grpSpPr>
+        <a:xfrm>
+          <a:off x="0" y="0"/>
+          <a:ext cx="0" cy="0"/>
+          <a:chOff x="0" y="0"/>
+          <a:chExt cx="0" cy="0"/>
+        </a:xfrm>
+      </p:grpSpPr>
+      <p:sp>
+        <p:nvSpPr>
+          <p:cNvPr id="3" name="Title 2">
+            <a:extLst>
+              <a:ext uri="{FF2B5EF4-FFF2-40B4-BE49-F238E27FC236}">
+                <a16:creationId xmlns:a16="http://schemas.microsoft.com/office/drawing/2014/main" id="{DD4CCBC4-98AD-43BA-A272-25AE720BD7AF}"/>
+              </a:ext>
+            </a:extLst>
+          </p:cNvPr>
+          <p:cNvSpPr>
+            <a:spLocks noGrp="1"/>
+          </p:cNvSpPr>
+          <p:nvPr>
+            <p:ph type="title"/>
+          </p:nvPr>
+        </p:nvSpPr>
+        <p:spPr/>
+        <p:txBody>
+          <a:bodyPr/>
+          <a:lstStyle/>
+          <a:p>
+            <a:pPr algn="ctr"/>
+            <a:r>
+              <a:rPr lang="en-US" dirty="0"/>
+              <a:t>WCF vs REST vs </a:t>
+            </a:r>
+            <a:r>
+              <a:rPr lang="en-US" dirty="0" err="1"/>
+              <a:t>GraphQL</a:t>
+            </a:r>
+            <a:endParaRPr lang="en-US" dirty="0"/>
+          </a:p>
+        </p:txBody>
+      </p:sp>
+      <p:sp>
+        <p:nvSpPr>
+          <p:cNvPr id="4" name="Text Placeholder 3">
+            <a:extLst>
+              <a:ext uri="{FF2B5EF4-FFF2-40B4-BE49-F238E27FC236}">
+                <a16:creationId xmlns:a16="http://schemas.microsoft.com/office/drawing/2014/main" id="{7763A51A-FAFA-4B9F-A6CE-D9B66F2EB4C8}"/>
+              </a:ext>
+            </a:extLst>
+          </p:cNvPr>
+          <p:cNvSpPr>
+            <a:spLocks noGrp="1"/>
+          </p:cNvSpPr>
+          <p:nvPr>
+            <p:ph type="body" idx="1"/>
+          </p:nvPr>
+        </p:nvSpPr>
+        <p:spPr>
+          <a:xfrm>
+            <a:off x="608967" y="1681163"/>
+            <a:ext cx="2986488" cy="823912"/>
+          </a:xfrm>
+        </p:spPr>
+        <p:txBody>
+          <a:bodyPr>
+            <a:normAutofit/>
+          </a:bodyPr>
+          <a:lstStyle/>
+          <a:p>
+            <a:r>
+              <a:rPr lang="en-US" sz="4000" dirty="0"/>
+              <a:t>WCF</a:t>
+            </a:r>
+          </a:p>
+        </p:txBody>
+      </p:sp>
+      <p:sp>
+        <p:nvSpPr>
+          <p:cNvPr id="5" name="Content Placeholder 4">
+            <a:extLst>
+              <a:ext uri="{FF2B5EF4-FFF2-40B4-BE49-F238E27FC236}">
+                <a16:creationId xmlns:a16="http://schemas.microsoft.com/office/drawing/2014/main" id="{E401F5E0-69A8-4F51-A07B-945CE648B5CC}"/>
+              </a:ext>
+            </a:extLst>
+          </p:cNvPr>
+          <p:cNvSpPr>
+            <a:spLocks noGrp="1"/>
+          </p:cNvSpPr>
+          <p:nvPr>
+            <p:ph sz="half" idx="2"/>
+          </p:nvPr>
+        </p:nvSpPr>
+        <p:spPr>
+          <a:xfrm>
+            <a:off x="620773" y="2629367"/>
+            <a:ext cx="3444449" cy="3684588"/>
+          </a:xfrm>
+        </p:spPr>
+        <p:txBody>
+          <a:bodyPr>
+            <a:normAutofit/>
+          </a:bodyPr>
+          <a:lstStyle/>
+          <a:p>
+            <a:r>
+              <a:rPr lang="en-US" dirty="0"/>
+              <a:t>Server – Flexible</a:t>
+            </a:r>
+          </a:p>
+          <a:p>
+            <a:r>
+              <a:rPr lang="en-US" dirty="0"/>
+              <a:t>Client – Rigid </a:t>
+            </a:r>
+          </a:p>
+          <a:p>
+            <a:endParaRPr lang="en-US" dirty="0"/>
+          </a:p>
+        </p:txBody>
+      </p:sp>
+      <p:sp>
+        <p:nvSpPr>
+          <p:cNvPr id="6" name="Text Placeholder 5">
+            <a:extLst>
+              <a:ext uri="{FF2B5EF4-FFF2-40B4-BE49-F238E27FC236}">
+                <a16:creationId xmlns:a16="http://schemas.microsoft.com/office/drawing/2014/main" id="{2A389FC0-1D76-4D50-B178-A0DA8A9F1F80}"/>
+              </a:ext>
+            </a:extLst>
+          </p:cNvPr>
+          <p:cNvSpPr>
+            <a:spLocks noGrp="1"/>
+          </p:cNvSpPr>
+          <p:nvPr>
+            <p:ph type="body" sz="quarter" idx="3"/>
+          </p:nvPr>
+        </p:nvSpPr>
+        <p:spPr>
+          <a:xfrm>
+            <a:off x="4352273" y="1681163"/>
+            <a:ext cx="3391932" cy="823912"/>
+          </a:xfrm>
+        </p:spPr>
+        <p:txBody>
+          <a:bodyPr>
+            <a:normAutofit/>
+          </a:bodyPr>
+          <a:lstStyle/>
+          <a:p>
+            <a:r>
+              <a:rPr lang="en-US" sz="4000" dirty="0">
+                <a:solidFill>
+                  <a:srgbClr val="C00000"/>
+                </a:solidFill>
+              </a:rPr>
+              <a:t>REST</a:t>
+            </a:r>
+          </a:p>
+        </p:txBody>
+      </p:sp>
+      <p:sp>
+        <p:nvSpPr>
+          <p:cNvPr id="7" name="Content Placeholder 6">
+            <a:extLst>
+              <a:ext uri="{FF2B5EF4-FFF2-40B4-BE49-F238E27FC236}">
+                <a16:creationId xmlns:a16="http://schemas.microsoft.com/office/drawing/2014/main" id="{C3C64DC3-0FB5-478D-A5E6-91E9F12E6658}"/>
+              </a:ext>
+            </a:extLst>
+          </p:cNvPr>
+          <p:cNvSpPr>
+            <a:spLocks noGrp="1"/>
+          </p:cNvSpPr>
+          <p:nvPr>
+            <p:ph sz="quarter" idx="4"/>
+          </p:nvPr>
+        </p:nvSpPr>
+        <p:spPr>
+          <a:xfrm>
+            <a:off x="4352273" y="2629367"/>
+            <a:ext cx="3495583" cy="3684588"/>
+          </a:xfrm>
+        </p:spPr>
+        <p:txBody>
+          <a:bodyPr>
+            <a:normAutofit/>
+          </a:bodyPr>
+          <a:lstStyle/>
+          <a:p>
+            <a:r>
+              <a:rPr lang="en-US" dirty="0">
+                <a:solidFill>
+                  <a:srgbClr val="C00000"/>
+                </a:solidFill>
+              </a:rPr>
+              <a:t>Server – Rigid </a:t>
+            </a:r>
+          </a:p>
+          <a:p>
+            <a:r>
+              <a:rPr lang="en-US" dirty="0">
+                <a:solidFill>
+                  <a:srgbClr val="C00000"/>
+                </a:solidFill>
+              </a:rPr>
+              <a:t>Client – Rigid </a:t>
+            </a:r>
+          </a:p>
+        </p:txBody>
+      </p:sp>
+      <p:sp>
+        <p:nvSpPr>
+          <p:cNvPr id="8" name="Text Placeholder 5">
+            <a:extLst>
+              <a:ext uri="{FF2B5EF4-FFF2-40B4-BE49-F238E27FC236}">
+                <a16:creationId xmlns:a16="http://schemas.microsoft.com/office/drawing/2014/main" id="{6FC46D79-0F17-4C5A-8A09-0F67C9C78725}"/>
+              </a:ext>
+            </a:extLst>
+          </p:cNvPr>
+          <p:cNvSpPr txBox="1">
+            <a:spLocks/>
+          </p:cNvSpPr>
+          <p:nvPr/>
+        </p:nvSpPr>
+        <p:spPr>
+          <a:xfrm>
+            <a:off x="8134906" y="1690688"/>
+            <a:ext cx="3391932" cy="823912"/>
+          </a:xfrm>
+          <a:prstGeom prst="rect">
+            <a:avLst/>
+          </a:prstGeom>
+        </p:spPr>
+        <p:txBody>
+          <a:bodyPr vert="horz" lIns="91440" tIns="45720" rIns="91440" bIns="45720" rtlCol="0" anchor="b">
+            <a:normAutofit/>
+          </a:bodyPr>
+          <a:lstStyle>
+            <a:lvl1pPr marL="0" indent="0" algn="l" defTabSz="914400" rtl="0" eaLnBrk="1" latinLnBrk="0" hangingPunct="1">
+              <a:lnSpc>
+                <a:spcPct val="90000"/>
+              </a:lnSpc>
+              <a:spcBef>
+                <a:spcPts val="1000"/>
+              </a:spcBef>
+              <a:buFont typeface="Arial" panose="020B0604020202020204" pitchFamily="34" charset="0"/>
+              <a:buNone/>
+              <a:defRPr sz="3200" b="1" kern="1200">
+                <a:solidFill>
+                  <a:srgbClr val="707070"/>
+                </a:solidFill>
+                <a:latin typeface="+mn-lt"/>
+                <a:ea typeface="+mn-ea"/>
+                <a:cs typeface="+mn-cs"/>
+              </a:defRPr>
+            </a:lvl1pPr>
+            <a:lvl2pPr marL="457200" indent="0" algn="l" defTabSz="914400" rtl="0" eaLnBrk="1" latinLnBrk="0" hangingPunct="1">
+              <a:lnSpc>
+                <a:spcPct val="90000"/>
+              </a:lnSpc>
+              <a:spcBef>
+                <a:spcPts val="500"/>
+              </a:spcBef>
+              <a:buFont typeface="Arial" panose="020B0604020202020204" pitchFamily="34" charset="0"/>
+              <a:buNone/>
+              <a:defRPr sz="2000" b="1" kern="1200">
+                <a:solidFill>
+                  <a:srgbClr val="707070"/>
+                </a:solidFill>
+                <a:latin typeface="+mn-lt"/>
+                <a:ea typeface="+mn-ea"/>
+                <a:cs typeface="+mn-cs"/>
+              </a:defRPr>
+            </a:lvl2pPr>
+            <a:lvl3pPr marL="914400" indent="0" algn="l" defTabSz="914400" rtl="0" eaLnBrk="1" latinLnBrk="0" hangingPunct="1">
+              <a:lnSpc>
+                <a:spcPct val="90000"/>
+              </a:lnSpc>
+              <a:spcBef>
+                <a:spcPts val="500"/>
+              </a:spcBef>
+              <a:buFont typeface="Arial" panose="020B0604020202020204" pitchFamily="34" charset="0"/>
+              <a:buNone/>
+              <a:defRPr sz="1800" b="1" kern="1200">
+                <a:solidFill>
+                  <a:srgbClr val="707070"/>
+                </a:solidFill>
+                <a:latin typeface="+mn-lt"/>
+                <a:ea typeface="+mn-ea"/>
+                <a:cs typeface="+mn-cs"/>
+              </a:defRPr>
+            </a:lvl3pPr>
+            <a:lvl4pPr marL="1371600" indent="0" algn="l" defTabSz="914400" rtl="0" eaLnBrk="1" latinLnBrk="0" hangingPunct="1">
+              <a:lnSpc>
+                <a:spcPct val="90000"/>
+              </a:lnSpc>
+              <a:spcBef>
+                <a:spcPts val="500"/>
+              </a:spcBef>
+              <a:buFont typeface="Arial" panose="020B0604020202020204" pitchFamily="34" charset="0"/>
+              <a:buNone/>
+              <a:defRPr sz="1600" b="1" kern="1200">
+                <a:solidFill>
+                  <a:srgbClr val="707070"/>
+                </a:solidFill>
+                <a:latin typeface="+mn-lt"/>
+                <a:ea typeface="+mn-ea"/>
+                <a:cs typeface="+mn-cs"/>
+              </a:defRPr>
+            </a:lvl4pPr>
+            <a:lvl5pPr marL="1828800" indent="0" algn="l" defTabSz="914400" rtl="0" eaLnBrk="1" latinLnBrk="0" hangingPunct="1">
+              <a:lnSpc>
+                <a:spcPct val="90000"/>
+              </a:lnSpc>
+              <a:spcBef>
+                <a:spcPts val="500"/>
+              </a:spcBef>
+              <a:buFont typeface="Arial" panose="020B0604020202020204" pitchFamily="34" charset="0"/>
+              <a:buNone/>
+              <a:defRPr sz="1600" b="1" kern="1200">
+                <a:solidFill>
+                  <a:srgbClr val="707070"/>
+                </a:solidFill>
+                <a:latin typeface="+mn-lt"/>
+                <a:ea typeface="+mn-ea"/>
+                <a:cs typeface="+mn-cs"/>
+              </a:defRPr>
+            </a:lvl5pPr>
+            <a:lvl6pPr marL="2286000" indent="0" algn="l" defTabSz="914400" rtl="0" eaLnBrk="1" latinLnBrk="0" hangingPunct="1">
+              <a:lnSpc>
+                <a:spcPct val="90000"/>
+              </a:lnSpc>
+              <a:spcBef>
+                <a:spcPts val="500"/>
+              </a:spcBef>
+              <a:buFont typeface="Arial" panose="020B0604020202020204" pitchFamily="34" charset="0"/>
+              <a:buNone/>
+              <a:defRPr sz="1600" b="1" kern="1200">
+                <a:solidFill>
+                  <a:schemeClr val="tx1"/>
+                </a:solidFill>
+                <a:latin typeface="+mn-lt"/>
+                <a:ea typeface="+mn-ea"/>
+                <a:cs typeface="+mn-cs"/>
+              </a:defRPr>
+            </a:lvl6pPr>
+            <a:lvl7pPr marL="2743200" indent="0" algn="l" defTabSz="914400" rtl="0" eaLnBrk="1" latinLnBrk="0" hangingPunct="1">
+              <a:lnSpc>
+                <a:spcPct val="90000"/>
+              </a:lnSpc>
+              <a:spcBef>
+                <a:spcPts val="500"/>
+              </a:spcBef>
+              <a:buFont typeface="Arial" panose="020B0604020202020204" pitchFamily="34" charset="0"/>
+              <a:buNone/>
+              <a:defRPr sz="1600" b="1" kern="1200">
+                <a:solidFill>
+                  <a:schemeClr val="tx1"/>
+                </a:solidFill>
+                <a:latin typeface="+mn-lt"/>
+                <a:ea typeface="+mn-ea"/>
+                <a:cs typeface="+mn-cs"/>
+              </a:defRPr>
+            </a:lvl7pPr>
+            <a:lvl8pPr marL="3200400" indent="0" algn="l" defTabSz="914400" rtl="0" eaLnBrk="1" latinLnBrk="0" hangingPunct="1">
+              <a:lnSpc>
+                <a:spcPct val="90000"/>
+              </a:lnSpc>
+              <a:spcBef>
+                <a:spcPts val="500"/>
+              </a:spcBef>
+              <a:buFont typeface="Arial" panose="020B0604020202020204" pitchFamily="34" charset="0"/>
+              <a:buNone/>
+              <a:defRPr sz="1600" b="1" kern="1200">
+                <a:solidFill>
+                  <a:schemeClr val="tx1"/>
+                </a:solidFill>
+                <a:latin typeface="+mn-lt"/>
+                <a:ea typeface="+mn-ea"/>
+                <a:cs typeface="+mn-cs"/>
+              </a:defRPr>
+            </a:lvl8pPr>
+            <a:lvl9pPr marL="3657600" indent="0" algn="l" defTabSz="914400" rtl="0" eaLnBrk="1" latinLnBrk="0" hangingPunct="1">
+              <a:lnSpc>
+                <a:spcPct val="90000"/>
+              </a:lnSpc>
+              <a:spcBef>
+                <a:spcPts val="500"/>
+              </a:spcBef>
+              <a:buFont typeface="Arial" panose="020B0604020202020204" pitchFamily="34" charset="0"/>
+              <a:buNone/>
+              <a:defRPr sz="1600" b="1" kern="1200">
+                <a:solidFill>
+                  <a:schemeClr val="tx1"/>
+                </a:solidFill>
+                <a:latin typeface="+mn-lt"/>
+                <a:ea typeface="+mn-ea"/>
+                <a:cs typeface="+mn-cs"/>
+              </a:defRPr>
+            </a:lvl9pPr>
+          </a:lstStyle>
+          <a:p>
+            <a:r>
+              <a:rPr lang="en-US" sz="4000" dirty="0" err="1"/>
+              <a:t>GraphQL</a:t>
+            </a:r>
+            <a:endParaRPr lang="en-US" sz="4000" dirty="0"/>
+          </a:p>
+        </p:txBody>
+      </p:sp>
+      <p:sp>
+        <p:nvSpPr>
+          <p:cNvPr id="9" name="Content Placeholder 6">
+            <a:extLst>
+              <a:ext uri="{FF2B5EF4-FFF2-40B4-BE49-F238E27FC236}">
+                <a16:creationId xmlns:a16="http://schemas.microsoft.com/office/drawing/2014/main" id="{2170B7E4-4010-4323-A292-7315837B0435}"/>
+              </a:ext>
+            </a:extLst>
+          </p:cNvPr>
+          <p:cNvSpPr txBox="1">
+            <a:spLocks/>
+          </p:cNvSpPr>
+          <p:nvPr/>
+        </p:nvSpPr>
+        <p:spPr>
+          <a:xfrm>
+            <a:off x="8134906" y="2638892"/>
+            <a:ext cx="3495583" cy="3684588"/>
+          </a:xfrm>
+          <a:prstGeom prst="rect">
+            <a:avLst/>
+          </a:prstGeom>
+        </p:spPr>
+        <p:txBody>
+          <a:bodyPr vert="horz" lIns="91440" tIns="45720" rIns="91440" bIns="45720" rtlCol="0">
+            <a:normAutofit/>
+          </a:bodyPr>
+          <a:lstStyle>
+            <a:lvl1pPr marL="228600" indent="-228600" algn="l" defTabSz="914400" rtl="0" eaLnBrk="1" latinLnBrk="0" hangingPunct="1">
+              <a:lnSpc>
+                <a:spcPct val="90000"/>
+              </a:lnSpc>
+              <a:spcBef>
+                <a:spcPts val="1000"/>
+              </a:spcBef>
+              <a:buFont typeface="Arial" panose="020B0604020202020204" pitchFamily="34" charset="0"/>
+              <a:buChar char="•"/>
+              <a:defRPr sz="3600" kern="1200">
+                <a:solidFill>
+                  <a:srgbClr val="707070"/>
+                </a:solidFill>
+                <a:latin typeface="+mn-lt"/>
+                <a:ea typeface="+mn-ea"/>
+                <a:cs typeface="+mn-cs"/>
+              </a:defRPr>
+            </a:lvl1pPr>
+            <a:lvl2pPr marL="685800" indent="-228600" algn="l" defTabSz="914400" rtl="0" eaLnBrk="1" latinLnBrk="0" hangingPunct="1">
+              <a:lnSpc>
+                <a:spcPct val="90000"/>
+              </a:lnSpc>
+              <a:spcBef>
+                <a:spcPts val="500"/>
+              </a:spcBef>
+              <a:buFont typeface="Arial" panose="020B0604020202020204" pitchFamily="34" charset="0"/>
+              <a:buChar char="•"/>
+              <a:defRPr sz="3200" kern="1200">
+                <a:solidFill>
+                  <a:srgbClr val="707070"/>
+                </a:solidFill>
+                <a:latin typeface="+mn-lt"/>
+                <a:ea typeface="+mn-ea"/>
+                <a:cs typeface="+mn-cs"/>
+              </a:defRPr>
+            </a:lvl2pPr>
+            <a:lvl3pPr marL="1143000" indent="-228600" algn="l" defTabSz="914400" rtl="0" eaLnBrk="1" latinLnBrk="0" hangingPunct="1">
+              <a:lnSpc>
+                <a:spcPct val="90000"/>
+              </a:lnSpc>
+              <a:spcBef>
+                <a:spcPts val="500"/>
+              </a:spcBef>
+              <a:buFont typeface="Arial" panose="020B0604020202020204" pitchFamily="34" charset="0"/>
+              <a:buChar char="•"/>
+              <a:defRPr sz="2800" kern="1200">
+                <a:solidFill>
+                  <a:srgbClr val="707070"/>
+                </a:solidFill>
+                <a:latin typeface="+mn-lt"/>
+                <a:ea typeface="+mn-ea"/>
+                <a:cs typeface="+mn-cs"/>
+              </a:defRPr>
+            </a:lvl3pPr>
+            <a:lvl4pPr marL="1600200" indent="-228600" algn="l" defTabSz="914400" rtl="0" eaLnBrk="1" latinLnBrk="0" hangingPunct="1">
+              <a:lnSpc>
+                <a:spcPct val="90000"/>
+              </a:lnSpc>
+              <a:spcBef>
+                <a:spcPts val="500"/>
+              </a:spcBef>
+              <a:buFont typeface="Arial" panose="020B0604020202020204" pitchFamily="34" charset="0"/>
+              <a:buChar char="•"/>
+              <a:defRPr sz="2400" kern="1200">
+                <a:solidFill>
+                  <a:srgbClr val="707070"/>
+                </a:solidFill>
+                <a:latin typeface="+mn-lt"/>
+                <a:ea typeface="+mn-ea"/>
+                <a:cs typeface="+mn-cs"/>
+              </a:defRPr>
+            </a:lvl4pPr>
+            <a:lvl5pPr marL="2057400" indent="-228600" algn="l" defTabSz="914400" rtl="0" eaLnBrk="1" latinLnBrk="0" hangingPunct="1">
+              <a:lnSpc>
+                <a:spcPct val="90000"/>
+              </a:lnSpc>
+              <a:spcBef>
+                <a:spcPts val="500"/>
+              </a:spcBef>
+              <a:buFont typeface="Arial" panose="020B0604020202020204" pitchFamily="34" charset="0"/>
+              <a:buChar char="•"/>
+              <a:defRPr sz="2400" kern="1200">
+                <a:solidFill>
+                  <a:srgbClr val="707070"/>
+                </a:solidFill>
+                <a:latin typeface="+mn-lt"/>
+                <a:ea typeface="+mn-ea"/>
+                <a:cs typeface="+mn-cs"/>
+              </a:defRPr>
+            </a:lvl5pPr>
+            <a:lvl6pPr marL="2514600" indent="-228600" algn="l" defTabSz="914400" rtl="0" eaLnBrk="1" latinLnBrk="0" hangingPunct="1">
+              <a:lnSpc>
+                <a:spcPct val="90000"/>
+              </a:lnSpc>
+              <a:spcBef>
+                <a:spcPts val="500"/>
+              </a:spcBef>
+              <a:buFont typeface="Arial" panose="020B0604020202020204" pitchFamily="34" charset="0"/>
+              <a:buChar char="•"/>
+              <a:defRPr sz="1800" kern="1200">
+                <a:solidFill>
+                  <a:schemeClr val="tx1"/>
+                </a:solidFill>
+                <a:latin typeface="+mn-lt"/>
+                <a:ea typeface="+mn-ea"/>
+                <a:cs typeface="+mn-cs"/>
+              </a:defRPr>
+            </a:lvl6pPr>
+            <a:lvl7pPr marL="2971800" indent="-228600" algn="l" defTabSz="914400" rtl="0" eaLnBrk="1" latinLnBrk="0" hangingPunct="1">
+              <a:lnSpc>
+                <a:spcPct val="90000"/>
+              </a:lnSpc>
+              <a:spcBef>
+                <a:spcPts val="500"/>
+              </a:spcBef>
+              <a:buFont typeface="Arial" panose="020B0604020202020204" pitchFamily="34" charset="0"/>
+              <a:buChar char="•"/>
+              <a:defRPr sz="1800" kern="1200">
+                <a:solidFill>
+                  <a:schemeClr val="tx1"/>
+                </a:solidFill>
+                <a:latin typeface="+mn-lt"/>
+                <a:ea typeface="+mn-ea"/>
+                <a:cs typeface="+mn-cs"/>
+              </a:defRPr>
+            </a:lvl7pPr>
+            <a:lvl8pPr marL="3429000" indent="-228600" algn="l" defTabSz="914400" rtl="0" eaLnBrk="1" latinLnBrk="0" hangingPunct="1">
+              <a:lnSpc>
+                <a:spcPct val="90000"/>
+              </a:lnSpc>
+              <a:spcBef>
+                <a:spcPts val="500"/>
+              </a:spcBef>
+              <a:buFont typeface="Arial" panose="020B0604020202020204" pitchFamily="34" charset="0"/>
+              <a:buChar char="•"/>
+              <a:defRPr sz="1800" kern="1200">
+                <a:solidFill>
+                  <a:schemeClr val="tx1"/>
+                </a:solidFill>
+                <a:latin typeface="+mn-lt"/>
+                <a:ea typeface="+mn-ea"/>
+                <a:cs typeface="+mn-cs"/>
+              </a:defRPr>
+            </a:lvl8pPr>
+            <a:lvl9pPr marL="3886200" indent="-228600" algn="l" defTabSz="914400" rtl="0" eaLnBrk="1" latinLnBrk="0" hangingPunct="1">
+              <a:lnSpc>
+                <a:spcPct val="90000"/>
+              </a:lnSpc>
+              <a:spcBef>
+                <a:spcPts val="500"/>
+              </a:spcBef>
+              <a:buFont typeface="Arial" panose="020B0604020202020204" pitchFamily="34" charset="0"/>
+              <a:buChar char="•"/>
+              <a:defRPr sz="1800" kern="1200">
+                <a:solidFill>
+                  <a:schemeClr val="tx1"/>
+                </a:solidFill>
+                <a:latin typeface="+mn-lt"/>
+                <a:ea typeface="+mn-ea"/>
+                <a:cs typeface="+mn-cs"/>
+              </a:defRPr>
+            </a:lvl9pPr>
+          </a:lstStyle>
+          <a:p>
+            <a:r>
+              <a:rPr lang="en-US" dirty="0"/>
+              <a:t>Server – Rigid</a:t>
+            </a:r>
+          </a:p>
+          <a:p>
+            <a:r>
+              <a:rPr lang="en-US" dirty="0"/>
+              <a:t>Client – Flexible </a:t>
+            </a:r>
+          </a:p>
+        </p:txBody>
+      </p:sp>
+    </p:spTree>
+    <p:extLst>
+      <p:ext uri="{BB962C8B-B14F-4D97-AF65-F5344CB8AC3E}">
+        <p14:creationId xmlns:p14="http://schemas.microsoft.com/office/powerpoint/2010/main" val="3634157026"/>
+      </p:ext>
+    </p:extLst>
+  </p:cSld>
+  <p:clrMapOvr>
+    <a:masterClrMapping/>
+  </p:clrMapOvr>
+  <p:timing>
+    <p:tnLst>
+      <p:par>
+        <p:cTn id="1" dur="indefinite" restart="never" nodeType="tmRoot">
+          <p:childTnLst>
+            <p:seq concurrent="1" nextAc="seek">
+              <p:cTn id="2" dur="indefinite" nodeType="mainSeq">
+                <p:childTnLst>
+                  <p:par>
+                    <p:cTn id="3" fill="hold">
+                      <p:stCondLst>
+                        <p:cond delay="indefinite"/>
+                      </p:stCondLst>
+                      <p:childTnLst>
+                        <p:par>
+                          <p:cTn id="4" fill="hold">
+                            <p:stCondLst>
+                              <p:cond delay="0"/>
+                            </p:stCondLst>
+                            <p:childTnLst>
+                              <p:par>
+                                <p:cTn id="5" presetID="1" presetClass="entr" presetSubtype="0" fill="hold" grpId="0" nodeType="clickEffect">
+                                  <p:stCondLst>
+                                    <p:cond delay="0"/>
+                                  </p:stCondLst>
+                                  <p:childTnLst>
+                                    <p:set>
+                                      <p:cBhvr>
+                                        <p:cTn id="6" dur="1" fill="hold">
+                                          <p:stCondLst>
+                                            <p:cond delay="0"/>
+                                          </p:stCondLst>
+                                        </p:cTn>
+                                        <p:tgtEl>
+                                          <p:spTgt spid="5">
+                                            <p:txEl>
+                                              <p:pRg st="0" end="0"/>
+                                            </p:txEl>
+                                          </p:spTgt>
+                                        </p:tgtEl>
+                                        <p:attrNameLst>
+                                          <p:attrName>style.visibility</p:attrName>
+                                        </p:attrNameLst>
+                                      </p:cBhvr>
+                                      <p:to>
+                                        <p:strVal val="visible"/>
+                                      </p:to>
+                                    </p:set>
+                                  </p:childTnLst>
+                                </p:cTn>
+                              </p:par>
+                            </p:childTnLst>
+                          </p:cTn>
+                        </p:par>
+                      </p:childTnLst>
+                    </p:cTn>
+                  </p:par>
+                  <p:par>
+                    <p:cTn id="7" fill="hold">
+                      <p:stCondLst>
+                        <p:cond delay="indefinite"/>
+                      </p:stCondLst>
+                      <p:childTnLst>
+                        <p:par>
+                          <p:cTn id="8" fill="hold">
+                            <p:stCondLst>
+                              <p:cond delay="0"/>
+                            </p:stCondLst>
+                            <p:childTnLst>
+                              <p:par>
+                                <p:cTn id="9" presetID="1" presetClass="entr" presetSubtype="0" fill="hold" grpId="0" nodeType="clickEffect">
+                                  <p:stCondLst>
+                                    <p:cond delay="0"/>
+                                  </p:stCondLst>
+                                  <p:childTnLst>
+                                    <p:set>
+                                      <p:cBhvr>
+                                        <p:cTn id="10" dur="1" fill="hold">
+                                          <p:stCondLst>
+                                            <p:cond delay="0"/>
+                                          </p:stCondLst>
+                                        </p:cTn>
+                                        <p:tgtEl>
+                                          <p:spTgt spid="5">
+                                            <p:txEl>
+                                              <p:pRg st="1" end="1"/>
+                                            </p:txEl>
+                                          </p:spTgt>
+                                        </p:tgtEl>
+                                        <p:attrNameLst>
+                                          <p:attrName>style.visibility</p:attrName>
+                                        </p:attrNameLst>
+                                      </p:cBhvr>
+                                      <p:to>
+                                        <p:strVal val="visible"/>
+                                      </p:to>
+                                    </p:set>
+                                  </p:childTnLst>
+                                </p:cTn>
+                              </p:par>
+                            </p:childTnLst>
+                          </p:cTn>
+                        </p:par>
+                      </p:childTnLst>
+                    </p:cTn>
+                  </p:par>
+                  <p:par>
+                    <p:cTn id="11" fill="hold">
+                      <p:stCondLst>
+                        <p:cond delay="indefinite"/>
+                      </p:stCondLst>
+                      <p:childTnLst>
+                        <p:par>
+                          <p:cTn id="12" fill="hold">
+                            <p:stCondLst>
+                              <p:cond delay="0"/>
+                            </p:stCondLst>
+                            <p:childTnLst>
+                              <p:par>
+                                <p:cTn id="13" presetID="1" presetClass="entr" presetSubtype="0" fill="hold" grpId="0" nodeType="clickEffect">
+                                  <p:stCondLst>
+                                    <p:cond delay="0"/>
+                                  </p:stCondLst>
+                                  <p:childTnLst>
+                                    <p:set>
+                                      <p:cBhvr>
+                                        <p:cTn id="14" dur="1" fill="hold">
+                                          <p:stCondLst>
+                                            <p:cond delay="0"/>
+                                          </p:stCondLst>
+                                        </p:cTn>
+                                        <p:tgtEl>
+                                          <p:spTgt spid="7">
+                                            <p:txEl>
+                                              <p:pRg st="0" end="0"/>
+                                            </p:txEl>
+                                          </p:spTgt>
+                                        </p:tgtEl>
+                                        <p:attrNameLst>
+                                          <p:attrName>style.visibility</p:attrName>
+                                        </p:attrNameLst>
+                                      </p:cBhvr>
+                                      <p:to>
+                                        <p:strVal val="visible"/>
+                                      </p:to>
+                                    </p:set>
+                                  </p:childTnLst>
+                                </p:cTn>
+                              </p:par>
+                            </p:childTnLst>
+                          </p:cTn>
+                        </p:par>
+                      </p:childTnLst>
+                    </p:cTn>
+                  </p:par>
+                  <p:par>
+                    <p:cTn id="15" fill="hold">
+                      <p:stCondLst>
+                        <p:cond delay="indefinite"/>
+                      </p:stCondLst>
+                      <p:childTnLst>
+                        <p:par>
+                          <p:cTn id="16" fill="hold">
+                            <p:stCondLst>
+                              <p:cond delay="0"/>
+                            </p:stCondLst>
+                            <p:childTnLst>
+                              <p:par>
+                                <p:cTn id="17" presetID="1" presetClass="entr" presetSubtype="0" fill="hold" grpId="0" nodeType="clickEffect">
+                                  <p:stCondLst>
+                                    <p:cond delay="0"/>
+                                  </p:stCondLst>
+                                  <p:childTnLst>
+                                    <p:set>
+                                      <p:cBhvr>
+                                        <p:cTn id="18" dur="1" fill="hold">
+                                          <p:stCondLst>
+                                            <p:cond delay="0"/>
+                                          </p:stCondLst>
+                                        </p:cTn>
+                                        <p:tgtEl>
+                                          <p:spTgt spid="7">
+                                            <p:txEl>
+                                              <p:pRg st="1" end="1"/>
+                                            </p:txEl>
+                                          </p:spTgt>
+                                        </p:tgtEl>
+                                        <p:attrNameLst>
+                                          <p:attrName>style.visibility</p:attrName>
+                                        </p:attrNameLst>
+                                      </p:cBhvr>
+                                      <p:to>
+                                        <p:strVal val="visible"/>
+                                      </p:to>
+                                    </p:set>
+                                  </p:childTnLst>
+                                </p:cTn>
+                              </p:par>
+                            </p:childTnLst>
+                          </p:cTn>
+                        </p:par>
+                      </p:childTnLst>
+                    </p:cTn>
+                  </p:par>
+                  <p:par>
+                    <p:cTn id="19" fill="hold">
+                      <p:stCondLst>
+                        <p:cond delay="indefinite"/>
+                      </p:stCondLst>
+                      <p:childTnLst>
+                        <p:par>
+                          <p:cTn id="20" fill="hold">
+                            <p:stCondLst>
+                              <p:cond delay="0"/>
+                            </p:stCondLst>
+                            <p:childTnLst>
+                              <p:par>
+                                <p:cTn id="21" presetID="1" presetClass="entr" presetSubtype="0" fill="hold" grpId="0" nodeType="clickEffect">
+                                  <p:stCondLst>
+                                    <p:cond delay="0"/>
+                                  </p:stCondLst>
+                                  <p:childTnLst>
+                                    <p:set>
+                                      <p:cBhvr>
+                                        <p:cTn id="22" dur="1" fill="hold">
+                                          <p:stCondLst>
+                                            <p:cond delay="0"/>
+                                          </p:stCondLst>
+                                        </p:cTn>
+                                        <p:tgtEl>
+                                          <p:spTgt spid="9">
+                                            <p:txEl>
+                                              <p:pRg st="0" end="0"/>
+                                            </p:txEl>
+                                          </p:spTgt>
+                                        </p:tgtEl>
+                                        <p:attrNameLst>
+                                          <p:attrName>style.visibility</p:attrName>
+                                        </p:attrNameLst>
+                                      </p:cBhvr>
+                                      <p:to>
+                                        <p:strVal val="visible"/>
+                                      </p:to>
+                                    </p:set>
+                                  </p:childTnLst>
+                                </p:cTn>
+                              </p:par>
+                            </p:childTnLst>
+                          </p:cTn>
+                        </p:par>
+                      </p:childTnLst>
+                    </p:cTn>
+                  </p:par>
+                  <p:par>
+                    <p:cTn id="23" fill="hold">
+                      <p:stCondLst>
+                        <p:cond delay="indefinite"/>
+                      </p:stCondLst>
+                      <p:childTnLst>
+                        <p:par>
+                          <p:cTn id="24" fill="hold">
+                            <p:stCondLst>
+                              <p:cond delay="0"/>
+                            </p:stCondLst>
+                            <p:childTnLst>
+                              <p:par>
+                                <p:cTn id="25" presetID="1" presetClass="entr" presetSubtype="0" fill="hold" grpId="0" nodeType="clickEffect">
+                                  <p:stCondLst>
+                                    <p:cond delay="0"/>
+                                  </p:stCondLst>
+                                  <p:childTnLst>
+                                    <p:set>
+                                      <p:cBhvr>
+                                        <p:cTn id="26" dur="1" fill="hold">
+                                          <p:stCondLst>
+                                            <p:cond delay="0"/>
+                                          </p:stCondLst>
+                                        </p:cTn>
+                                        <p:tgtEl>
+                                          <p:spTgt spid="9">
+                                            <p:txEl>
+                                              <p:pRg st="1" end="1"/>
+                                            </p:txEl>
+                                          </p:spTgt>
+                                        </p:tgtEl>
+                                        <p:attrNameLst>
+                                          <p:attrName>style.visibility</p:attrName>
+                                        </p:attrNameLst>
+                                      </p:cBhvr>
+                                      <p:to>
+                                        <p:strVal val="visible"/>
+                                      </p:to>
+                                    </p:set>
+                                  </p:childTnLst>
+                                </p:cTn>
+                              </p:par>
+                            </p:childTnLst>
+                          </p:cTn>
+                        </p:par>
+                      </p:childTnLst>
+                    </p:cTn>
+                  </p:par>
+                </p:childTnLst>
+              </p:cTn>
+              <p:prevCondLst>
+                <p:cond evt="onPrev" delay="0">
+                  <p:tgtEl>
+                    <p:sldTgt/>
+                  </p:tgtEl>
+                </p:cond>
+              </p:prevCondLst>
+              <p:nextCondLst>
+                <p:cond evt="onNext" delay="0">
+                  <p:tgtEl>
+                    <p:sldTgt/>
+                  </p:tgtEl>
+                </p:cond>
+              </p:nextCondLst>
+            </p:seq>
+          </p:childTnLst>
+        </p:cTn>
+      </p:par>
+    </p:tnLst>
+    <p:bldLst>
+      <p:bldP spid="5" grpId="0" build="p"/>
+      <p:bldP spid="7" grpId="0" build="p"/>
+      <p:bldP spid="9" grpId="0" build="p"/>
+    </p:bldLst>
+  </p:timing>
+</p:sld>
+</file>
+
+<file path=ppt/slides/slide7.xml><?xml version="1.0" encoding="utf-8"?>
+<p:sld xmlns:a="http://schemas.openxmlformats.org/drawingml/2006/main" xmlns:r="http://schemas.openxmlformats.org/officeDocument/2006/relationships" xmlns:p="http://schemas.openxmlformats.org/presentationml/2006/main">
+  <p:cSld>
+    <p:spTree>
+      <p:nvGrpSpPr>
+        <p:cNvPr id="1" name=""/>
+        <p:cNvGrpSpPr/>
+        <p:nvPr/>
+      </p:nvGrpSpPr>
+      <p:grpSpPr>
+        <a:xfrm>
+          <a:off x="0" y="0"/>
+          <a:ext cx="0" cy="0"/>
+          <a:chOff x="0" y="0"/>
+          <a:chExt cx="0" cy="0"/>
+        </a:xfrm>
+      </p:grpSpPr>
+      <p:pic>
+        <p:nvPicPr>
+          <p:cNvPr id="13" name="Picture 12">
+            <a:extLst>
+              <a:ext uri="{FF2B5EF4-FFF2-40B4-BE49-F238E27FC236}">
+                <a16:creationId xmlns:a16="http://schemas.microsoft.com/office/drawing/2014/main" id="{737BF46B-2437-4B25-B74C-B8E173ACB569}"/>
+              </a:ext>
+            </a:extLst>
+          </p:cNvPr>
+          <p:cNvPicPr>
+            <a:picLocks noChangeAspect="1"/>
+          </p:cNvPicPr>
+          <p:nvPr/>
+        </p:nvPicPr>
+        <p:blipFill>
+          <a:blip r:embed="rId2"/>
+          <a:stretch>
+            <a:fillRect/>
+          </a:stretch>
+        </p:blipFill>
+        <p:spPr>
+          <a:xfrm>
+            <a:off x="506186" y="2600189"/>
+            <a:ext cx="11411494" cy="4406312"/>
+          </a:xfrm>
+          <a:prstGeom prst="rect">
+            <a:avLst/>
+          </a:prstGeom>
+        </p:spPr>
+      </p:pic>
+      <p:sp>
+        <p:nvSpPr>
+          <p:cNvPr id="3" name="Title 2">
+            <a:extLst>
+              <a:ext uri="{FF2B5EF4-FFF2-40B4-BE49-F238E27FC236}">
+                <a16:creationId xmlns:a16="http://schemas.microsoft.com/office/drawing/2014/main" id="{DD4CCBC4-98AD-43BA-A272-25AE720BD7AF}"/>
+              </a:ext>
+            </a:extLst>
+          </p:cNvPr>
+          <p:cNvSpPr>
+            <a:spLocks noGrp="1"/>
+          </p:cNvSpPr>
+          <p:nvPr>
+            <p:ph type="title"/>
+          </p:nvPr>
+        </p:nvSpPr>
+        <p:spPr/>
+        <p:txBody>
+          <a:bodyPr/>
+          <a:lstStyle/>
+          <a:p>
+            <a:pPr algn="ctr"/>
+            <a:r>
+              <a:rPr lang="en-US" dirty="0"/>
+              <a:t>WCF vs REST vs </a:t>
+            </a:r>
+            <a:r>
+              <a:rPr lang="en-US" dirty="0" err="1"/>
+              <a:t>GraphQL</a:t>
+            </a:r>
+            <a:endParaRPr lang="en-US" dirty="0"/>
+          </a:p>
+        </p:txBody>
+      </p:sp>
+      <p:sp>
+        <p:nvSpPr>
+          <p:cNvPr id="4" name="Text Placeholder 3">
+            <a:extLst>
+              <a:ext uri="{FF2B5EF4-FFF2-40B4-BE49-F238E27FC236}">
+                <a16:creationId xmlns:a16="http://schemas.microsoft.com/office/drawing/2014/main" id="{7763A51A-FAFA-4B9F-A6CE-D9B66F2EB4C8}"/>
+              </a:ext>
+            </a:extLst>
+          </p:cNvPr>
+          <p:cNvSpPr>
+            <a:spLocks noGrp="1"/>
+          </p:cNvSpPr>
+          <p:nvPr>
+            <p:ph type="body" idx="1"/>
+          </p:nvPr>
+        </p:nvSpPr>
+        <p:spPr>
+          <a:xfrm>
+            <a:off x="1547812" y="1690688"/>
+            <a:ext cx="1429068" cy="823912"/>
+          </a:xfrm>
+        </p:spPr>
+        <p:txBody>
+          <a:bodyPr>
+            <a:normAutofit/>
+          </a:bodyPr>
+          <a:lstStyle/>
+          <a:p>
+            <a:r>
+              <a:rPr lang="en-US" sz="4000" dirty="0"/>
+              <a:t>WCF</a:t>
+            </a:r>
+          </a:p>
+        </p:txBody>
+      </p:sp>
+      <p:sp>
+        <p:nvSpPr>
+          <p:cNvPr id="6" name="Text Placeholder 5">
+            <a:extLst>
+              <a:ext uri="{FF2B5EF4-FFF2-40B4-BE49-F238E27FC236}">
+                <a16:creationId xmlns:a16="http://schemas.microsoft.com/office/drawing/2014/main" id="{2A389FC0-1D76-4D50-B178-A0DA8A9F1F80}"/>
+              </a:ext>
+            </a:extLst>
+          </p:cNvPr>
+          <p:cNvSpPr>
+            <a:spLocks noGrp="1"/>
+          </p:cNvSpPr>
+          <p:nvPr>
+            <p:ph type="body" sz="quarter" idx="3"/>
+          </p:nvPr>
+        </p:nvSpPr>
+        <p:spPr>
+          <a:xfrm>
+            <a:off x="5380709" y="1690688"/>
+            <a:ext cx="1520207" cy="823912"/>
+          </a:xfrm>
+        </p:spPr>
+        <p:txBody>
+          <a:bodyPr>
+            <a:normAutofit/>
+          </a:bodyPr>
+          <a:lstStyle/>
+          <a:p>
+            <a:r>
+              <a:rPr lang="en-US" sz="4000" dirty="0">
+                <a:solidFill>
+                  <a:srgbClr val="C00000"/>
+                </a:solidFill>
+              </a:rPr>
+              <a:t>REST</a:t>
+            </a:r>
+          </a:p>
+        </p:txBody>
+      </p:sp>
+      <p:sp>
+        <p:nvSpPr>
+          <p:cNvPr id="8" name="Text Placeholder 5">
+            <a:extLst>
+              <a:ext uri="{FF2B5EF4-FFF2-40B4-BE49-F238E27FC236}">
+                <a16:creationId xmlns:a16="http://schemas.microsoft.com/office/drawing/2014/main" id="{6FC46D79-0F17-4C5A-8A09-0F67C9C78725}"/>
+              </a:ext>
+            </a:extLst>
+          </p:cNvPr>
+          <p:cNvSpPr txBox="1">
+            <a:spLocks/>
+          </p:cNvSpPr>
+          <p:nvPr/>
+        </p:nvSpPr>
+        <p:spPr>
+          <a:xfrm>
+            <a:off x="8835946" y="1690688"/>
+            <a:ext cx="2167334" cy="823912"/>
+          </a:xfrm>
+          <a:prstGeom prst="rect">
+            <a:avLst/>
+          </a:prstGeom>
+        </p:spPr>
+        <p:txBody>
+          <a:bodyPr vert="horz" lIns="91440" tIns="45720" rIns="91440" bIns="45720" rtlCol="0" anchor="b">
+            <a:normAutofit/>
+          </a:bodyPr>
+          <a:lstStyle>
+            <a:lvl1pPr marL="0" indent="0" algn="l" defTabSz="914400" rtl="0" eaLnBrk="1" latinLnBrk="0" hangingPunct="1">
+              <a:lnSpc>
+                <a:spcPct val="90000"/>
+              </a:lnSpc>
+              <a:spcBef>
+                <a:spcPts val="1000"/>
+              </a:spcBef>
+              <a:buFont typeface="Arial" panose="020B0604020202020204" pitchFamily="34" charset="0"/>
+              <a:buNone/>
+              <a:defRPr sz="3200" b="1" kern="1200">
+                <a:solidFill>
+                  <a:srgbClr val="707070"/>
+                </a:solidFill>
+                <a:latin typeface="+mn-lt"/>
+                <a:ea typeface="+mn-ea"/>
+                <a:cs typeface="+mn-cs"/>
+              </a:defRPr>
+            </a:lvl1pPr>
+            <a:lvl2pPr marL="457200" indent="0" algn="l" defTabSz="914400" rtl="0" eaLnBrk="1" latinLnBrk="0" hangingPunct="1">
+              <a:lnSpc>
+                <a:spcPct val="90000"/>
+              </a:lnSpc>
+              <a:spcBef>
+                <a:spcPts val="500"/>
+              </a:spcBef>
+              <a:buFont typeface="Arial" panose="020B0604020202020204" pitchFamily="34" charset="0"/>
+              <a:buNone/>
+              <a:defRPr sz="2000" b="1" kern="1200">
+                <a:solidFill>
+                  <a:srgbClr val="707070"/>
+                </a:solidFill>
+                <a:latin typeface="+mn-lt"/>
+                <a:ea typeface="+mn-ea"/>
+                <a:cs typeface="+mn-cs"/>
+              </a:defRPr>
+            </a:lvl2pPr>
+            <a:lvl3pPr marL="914400" indent="0" algn="l" defTabSz="914400" rtl="0" eaLnBrk="1" latinLnBrk="0" hangingPunct="1">
+              <a:lnSpc>
+                <a:spcPct val="90000"/>
+              </a:lnSpc>
+              <a:spcBef>
+                <a:spcPts val="500"/>
+              </a:spcBef>
+              <a:buFont typeface="Arial" panose="020B0604020202020204" pitchFamily="34" charset="0"/>
+              <a:buNone/>
+              <a:defRPr sz="1800" b="1" kern="1200">
+                <a:solidFill>
+                  <a:srgbClr val="707070"/>
+                </a:solidFill>
+                <a:latin typeface="+mn-lt"/>
+                <a:ea typeface="+mn-ea"/>
+                <a:cs typeface="+mn-cs"/>
+              </a:defRPr>
+            </a:lvl3pPr>
+            <a:lvl4pPr marL="1371600" indent="0" algn="l" defTabSz="914400" rtl="0" eaLnBrk="1" latinLnBrk="0" hangingPunct="1">
+              <a:lnSpc>
+                <a:spcPct val="90000"/>
+              </a:lnSpc>
+              <a:spcBef>
+                <a:spcPts val="500"/>
+              </a:spcBef>
+              <a:buFont typeface="Arial" panose="020B0604020202020204" pitchFamily="34" charset="0"/>
+              <a:buNone/>
+              <a:defRPr sz="1600" b="1" kern="1200">
+                <a:solidFill>
+                  <a:srgbClr val="707070"/>
+                </a:solidFill>
+                <a:latin typeface="+mn-lt"/>
+                <a:ea typeface="+mn-ea"/>
+                <a:cs typeface="+mn-cs"/>
+              </a:defRPr>
+            </a:lvl4pPr>
+            <a:lvl5pPr marL="1828800" indent="0" algn="l" defTabSz="914400" rtl="0" eaLnBrk="1" latinLnBrk="0" hangingPunct="1">
+              <a:lnSpc>
+                <a:spcPct val="90000"/>
+              </a:lnSpc>
+              <a:spcBef>
+                <a:spcPts val="500"/>
+              </a:spcBef>
+              <a:buFont typeface="Arial" panose="020B0604020202020204" pitchFamily="34" charset="0"/>
+              <a:buNone/>
+              <a:defRPr sz="1600" b="1" kern="1200">
+                <a:solidFill>
+                  <a:srgbClr val="707070"/>
+                </a:solidFill>
+                <a:latin typeface="+mn-lt"/>
+                <a:ea typeface="+mn-ea"/>
+                <a:cs typeface="+mn-cs"/>
+              </a:defRPr>
+            </a:lvl5pPr>
+            <a:lvl6pPr marL="2286000" indent="0" algn="l" defTabSz="914400" rtl="0" eaLnBrk="1" latinLnBrk="0" hangingPunct="1">
+              <a:lnSpc>
+                <a:spcPct val="90000"/>
+              </a:lnSpc>
+              <a:spcBef>
+                <a:spcPts val="500"/>
+              </a:spcBef>
+              <a:buFont typeface="Arial" panose="020B0604020202020204" pitchFamily="34" charset="0"/>
+              <a:buNone/>
+              <a:defRPr sz="1600" b="1" kern="1200">
+                <a:solidFill>
+                  <a:schemeClr val="tx1"/>
+                </a:solidFill>
+                <a:latin typeface="+mn-lt"/>
+                <a:ea typeface="+mn-ea"/>
+                <a:cs typeface="+mn-cs"/>
+              </a:defRPr>
+            </a:lvl6pPr>
+            <a:lvl7pPr marL="2743200" indent="0" algn="l" defTabSz="914400" rtl="0" eaLnBrk="1" latinLnBrk="0" hangingPunct="1">
+              <a:lnSpc>
+                <a:spcPct val="90000"/>
+              </a:lnSpc>
+              <a:spcBef>
+                <a:spcPts val="500"/>
+              </a:spcBef>
+              <a:buFont typeface="Arial" panose="020B0604020202020204" pitchFamily="34" charset="0"/>
+              <a:buNone/>
+              <a:defRPr sz="1600" b="1" kern="1200">
+                <a:solidFill>
+                  <a:schemeClr val="tx1"/>
+                </a:solidFill>
+                <a:latin typeface="+mn-lt"/>
+                <a:ea typeface="+mn-ea"/>
+                <a:cs typeface="+mn-cs"/>
+              </a:defRPr>
+            </a:lvl7pPr>
+            <a:lvl8pPr marL="3200400" indent="0" algn="l" defTabSz="914400" rtl="0" eaLnBrk="1" latinLnBrk="0" hangingPunct="1">
+              <a:lnSpc>
+                <a:spcPct val="90000"/>
+              </a:lnSpc>
+              <a:spcBef>
+                <a:spcPts val="500"/>
+              </a:spcBef>
+              <a:buFont typeface="Arial" panose="020B0604020202020204" pitchFamily="34" charset="0"/>
+              <a:buNone/>
+              <a:defRPr sz="1600" b="1" kern="1200">
+                <a:solidFill>
+                  <a:schemeClr val="tx1"/>
+                </a:solidFill>
+                <a:latin typeface="+mn-lt"/>
+                <a:ea typeface="+mn-ea"/>
+                <a:cs typeface="+mn-cs"/>
+              </a:defRPr>
+            </a:lvl8pPr>
+            <a:lvl9pPr marL="3657600" indent="0" algn="l" defTabSz="914400" rtl="0" eaLnBrk="1" latinLnBrk="0" hangingPunct="1">
+              <a:lnSpc>
+                <a:spcPct val="90000"/>
+              </a:lnSpc>
+              <a:spcBef>
+                <a:spcPts val="500"/>
+              </a:spcBef>
+              <a:buFont typeface="Arial" panose="020B0604020202020204" pitchFamily="34" charset="0"/>
+              <a:buNone/>
+              <a:defRPr sz="1600" b="1" kern="1200">
+                <a:solidFill>
+                  <a:schemeClr val="tx1"/>
+                </a:solidFill>
+                <a:latin typeface="+mn-lt"/>
+                <a:ea typeface="+mn-ea"/>
+                <a:cs typeface="+mn-cs"/>
+              </a:defRPr>
+            </a:lvl9pPr>
+          </a:lstStyle>
+          <a:p>
+            <a:r>
+              <a:rPr lang="en-US" sz="4000" dirty="0" err="1"/>
+              <a:t>GraphQL</a:t>
+            </a:r>
+            <a:endParaRPr lang="en-US" sz="4000" dirty="0"/>
+          </a:p>
+        </p:txBody>
+      </p:sp>
+    </p:spTree>
+    <p:extLst>
+      <p:ext uri="{BB962C8B-B14F-4D97-AF65-F5344CB8AC3E}">
+        <p14:creationId xmlns:p14="http://schemas.microsoft.com/office/powerpoint/2010/main" val="134796491"/>
+      </p:ext>
+    </p:extLst>
+  </p:cSld>
+  <p:clrMapOvr>
+    <a:masterClrMapping/>
+  </p:clrMapOvr>
+</p:sld>
+</file>
+
+<file path=ppt/slides/slide8.xml><?xml version="1.0" encoding="utf-8"?>
+<p:sld xmlns:a="http://schemas.openxmlformats.org/drawingml/2006/main" xmlns:r="http://schemas.openxmlformats.org/officeDocument/2006/relationships" xmlns:p="http://schemas.openxmlformats.org/presentationml/2006/main">
+  <p:cSld>
+    <p:spTree>
+      <p:nvGrpSpPr>
+        <p:cNvPr id="1" name=""/>
+        <p:cNvGrpSpPr/>
+        <p:nvPr/>
+      </p:nvGrpSpPr>
+      <p:grpSpPr>
+        <a:xfrm>
+          <a:off x="0" y="0"/>
+          <a:ext cx="0" cy="0"/>
+          <a:chOff x="0" y="0"/>
+          <a:chExt cx="0" cy="0"/>
+        </a:xfrm>
+      </p:grpSpPr>
+      <p:sp>
+        <p:nvSpPr>
+          <p:cNvPr id="6" name="Content Placeholder 5">
+            <a:extLst>
+              <a:ext uri="{FF2B5EF4-FFF2-40B4-BE49-F238E27FC236}">
+                <a16:creationId xmlns:a16="http://schemas.microsoft.com/office/drawing/2014/main" id="{DCB47459-01EA-48A3-B7D8-744C3732CFD1}"/>
+              </a:ext>
+            </a:extLst>
+          </p:cNvPr>
+          <p:cNvSpPr>
+            <a:spLocks noGrp="1"/>
+          </p:cNvSpPr>
+          <p:nvPr>
+            <p:ph idx="10"/>
+          </p:nvPr>
+        </p:nvSpPr>
+        <p:spPr/>
+        <p:txBody>
+          <a:bodyPr>
+            <a:normAutofit/>
+          </a:bodyPr>
+          <a:lstStyle/>
+          <a:p>
+            <a:r>
+              <a:rPr lang="en-US" sz="8800" dirty="0"/>
+              <a:t>What issues does REST </a:t>
+            </a:r>
+            <a:br>
+              <a:rPr lang="en-US" sz="8800" dirty="0"/>
+            </a:br>
+            <a:r>
+              <a:rPr lang="en-US" sz="8800" dirty="0"/>
+              <a:t>actually solve?</a:t>
+            </a:r>
+          </a:p>
+        </p:txBody>
+      </p:sp>
+    </p:spTree>
+    <p:extLst>
+      <p:ext uri="{BB962C8B-B14F-4D97-AF65-F5344CB8AC3E}">
+        <p14:creationId xmlns:p14="http://schemas.microsoft.com/office/powerpoint/2010/main" val="2502950256"/>
+      </p:ext>
+    </p:extLst>
+  </p:cSld>
+  <p:clrMapOvr>
+    <a:masterClrMapping/>
+  </p:clrMapOvr>
+</p:sld>
+</file>
+
+<file path=ppt/slides/slide9.xml><?xml version="1.0" encoding="utf-8"?>
+<p:sld xmlns:a="http://schemas.openxmlformats.org/drawingml/2006/main" xmlns:r="http://schemas.openxmlformats.org/officeDocument/2006/relationships" xmlns:p="http://schemas.openxmlformats.org/presentationml/2006/main">
+  <p:cSld>
+    <p:spTree>
+      <p:nvGrpSpPr>
+        <p:cNvPr id="1" name=""/>
+        <p:cNvGrpSpPr/>
+        <p:nvPr/>
+      </p:nvGrpSpPr>
+      <p:grpSpPr>
+        <a:xfrm>
+          <a:off x="0" y="0"/>
+          <a:ext cx="0" cy="0"/>
+          <a:chOff x="0" y="0"/>
+          <a:chExt cx="0" cy="0"/>
+        </a:xfrm>
+      </p:grpSpPr>
+      <p:sp>
+        <p:nvSpPr>
+          <p:cNvPr id="2" name="Content Placeholder 1">
+            <a:extLst>
+              <a:ext uri="{FF2B5EF4-FFF2-40B4-BE49-F238E27FC236}">
+                <a16:creationId xmlns:a16="http://schemas.microsoft.com/office/drawing/2014/main" id="{7A8414E8-89E9-4242-BDBC-A0560F769549}"/>
+              </a:ext>
+            </a:extLst>
+          </p:cNvPr>
+          <p:cNvSpPr>
+            <a:spLocks noGrp="1"/>
+          </p:cNvSpPr>
+          <p:nvPr>
+            <p:ph idx="1"/>
+          </p:nvPr>
+        </p:nvSpPr>
+        <p:spPr/>
+        <p:txBody>
+          <a:bodyPr/>
+          <a:lstStyle/>
+          <a:p>
+            <a:r>
+              <a:rPr lang="en-US" dirty="0"/>
+              <a:t>Separation of Business Domain and Server Resources</a:t>
+            </a:r>
+          </a:p>
+          <a:p>
+            <a:r>
+              <a:rPr lang="en-US" dirty="0"/>
+              <a:t>Well defined verbs/actions</a:t>
+            </a:r>
+          </a:p>
+          <a:p>
+            <a:r>
+              <a:rPr lang="en-US" dirty="0"/>
+              <a:t>Focuses on the resource</a:t>
+            </a:r>
+          </a:p>
+          <a:p>
+            <a:pPr lvl="1"/>
+            <a:r>
+              <a:rPr lang="en-US" dirty="0"/>
+              <a:t>Not business logic</a:t>
+            </a:r>
+          </a:p>
+          <a:p>
+            <a:pPr lvl="1"/>
+            <a:r>
+              <a:rPr lang="en-US" dirty="0"/>
+              <a:t>Not relationships</a:t>
+            </a:r>
+          </a:p>
+          <a:p>
+            <a:endParaRPr lang="en-US" dirty="0"/>
+          </a:p>
+        </p:txBody>
+      </p:sp>
+      <p:sp>
+        <p:nvSpPr>
+          <p:cNvPr id="3" name="Content Placeholder 2">
+            <a:extLst>
+              <a:ext uri="{FF2B5EF4-FFF2-40B4-BE49-F238E27FC236}">
+                <a16:creationId xmlns:a16="http://schemas.microsoft.com/office/drawing/2014/main" id="{EC1DC2A6-BF10-42A9-983C-153980C11F3D}"/>
+              </a:ext>
+            </a:extLst>
+          </p:cNvPr>
+          <p:cNvSpPr>
+            <a:spLocks noGrp="1"/>
+          </p:cNvSpPr>
+          <p:nvPr>
+            <p:ph idx="10"/>
+          </p:nvPr>
+        </p:nvSpPr>
+        <p:spPr/>
+        <p:txBody>
+          <a:bodyPr/>
+          <a:lstStyle/>
+          <a:p>
+            <a:r>
+              <a:rPr lang="en-US" dirty="0"/>
+              <a:t>REST is a</a:t>
+            </a:r>
+            <a:br>
+              <a:rPr lang="en-US" dirty="0"/>
+            </a:br>
+            <a:r>
+              <a:rPr lang="en-US" dirty="0"/>
+              <a:t>well defined</a:t>
+            </a:r>
+          </a:p>
+          <a:p>
+            <a:r>
+              <a:rPr lang="en-US" dirty="0"/>
+              <a:t>Architectural</a:t>
+            </a:r>
+          </a:p>
+          <a:p>
+            <a:r>
+              <a:rPr lang="en-US" dirty="0"/>
+              <a:t>Standard</a:t>
+            </a:r>
+          </a:p>
+        </p:txBody>
+      </p:sp>
+    </p:spTree>
+    <p:extLst>
+      <p:ext uri="{BB962C8B-B14F-4D97-AF65-F5344CB8AC3E}">
+        <p14:creationId xmlns:p14="http://schemas.microsoft.com/office/powerpoint/2010/main" val="1358832657"/>
+      </p:ext>
+    </p:extLst>
+  </p:cSld>
+  <p:clrMapOvr>
+    <a:masterClrMapping/>
+  </p:clrMapOvr>
+  <p:timing>
+    <p:tnLst>
+      <p:par>
+        <p:cTn id="1" dur="indefinite" restart="never" nodeType="tmRoot">
+          <p:childTnLst>
+            <p:seq concurrent="1" nextAc="seek">
+              <p:cTn id="2" dur="indefinite" nodeType="mainSeq">
+                <p:childTnLst>
+                  <p:par>
+                    <p:cTn id="3" fill="hold">
+                      <p:stCondLst>
+                        <p:cond delay="indefinite"/>
+                      </p:stCondLst>
+                      <p:childTnLst>
+                        <p:par>
+                          <p:cTn id="4" fill="hold">
+                            <p:stCondLst>
+                              <p:cond delay="0"/>
+                            </p:stCondLst>
+                            <p:childTnLst>
+                              <p:par>
+                                <p:cTn id="5" presetID="1" presetClass="entr" presetSubtype="0" fill="hold" grpId="0" nodeType="clickEffect">
+                                  <p:stCondLst>
+                                    <p:cond delay="0"/>
+                                  </p:stCondLst>
+                                  <p:childTnLst>
+                                    <p:set>
+                                      <p:cBhvr>
+                                        <p:cTn id="6" dur="1" fill="hold">
+                                          <p:stCondLst>
+                                            <p:cond delay="0"/>
+                                          </p:stCondLst>
+                                        </p:cTn>
+                                        <p:tgtEl>
+                                          <p:spTgt spid="2">
+                                            <p:txEl>
+                                              <p:pRg st="0" end="0"/>
+                                            </p:txEl>
+                                          </p:spTgt>
+                                        </p:tgtEl>
+                                        <p:attrNameLst>
+                                          <p:attrName>style.visibility</p:attrName>
+                                        </p:attrNameLst>
+                                      </p:cBhvr>
+                                      <p:to>
+                                        <p:strVal val="visible"/>
+                                      </p:to>
+                                    </p:set>
+                                  </p:childTnLst>
+                                </p:cTn>
+                              </p:par>
+                            </p:childTnLst>
+                          </p:cTn>
+                        </p:par>
+                      </p:childTnLst>
+                    </p:cTn>
+                  </p:par>
+                  <p:par>
+                    <p:cTn id="7" fill="hold">
+                      <p:stCondLst>
+                        <p:cond delay="indefinite"/>
+                      </p:stCondLst>
+                      <p:childTnLst>
+                        <p:par>
+                          <p:cTn id="8" fill="hold">
+                            <p:stCondLst>
+                              <p:cond delay="0"/>
+                            </p:stCondLst>
+                            <p:childTnLst>
+                              <p:par>
+                                <p:cTn id="9" presetID="1" presetClass="entr" presetSubtype="0" fill="hold" grpId="0" nodeType="clickEffect">
+                                  <p:stCondLst>
+                                    <p:cond delay="0"/>
+                                  </p:stCondLst>
+                                  <p:childTnLst>
+                                    <p:set>
+                                      <p:cBhvr>
+                                        <p:cTn id="10" dur="1" fill="hold">
+                                          <p:stCondLst>
+                                            <p:cond delay="0"/>
+                                          </p:stCondLst>
+                                        </p:cTn>
+                                        <p:tgtEl>
+                                          <p:spTgt spid="2">
+                                            <p:txEl>
+                                              <p:pRg st="1" end="1"/>
+                                            </p:txEl>
+                                          </p:spTgt>
+                                        </p:tgtEl>
+                                        <p:attrNameLst>
+                                          <p:attrName>style.visibility</p:attrName>
+                                        </p:attrNameLst>
+                                      </p:cBhvr>
+                                      <p:to>
+                                        <p:strVal val="visible"/>
+                                      </p:to>
+                                    </p:set>
+                                  </p:childTnLst>
+                                </p:cTn>
+                              </p:par>
+                            </p:childTnLst>
+                          </p:cTn>
+                        </p:par>
+                      </p:childTnLst>
+                    </p:cTn>
+                  </p:par>
+                  <p:par>
+                    <p:cTn id="11" fill="hold">
+                      <p:stCondLst>
+                        <p:cond delay="indefinite"/>
+                      </p:stCondLst>
+                      <p:childTnLst>
+                        <p:par>
+                          <p:cTn id="12" fill="hold">
+                            <p:stCondLst>
+                              <p:cond delay="0"/>
+                            </p:stCondLst>
+                            <p:childTnLst>
+                              <p:par>
+                                <p:cTn id="13" presetID="1" presetClass="entr" presetSubtype="0" fill="hold" grpId="0" nodeType="clickEffect">
+                                  <p:stCondLst>
+                                    <p:cond delay="0"/>
+                                  </p:stCondLst>
+                                  <p:childTnLst>
+                                    <p:set>
+                                      <p:cBhvr>
+                                        <p:cTn id="14" dur="1" fill="hold">
+                                          <p:stCondLst>
+                                            <p:cond delay="0"/>
+                                          </p:stCondLst>
+                                        </p:cTn>
+                                        <p:tgtEl>
+                                          <p:spTgt spid="2">
+                                            <p:txEl>
+                                              <p:pRg st="2" end="2"/>
+                                            </p:txEl>
+                                          </p:spTgt>
+                                        </p:tgtEl>
+                                        <p:attrNameLst>
+                                          <p:attrName>style.visibility</p:attrName>
+                                        </p:attrNameLst>
+                                      </p:cBhvr>
+                                      <p:to>
+                                        <p:strVal val="visible"/>
+                                      </p:to>
+                                    </p:set>
+                                  </p:childTnLst>
+                                </p:cTn>
+                              </p:par>
+                              <p:par>
+                                <p:cTn id="15" presetID="1" presetClass="entr" presetSubtype="0" fill="hold" grpId="0" nodeType="withEffect">
+                                  <p:stCondLst>
+                                    <p:cond delay="0"/>
+                                  </p:stCondLst>
+                                  <p:childTnLst>
+                                    <p:set>
+                                      <p:cBhvr>
+                                        <p:cTn id="16" dur="1" fill="hold">
+                                          <p:stCondLst>
+                                            <p:cond delay="0"/>
+                                          </p:stCondLst>
+                                        </p:cTn>
+                                        <p:tgtEl>
+                                          <p:spTgt spid="2">
+                                            <p:txEl>
+                                              <p:pRg st="3" end="3"/>
+                                            </p:txEl>
+                                          </p:spTgt>
+                                        </p:tgtEl>
+                                        <p:attrNameLst>
+                                          <p:attrName>style.visibility</p:attrName>
+                                        </p:attrNameLst>
+                                      </p:cBhvr>
+                                      <p:to>
+                                        <p:strVal val="visible"/>
+                                      </p:to>
+                                    </p:set>
+                                  </p:childTnLst>
+                                </p:cTn>
+                              </p:par>
+                              <p:par>
+                                <p:cTn id="17" presetID="1" presetClass="entr" presetSubtype="0" fill="hold" grpId="0" nodeType="withEffect">
+                                  <p:stCondLst>
+                                    <p:cond delay="0"/>
+                                  </p:stCondLst>
+                                  <p:childTnLst>
+                                    <p:set>
+                                      <p:cBhvr>
+                                        <p:cTn id="18" dur="1" fill="hold">
+                                          <p:stCondLst>
+                                            <p:cond delay="0"/>
+                                          </p:stCondLst>
+                                        </p:cTn>
+                                        <p:tgtEl>
+                                          <p:spTgt spid="2">
+                                            <p:txEl>
+                                              <p:pRg st="4" end="4"/>
+                                            </p:txEl>
+                                          </p:spTgt>
+                                        </p:tgtEl>
+                                        <p:attrNameLst>
+                                          <p:attrName>style.visibility</p:attrName>
+                                        </p:attrNameLst>
+                                      </p:cBhvr>
+                                      <p:to>
+                                        <p:strVal val="visible"/>
+                                      </p:to>
+                                    </p:set>
+                                  </p:childTnLst>
+                                </p:cTn>
+                              </p:par>
+                            </p:childTnLst>
+                          </p:cTn>
+                        </p:par>
+                      </p:childTnLst>
+                    </p:cTn>
+                  </p:par>
+                </p:childTnLst>
+              </p:cTn>
+              <p:prevCondLst>
+                <p:cond evt="onPrev" delay="0">
+                  <p:tgtEl>
+                    <p:sldTgt/>
+                  </p:tgtEl>
+                </p:cond>
+              </p:prevCondLst>
+              <p:nextCondLst>
+                <p:cond evt="onNext" delay="0">
+                  <p:tgtEl>
+                    <p:sldTgt/>
+                  </p:tgtEl>
+                </p:cond>
+              </p:nextCondLst>
+            </p:seq>
+          </p:childTnLst>
+        </p:cTn>
+      </p:par>
+    </p:tnLst>
+    <p:bldLst>
+      <p:bldP spid="2" grpId="0" build="p"/>
+    </p:bldLst>
+  </p:timing>
+</p:sld>
+</file>
+
 <file path=ppt/theme/theme1.xml><?xml version="1.0" encoding="utf-8"?>
 <a:theme xmlns:a="http://schemas.openxmlformats.org/drawingml/2006/main" name="Office Theme">
   <a:themeElements>
